--- a/머니샐러드_포트폴리오.pptx
+++ b/머니샐러드_포트폴리오.pptx
@@ -5,7 +5,7 @@
     <p:sldMasterId id="2147483648" r:id="rId1"/>
   </p:sldMasterIdLst>
   <p:notesMasterIdLst>
-    <p:notesMasterId r:id="rId10"/>
+    <p:notesMasterId r:id="rId12"/>
   </p:notesMasterIdLst>
   <p:sldIdLst>
     <p:sldId id="256" r:id="rId2"/>
@@ -15,7 +15,9 @@
     <p:sldId id="262" r:id="rId6"/>
     <p:sldId id="270" r:id="rId7"/>
     <p:sldId id="265" r:id="rId8"/>
-    <p:sldId id="269" r:id="rId9"/>
+    <p:sldId id="271" r:id="rId9"/>
+    <p:sldId id="272" r:id="rId10"/>
+    <p:sldId id="269" r:id="rId11"/>
   </p:sldIdLst>
   <p:sldSz cx="12192000" cy="6858000"/>
   <p:notesSz cx="6858000" cy="9144000"/>
@@ -3702,17 +3704,43 @@
             <p:ph type="ctrTitle"/>
           </p:nvPr>
         </p:nvSpPr>
-        <p:spPr/>
+        <p:spPr>
+          <a:xfrm>
+            <a:off x="1524000" y="1483089"/>
+            <a:ext cx="9144000" cy="2387600"/>
+          </a:xfrm>
+        </p:spPr>
         <p:txBody>
           <a:bodyPr/>
           <a:lstStyle/>
           <a:p>
             <a:r>
-              <a:rPr lang="ko-KR" altLang="en-US" u="sng" dirty="0" err="1">
+              <a:rPr lang="ko-KR" altLang="en-US" dirty="0" err="1">
                 <a:latin typeface="나눔바른고딕" panose="020B0603020101020101" pitchFamily="50" charset="-127"/>
                 <a:ea typeface="나눔바른고딕" panose="020B0603020101020101" pitchFamily="50" charset="-127"/>
               </a:rPr>
               <a:t>머니샐러드</a:t>
+            </a:r>
+            <a:r>
+              <a:rPr lang="en-US" altLang="ko-KR" dirty="0">
+                <a:latin typeface="나눔바른고딕" panose="020B0603020101020101" pitchFamily="50" charset="-127"/>
+                <a:ea typeface="나눔바른고딕" panose="020B0603020101020101" pitchFamily="50" charset="-127"/>
+              </a:rPr>
+              <a:t>(</a:t>
+            </a:r>
+            <a:r>
+              <a:rPr lang="en-US" altLang="ko-KR" dirty="0" err="1">
+                <a:latin typeface="나눔바른고딕" panose="020B0603020101020101" pitchFamily="50" charset="-127"/>
+                <a:ea typeface="나눔바른고딕" panose="020B0603020101020101" pitchFamily="50" charset="-127"/>
+              </a:rPr>
+              <a:t>MoneySalad</a:t>
+            </a:r>
+            <a:r>
+              <a:rPr lang="en-US" altLang="ko-KR" dirty="0">
+                <a:latin typeface="나눔바른고딕" panose="020B0603020101020101" pitchFamily="50" charset="-127"/>
+                <a:ea typeface="나눔바른고딕" panose="020B0603020101020101" pitchFamily="50" charset="-127"/>
+              </a:rPr>
+              <a:t>)</a:t>
             </a:r>
             <a:br>
               <a:rPr lang="en-US" altLang="ko-KR" u="sng" dirty="0">
@@ -3720,27 +3748,6 @@
                 <a:ea typeface="나눔바른고딕" panose="020B0603020101020101" pitchFamily="50" charset="-127"/>
               </a:rPr>
             </a:br>
-            <a:r>
-              <a:rPr lang="en-US" altLang="ko-KR" sz="4400" i="1" dirty="0">
-                <a:latin typeface="나눔바른고딕" panose="020B0603020101020101" pitchFamily="50" charset="-127"/>
-                <a:ea typeface="나눔바른고딕" panose="020B0603020101020101" pitchFamily="50" charset="-127"/>
-              </a:rPr>
-              <a:t>(</a:t>
-            </a:r>
-            <a:r>
-              <a:rPr lang="ko-KR" altLang="en-US" sz="4400" i="1" dirty="0">
-                <a:latin typeface="나눔바른고딕" panose="020B0603020101020101" pitchFamily="50" charset="-127"/>
-                <a:ea typeface="나눔바른고딕" panose="020B0603020101020101" pitchFamily="50" charset="-127"/>
-              </a:rPr>
-              <a:t>통합계좌 관리시스템</a:t>
-            </a:r>
-            <a:r>
-              <a:rPr lang="en-US" altLang="ko-KR" sz="4400" i="1" dirty="0">
-                <a:latin typeface="나눔바른고딕" panose="020B0603020101020101" pitchFamily="50" charset="-127"/>
-                <a:ea typeface="나눔바른고딕" panose="020B0603020101020101" pitchFamily="50" charset="-127"/>
-              </a:rPr>
-              <a:t>)</a:t>
-            </a:r>
             <a:endParaRPr lang="ko-KR" altLang="en-US" i="1" dirty="0">
               <a:latin typeface="나눔바른고딕" panose="020B0603020101020101" pitchFamily="50" charset="-127"/>
               <a:ea typeface="나눔바른고딕" panose="020B0603020101020101" pitchFamily="50" charset="-127"/>
@@ -3768,6 +3775,19 @@
         <p:txBody>
           <a:bodyPr/>
           <a:lstStyle/>
+          <a:p>
+            <a:r>
+              <a:rPr lang="ko-KR" altLang="en-US" i="1" dirty="0">
+                <a:latin typeface="나눔바른고딕" panose="020B0603020101020101" pitchFamily="50" charset="-127"/>
+                <a:ea typeface="나눔바른고딕" panose="020B0603020101020101" pitchFamily="50" charset="-127"/>
+              </a:rPr>
+              <a:t>통합계좌 관리시스템</a:t>
+            </a:r>
+            <a:endParaRPr lang="en-US" altLang="ko-KR" dirty="0">
+              <a:latin typeface="나눔바른고딕" panose="020B0603020101020101" pitchFamily="50" charset="-127"/>
+              <a:ea typeface="나눔바른고딕" panose="020B0603020101020101" pitchFamily="50" charset="-127"/>
+            </a:endParaRPr>
+          </a:p>
           <a:p>
             <a:r>
               <a:rPr lang="en-US" altLang="ko-KR" dirty="0">
@@ -3907,6 +3927,76 @@
     <p:extLst>
       <p:ext uri="{BB962C8B-B14F-4D97-AF65-F5344CB8AC3E}">
         <p14:creationId xmlns:p14="http://schemas.microsoft.com/office/powerpoint/2010/main" val="677793008"/>
+      </p:ext>
+    </p:extLst>
+  </p:cSld>
+  <p:clrMapOvr>
+    <a:masterClrMapping/>
+  </p:clrMapOvr>
+</p:sld>
+</file>
+
+<file path=ppt/slides/slide10.xml><?xml version="1.0" encoding="utf-8"?>
+<p:sld xmlns:a="http://schemas.openxmlformats.org/drawingml/2006/main" xmlns:r="http://schemas.openxmlformats.org/officeDocument/2006/relationships" xmlns:p="http://schemas.openxmlformats.org/presentationml/2006/main">
+  <p:cSld>
+    <p:spTree>
+      <p:nvGrpSpPr>
+        <p:cNvPr id="1" name=""/>
+        <p:cNvGrpSpPr/>
+        <p:nvPr/>
+      </p:nvGrpSpPr>
+      <p:grpSpPr>
+        <a:xfrm>
+          <a:off x="0" y="0"/>
+          <a:ext cx="0" cy="0"/>
+          <a:chOff x="0" y="0"/>
+          <a:chExt cx="0" cy="0"/>
+        </a:xfrm>
+      </p:grpSpPr>
+      <p:sp>
+        <p:nvSpPr>
+          <p:cNvPr id="4" name="TextBox 3">
+            <a:extLst>
+              <a:ext uri="{FF2B5EF4-FFF2-40B4-BE49-F238E27FC236}">
+                <a16:creationId xmlns:a16="http://schemas.microsoft.com/office/drawing/2014/main" id="{A0CC7B0F-3F78-4F57-8D5E-E0D81DBAC3A2}"/>
+              </a:ext>
+            </a:extLst>
+          </p:cNvPr>
+          <p:cNvSpPr txBox="1"/>
+          <p:nvPr/>
+        </p:nvSpPr>
+        <p:spPr>
+          <a:xfrm>
+            <a:off x="4531309" y="3044280"/>
+            <a:ext cx="3129383" cy="769441"/>
+          </a:xfrm>
+          <a:prstGeom prst="rect">
+            <a:avLst/>
+          </a:prstGeom>
+          <a:noFill/>
+        </p:spPr>
+        <p:txBody>
+          <a:bodyPr wrap="none" rtlCol="0">
+            <a:spAutoFit/>
+          </a:bodyPr>
+          <a:lstStyle/>
+          <a:p>
+            <a:r>
+              <a:rPr lang="ko-KR" altLang="en-US" sz="4400" dirty="0"/>
+              <a:t>감사합니다</a:t>
+            </a:r>
+            <a:r>
+              <a:rPr lang="en-US" altLang="ko-KR" sz="4400" dirty="0"/>
+              <a:t>.</a:t>
+            </a:r>
+            <a:endParaRPr lang="ko-KR" altLang="en-US" sz="4400" dirty="0"/>
+          </a:p>
+        </p:txBody>
+      </p:sp>
+    </p:spTree>
+    <p:extLst>
+      <p:ext uri="{BB962C8B-B14F-4D97-AF65-F5344CB8AC3E}">
+        <p14:creationId xmlns:p14="http://schemas.microsoft.com/office/powerpoint/2010/main" val="97516537"/>
       </p:ext>
     </p:extLst>
   </p:cSld>
@@ -4032,6 +4122,16 @@
             <a:r>
               <a:rPr lang="ko-KR" altLang="en-US" dirty="0"/>
               <a:t>모델</a:t>
+            </a:r>
+            <a:endParaRPr lang="en-US" altLang="ko-KR" dirty="0"/>
+          </a:p>
+          <a:p>
+            <a:pPr marL="514350" indent="-514350">
+              <a:buAutoNum type="arabicPeriod"/>
+            </a:pPr>
+            <a:r>
+              <a:rPr lang="ko-KR" altLang="en-US" dirty="0"/>
+              <a:t>프로젝트 소감</a:t>
             </a:r>
             <a:endParaRPr lang="en-US" altLang="ko-KR" dirty="0"/>
           </a:p>
@@ -4685,6 +4785,12 @@
             </a:r>
           </a:p>
           <a:p>
+            <a:r>
+              <a:rPr lang="en-US" altLang="ko-KR" dirty="0"/>
+              <a:t>Server: Tomcat9</a:t>
+            </a:r>
+          </a:p>
+          <a:p>
             <a:endParaRPr lang="en-US" altLang="ko-KR" dirty="0"/>
           </a:p>
           <a:p>
@@ -5648,6 +5754,42 @@
           <a:chExt cx="0" cy="0"/>
         </a:xfrm>
       </p:grpSpPr>
+      <p:pic>
+        <p:nvPicPr>
+          <p:cNvPr id="7" name="그림 6" descr="텍스트, 스크린샷이(가) 표시된 사진&#10;&#10;자동 생성된 설명">
+            <a:extLst>
+              <a:ext uri="{FF2B5EF4-FFF2-40B4-BE49-F238E27FC236}">
+                <a16:creationId xmlns:a16="http://schemas.microsoft.com/office/drawing/2014/main" id="{AB872242-D144-4682-A4A8-57E72E6F22B1}"/>
+              </a:ext>
+            </a:extLst>
+          </p:cNvPr>
+          <p:cNvPicPr>
+            <a:picLocks noChangeAspect="1"/>
+          </p:cNvPicPr>
+          <p:nvPr/>
+        </p:nvPicPr>
+        <p:blipFill>
+          <a:blip r:embed="rId2">
+            <a:extLst>
+              <a:ext uri="{28A0092B-C50C-407E-A947-70E740481C1C}">
+                <a14:useLocalDpi xmlns:a14="http://schemas.microsoft.com/office/drawing/2010/main" val="0"/>
+              </a:ext>
+            </a:extLst>
+          </a:blip>
+          <a:stretch>
+            <a:fillRect/>
+          </a:stretch>
+        </p:blipFill>
+        <p:spPr>
+          <a:xfrm>
+            <a:off x="922156" y="1308684"/>
+            <a:ext cx="10342069" cy="5524149"/>
+          </a:xfrm>
+          <a:prstGeom prst="rect">
+            <a:avLst/>
+          </a:prstGeom>
+        </p:spPr>
+      </p:pic>
       <p:sp>
         <p:nvSpPr>
           <p:cNvPr id="5" name="제목 1">
@@ -5749,42 +5891,6 @@
           </a:p>
         </p:txBody>
       </p:sp>
-      <p:pic>
-        <p:nvPicPr>
-          <p:cNvPr id="8" name="그림 7" descr="스크린샷이(가) 표시된 사진&#10;&#10;자동 생성된 설명">
-            <a:extLst>
-              <a:ext uri="{FF2B5EF4-FFF2-40B4-BE49-F238E27FC236}">
-                <a16:creationId xmlns:a16="http://schemas.microsoft.com/office/drawing/2014/main" id="{5A2E408B-2CB4-4674-A3FE-AE67BC35D956}"/>
-              </a:ext>
-            </a:extLst>
-          </p:cNvPr>
-          <p:cNvPicPr>
-            <a:picLocks noChangeAspect="1"/>
-          </p:cNvPicPr>
-          <p:nvPr/>
-        </p:nvPicPr>
-        <p:blipFill>
-          <a:blip r:embed="rId2">
-            <a:extLst>
-              <a:ext uri="{28A0092B-C50C-407E-A947-70E740481C1C}">
-                <a14:useLocalDpi xmlns:a14="http://schemas.microsoft.com/office/drawing/2010/main" val="0"/>
-              </a:ext>
-            </a:extLst>
-          </a:blip>
-          <a:stretch>
-            <a:fillRect/>
-          </a:stretch>
-        </p:blipFill>
-        <p:spPr>
-          <a:xfrm>
-            <a:off x="1212166" y="1465401"/>
-            <a:ext cx="10098257" cy="5096491"/>
-          </a:xfrm>
-          <a:prstGeom prst="rect">
-            <a:avLst/>
-          </a:prstGeom>
-        </p:spPr>
-      </p:pic>
       <p:sp>
         <p:nvSpPr>
           <p:cNvPr id="14" name="슬라이드 번호 개체 틀 5">
@@ -5918,6 +6024,268 @@
           </a:p>
         </p:txBody>
       </p:sp>
+      <p:sp>
+        <p:nvSpPr>
+          <p:cNvPr id="2" name="직사각형 1">
+            <a:extLst>
+              <a:ext uri="{FF2B5EF4-FFF2-40B4-BE49-F238E27FC236}">
+                <a16:creationId xmlns:a16="http://schemas.microsoft.com/office/drawing/2014/main" id="{F748653E-D093-45E5-862B-9F80FB9E2AB8}"/>
+              </a:ext>
+            </a:extLst>
+          </p:cNvPr>
+          <p:cNvSpPr/>
+          <p:nvPr/>
+        </p:nvSpPr>
+        <p:spPr>
+          <a:xfrm>
+            <a:off x="8461062" y="2547220"/>
+            <a:ext cx="2687907" cy="1345272"/>
+          </a:xfrm>
+          <a:prstGeom prst="rect">
+            <a:avLst/>
+          </a:prstGeom>
+          <a:noFill/>
+          <a:ln>
+            <a:solidFill>
+              <a:srgbClr val="FF0000"/>
+            </a:solidFill>
+          </a:ln>
+        </p:spPr>
+        <p:style>
+          <a:lnRef idx="2">
+            <a:schemeClr val="accent1">
+              <a:shade val="50000"/>
+            </a:schemeClr>
+          </a:lnRef>
+          <a:fillRef idx="1">
+            <a:schemeClr val="accent1"/>
+          </a:fillRef>
+          <a:effectRef idx="0">
+            <a:schemeClr val="accent1"/>
+          </a:effectRef>
+          <a:fontRef idx="minor">
+            <a:schemeClr val="lt1"/>
+          </a:fontRef>
+        </p:style>
+        <p:txBody>
+          <a:bodyPr rtlCol="0" anchor="ctr"/>
+          <a:lstStyle/>
+          <a:p>
+            <a:pPr algn="ctr"/>
+            <a:endParaRPr lang="ko-KR" altLang="en-US" dirty="0"/>
+          </a:p>
+        </p:txBody>
+      </p:sp>
+      <p:sp>
+        <p:nvSpPr>
+          <p:cNvPr id="3" name="TextBox 2">
+            <a:extLst>
+              <a:ext uri="{FF2B5EF4-FFF2-40B4-BE49-F238E27FC236}">
+                <a16:creationId xmlns:a16="http://schemas.microsoft.com/office/drawing/2014/main" id="{189CB983-4A26-4FA2-9A67-536CB89AF0DA}"/>
+              </a:ext>
+            </a:extLst>
+          </p:cNvPr>
+          <p:cNvSpPr txBox="1"/>
+          <p:nvPr/>
+        </p:nvSpPr>
+        <p:spPr>
+          <a:xfrm>
+            <a:off x="8461062" y="3892492"/>
+            <a:ext cx="2808782" cy="646331"/>
+          </a:xfrm>
+          <a:prstGeom prst="rect">
+            <a:avLst/>
+          </a:prstGeom>
+          <a:noFill/>
+        </p:spPr>
+        <p:txBody>
+          <a:bodyPr wrap="none" rtlCol="0">
+            <a:spAutoFit/>
+          </a:bodyPr>
+          <a:lstStyle/>
+          <a:p>
+            <a:pPr algn="ctr"/>
+            <a:r>
+              <a:rPr lang="ko-KR" altLang="en-US" dirty="0" err="1">
+                <a:solidFill>
+                  <a:srgbClr val="FF0000"/>
+                </a:solidFill>
+              </a:rPr>
+              <a:t>이력성</a:t>
+            </a:r>
+            <a:r>
+              <a:rPr lang="ko-KR" altLang="en-US" dirty="0">
+                <a:solidFill>
+                  <a:srgbClr val="FF0000"/>
+                </a:solidFill>
+              </a:rPr>
+              <a:t> </a:t>
+            </a:r>
+            <a:r>
+              <a:rPr lang="ko-KR" altLang="en-US" dirty="0" err="1">
+                <a:solidFill>
+                  <a:srgbClr val="FF0000"/>
+                </a:solidFill>
+              </a:rPr>
+              <a:t>엔터티</a:t>
+            </a:r>
+            <a:r>
+              <a:rPr lang="en-US" altLang="ko-KR" dirty="0">
+                <a:solidFill>
+                  <a:srgbClr val="FF0000"/>
+                </a:solidFill>
+              </a:rPr>
+              <a:t>:</a:t>
+            </a:r>
+            <a:endParaRPr lang="ko-KR" altLang="en-US" dirty="0">
+              <a:solidFill>
+                <a:srgbClr val="FF0000"/>
+              </a:solidFill>
+            </a:endParaRPr>
+          </a:p>
+          <a:p>
+            <a:pPr algn="ctr"/>
+            <a:r>
+              <a:rPr lang="en-US" altLang="ko-KR" dirty="0" err="1">
+                <a:solidFill>
+                  <a:srgbClr val="FF0000"/>
+                </a:solidFill>
+              </a:rPr>
+              <a:t>t_transaction</a:t>
+            </a:r>
+            <a:r>
+              <a:rPr lang="en-US" altLang="ko-KR" dirty="0">
+                <a:solidFill>
+                  <a:srgbClr val="FF0000"/>
+                </a:solidFill>
+              </a:rPr>
+              <a:t>(</a:t>
+            </a:r>
+            <a:r>
+              <a:rPr lang="ko-KR" altLang="en-US" dirty="0">
+                <a:solidFill>
+                  <a:srgbClr val="FF0000"/>
+                </a:solidFill>
+              </a:rPr>
+              <a:t>입출금내역</a:t>
+            </a:r>
+            <a:r>
+              <a:rPr lang="en-US" altLang="ko-KR" dirty="0">
+                <a:solidFill>
+                  <a:srgbClr val="FF0000"/>
+                </a:solidFill>
+              </a:rPr>
+              <a:t>)</a:t>
+            </a:r>
+          </a:p>
+        </p:txBody>
+      </p:sp>
+      <p:sp>
+        <p:nvSpPr>
+          <p:cNvPr id="9" name="직사각형 8">
+            <a:extLst>
+              <a:ext uri="{FF2B5EF4-FFF2-40B4-BE49-F238E27FC236}">
+                <a16:creationId xmlns:a16="http://schemas.microsoft.com/office/drawing/2014/main" id="{4EA2AE67-78D4-472D-A11E-AE4C9A988A88}"/>
+              </a:ext>
+            </a:extLst>
+          </p:cNvPr>
+          <p:cNvSpPr/>
+          <p:nvPr/>
+        </p:nvSpPr>
+        <p:spPr>
+          <a:xfrm>
+            <a:off x="3867325" y="4186106"/>
+            <a:ext cx="1258348" cy="365125"/>
+          </a:xfrm>
+          <a:prstGeom prst="rect">
+            <a:avLst/>
+          </a:prstGeom>
+          <a:noFill/>
+          <a:ln>
+            <a:solidFill>
+              <a:srgbClr val="FF0000"/>
+            </a:solidFill>
+          </a:ln>
+        </p:spPr>
+        <p:style>
+          <a:lnRef idx="2">
+            <a:schemeClr val="accent1">
+              <a:shade val="50000"/>
+            </a:schemeClr>
+          </a:lnRef>
+          <a:fillRef idx="1">
+            <a:schemeClr val="accent1"/>
+          </a:fillRef>
+          <a:effectRef idx="0">
+            <a:schemeClr val="accent1"/>
+          </a:effectRef>
+          <a:fontRef idx="minor">
+            <a:schemeClr val="lt1"/>
+          </a:fontRef>
+        </p:style>
+        <p:txBody>
+          <a:bodyPr rtlCol="0" anchor="ctr"/>
+          <a:lstStyle/>
+          <a:p>
+            <a:pPr algn="ctr"/>
+            <a:endParaRPr lang="ko-KR" altLang="en-US"/>
+          </a:p>
+        </p:txBody>
+      </p:sp>
+      <p:sp>
+        <p:nvSpPr>
+          <p:cNvPr id="10" name="TextBox 9">
+            <a:extLst>
+              <a:ext uri="{FF2B5EF4-FFF2-40B4-BE49-F238E27FC236}">
+                <a16:creationId xmlns:a16="http://schemas.microsoft.com/office/drawing/2014/main" id="{1D019F94-F470-4754-B1E8-171D98FA5E66}"/>
+              </a:ext>
+            </a:extLst>
+          </p:cNvPr>
+          <p:cNvSpPr txBox="1"/>
+          <p:nvPr/>
+        </p:nvSpPr>
+        <p:spPr>
+          <a:xfrm>
+            <a:off x="3470691" y="4643132"/>
+            <a:ext cx="2507418" cy="646331"/>
+          </a:xfrm>
+          <a:prstGeom prst="rect">
+            <a:avLst/>
+          </a:prstGeom>
+          <a:noFill/>
+        </p:spPr>
+        <p:txBody>
+          <a:bodyPr wrap="none" rtlCol="0">
+            <a:spAutoFit/>
+          </a:bodyPr>
+          <a:lstStyle/>
+          <a:p>
+            <a:r>
+              <a:rPr lang="ko-KR" altLang="en-US" dirty="0">
+                <a:solidFill>
+                  <a:srgbClr val="FF0000"/>
+                </a:solidFill>
+              </a:rPr>
+              <a:t>답글 기능을 위한</a:t>
+            </a:r>
+            <a:endParaRPr lang="en-US" altLang="ko-KR" dirty="0">
+              <a:solidFill>
+                <a:srgbClr val="FF0000"/>
+              </a:solidFill>
+            </a:endParaRPr>
+          </a:p>
+          <a:p>
+            <a:r>
+              <a:rPr lang="ko-KR" altLang="en-US" dirty="0">
+                <a:solidFill>
+                  <a:srgbClr val="FF0000"/>
+                </a:solidFill>
+              </a:rPr>
+              <a:t>게시글 계층 구조 구현</a:t>
+            </a:r>
+          </a:p>
+        </p:txBody>
+      </p:sp>
     </p:spTree>
     <p:extLst>
       <p:ext uri="{BB962C8B-B14F-4D97-AF65-F5344CB8AC3E}">
@@ -5966,32 +6334,34 @@
         </p:nvSpPr>
         <p:spPr/>
         <p:txBody>
-          <a:bodyPr/>
+          <a:bodyPr>
+            <a:normAutofit/>
+          </a:bodyPr>
           <a:lstStyle/>
           <a:p>
             <a:r>
-              <a:rPr lang="ko-KR" altLang="en-US" b="1" dirty="0">
+              <a:rPr lang="ko-KR" altLang="en-US" sz="2400" b="1" dirty="0">
                 <a:latin typeface="나눔바른고딕" panose="020B0603020101020101" pitchFamily="50" charset="-127"/>
                 <a:ea typeface="나눔바른고딕" panose="020B0603020101020101" pitchFamily="50" charset="-127"/>
               </a:rPr>
               <a:t>이번 프로젝트는 </a:t>
             </a:r>
             <a:r>
-              <a:rPr lang="en-US" altLang="ko-KR" b="1" dirty="0">
+              <a:rPr lang="en-US" altLang="ko-KR" sz="2400" b="1" dirty="0">
                 <a:latin typeface="나눔바른고딕" panose="020B0603020101020101" pitchFamily="50" charset="-127"/>
                 <a:ea typeface="나눔바른고딕" panose="020B0603020101020101" pitchFamily="50" charset="-127"/>
               </a:rPr>
               <a:t>MVC </a:t>
             </a:r>
             <a:r>
-              <a:rPr lang="ko-KR" altLang="en-US" b="1" dirty="0">
+              <a:rPr lang="ko-KR" altLang="en-US" sz="2400" b="1" dirty="0">
                 <a:latin typeface="나눔바른고딕" panose="020B0603020101020101" pitchFamily="50" charset="-127"/>
                 <a:ea typeface="나눔바른고딕" panose="020B0603020101020101" pitchFamily="50" charset="-127"/>
               </a:rPr>
               <a:t>패턴 모델 방식으로 구현해보았다</a:t>
             </a:r>
             <a:r>
-              <a:rPr lang="en-US" altLang="ko-KR" b="1" dirty="0">
+              <a:rPr lang="en-US" altLang="ko-KR" sz="2400" b="1" dirty="0">
                 <a:latin typeface="나눔바른고딕" panose="020B0603020101020101" pitchFamily="50" charset="-127"/>
                 <a:ea typeface="나눔바른고딕" panose="020B0603020101020101" pitchFamily="50" charset="-127"/>
               </a:rPr>
@@ -6000,35 +6370,35 @@
           </a:p>
           <a:p>
             <a:r>
-              <a:rPr lang="en-US" altLang="ko-KR" b="1" dirty="0">
+              <a:rPr lang="en-US" altLang="ko-KR" sz="2400" b="1" dirty="0">
                 <a:latin typeface="나눔바른고딕" panose="020B0603020101020101" pitchFamily="50" charset="-127"/>
                 <a:ea typeface="나눔바른고딕" panose="020B0603020101020101" pitchFamily="50" charset="-127"/>
               </a:rPr>
               <a:t>MVC </a:t>
             </a:r>
             <a:r>
-              <a:rPr lang="ko-KR" altLang="en-US" b="1" dirty="0">
+              <a:rPr lang="ko-KR" altLang="en-US" sz="2400" b="1" dirty="0">
                 <a:latin typeface="나눔바른고딕" panose="020B0603020101020101" pitchFamily="50" charset="-127"/>
                 <a:ea typeface="나눔바른고딕" panose="020B0603020101020101" pitchFamily="50" charset="-127"/>
               </a:rPr>
               <a:t>패턴은 </a:t>
             </a:r>
             <a:r>
-              <a:rPr lang="en-US" altLang="ko-KR" b="1" dirty="0">
+              <a:rPr lang="en-US" altLang="ko-KR" sz="2400" b="1" dirty="0">
                 <a:latin typeface="나눔바른고딕" panose="020B0603020101020101" pitchFamily="50" charset="-127"/>
                 <a:ea typeface="나눔바른고딕" panose="020B0603020101020101" pitchFamily="50" charset="-127"/>
               </a:rPr>
               <a:t>Model, View, Controller</a:t>
             </a:r>
             <a:r>
-              <a:rPr lang="ko-KR" altLang="en-US" b="1" dirty="0">
+              <a:rPr lang="ko-KR" altLang="en-US" sz="2400" b="1" dirty="0">
                 <a:latin typeface="나눔바른고딕" panose="020B0603020101020101" pitchFamily="50" charset="-127"/>
                 <a:ea typeface="나눔바른고딕" panose="020B0603020101020101" pitchFamily="50" charset="-127"/>
               </a:rPr>
               <a:t>를 의미하는 것으로</a:t>
             </a:r>
             <a:r>
-              <a:rPr lang="en-US" altLang="ko-KR" b="1" dirty="0">
+              <a:rPr lang="en-US" altLang="ko-KR" sz="2400" b="1" dirty="0">
                 <a:latin typeface="나눔바른고딕" panose="020B0603020101020101" pitchFamily="50" charset="-127"/>
                 <a:ea typeface="나눔바른고딕" panose="020B0603020101020101" pitchFamily="50" charset="-127"/>
               </a:rPr>
@@ -6040,49 +6410,63 @@
               <a:buNone/>
             </a:pPr>
             <a:r>
-              <a:rPr lang="en-US" altLang="ko-KR" b="1" dirty="0">
+              <a:rPr lang="en-US" altLang="ko-KR" sz="2400" b="1" dirty="0">
                 <a:latin typeface="나눔바른고딕" panose="020B0603020101020101" pitchFamily="50" charset="-127"/>
                 <a:ea typeface="나눔바른고딕" panose="020B0603020101020101" pitchFamily="50" charset="-127"/>
               </a:rPr>
               <a:t>Java</a:t>
             </a:r>
             <a:r>
-              <a:rPr lang="ko-KR" altLang="en-US" b="1" dirty="0">
+              <a:rPr lang="ko-KR" altLang="en-US" sz="2400" b="1" dirty="0">
                 <a:latin typeface="나눔바른고딕" panose="020B0603020101020101" pitchFamily="50" charset="-127"/>
                 <a:ea typeface="나눔바른고딕" panose="020B0603020101020101" pitchFamily="50" charset="-127"/>
               </a:rPr>
               <a:t> 내 </a:t>
             </a:r>
             <a:r>
-              <a:rPr lang="en-US" altLang="ko-KR" b="1" dirty="0">
+              <a:rPr lang="en-US" altLang="ko-KR" sz="2400" b="1" dirty="0">
                 <a:latin typeface="나눔바른고딕" panose="020B0603020101020101" pitchFamily="50" charset="-127"/>
                 <a:ea typeface="나눔바른고딕" panose="020B0603020101020101" pitchFamily="50" charset="-127"/>
               </a:rPr>
               <a:t>Controller </a:t>
             </a:r>
             <a:r>
-              <a:rPr lang="ko-KR" altLang="en-US" b="1" dirty="0">
-                <a:latin typeface="나눔바른고딕" panose="020B0603020101020101" pitchFamily="50" charset="-127"/>
-                <a:ea typeface="나눔바른고딕" panose="020B0603020101020101" pitchFamily="50" charset="-127"/>
-              </a:rPr>
-              <a:t>클래스들을 통해 </a:t>
-            </a:r>
-            <a:r>
-              <a:rPr lang="en-US" altLang="ko-KR" b="1" dirty="0">
+              <a:rPr lang="ko-KR" altLang="en-US" sz="2400" b="1" dirty="0">
+                <a:latin typeface="나눔바른고딕" panose="020B0603020101020101" pitchFamily="50" charset="-127"/>
+                <a:ea typeface="나눔바른고딕" panose="020B0603020101020101" pitchFamily="50" charset="-127"/>
+              </a:rPr>
+              <a:t>클래스들이 </a:t>
+            </a:r>
+            <a:r>
+              <a:rPr lang="en-US" altLang="ko-KR" sz="2400" b="1" dirty="0">
+                <a:latin typeface="나눔바른고딕" panose="020B0603020101020101" pitchFamily="50" charset="-127"/>
+                <a:ea typeface="나눔바른고딕" panose="020B0603020101020101" pitchFamily="50" charset="-127"/>
+              </a:rPr>
+              <a:t>VO</a:t>
+            </a:r>
+            <a:r>
+              <a:rPr lang="ko-KR" altLang="en-US" sz="2400" b="1" dirty="0">
+                <a:latin typeface="나눔바른고딕" panose="020B0603020101020101" pitchFamily="50" charset="-127"/>
+                <a:ea typeface="나눔바른고딕" panose="020B0603020101020101" pitchFamily="50" charset="-127"/>
+              </a:rPr>
+              <a:t>를 통해 </a:t>
+            </a:r>
+            <a:r>
+              <a:rPr lang="en-US" altLang="ko-KR" sz="2400" b="1" dirty="0">
                 <a:latin typeface="나눔바른고딕" panose="020B0603020101020101" pitchFamily="50" charset="-127"/>
                 <a:ea typeface="나눔바른고딕" panose="020B0603020101020101" pitchFamily="50" charset="-127"/>
               </a:rPr>
               <a:t>DB</a:t>
             </a:r>
             <a:r>
-              <a:rPr lang="ko-KR" altLang="en-US" b="1" dirty="0">
+              <a:rPr lang="ko-KR" altLang="en-US" sz="2400" b="1" dirty="0">
                 <a:latin typeface="나눔바른고딕" panose="020B0603020101020101" pitchFamily="50" charset="-127"/>
                 <a:ea typeface="나눔바른고딕" panose="020B0603020101020101" pitchFamily="50" charset="-127"/>
               </a:rPr>
               <a:t>에 접근하여 데이터를 제어하고</a:t>
             </a:r>
             <a:r>
-              <a:rPr lang="en-US" altLang="ko-KR" b="1" dirty="0">
+              <a:rPr lang="en-US" altLang="ko-KR" sz="2400" b="1" dirty="0">
                 <a:latin typeface="나눔바른고딕" panose="020B0603020101020101" pitchFamily="50" charset="-127"/>
                 <a:ea typeface="나눔바른고딕" panose="020B0603020101020101" pitchFamily="50" charset="-127"/>
               </a:rPr>
@@ -6094,42 +6478,42 @@
               <a:buNone/>
             </a:pPr>
             <a:r>
-              <a:rPr lang="ko-KR" altLang="en-US" b="1" dirty="0">
+              <a:rPr lang="ko-KR" altLang="en-US" sz="2400" b="1" dirty="0">
                 <a:latin typeface="나눔바른고딕" panose="020B0603020101020101" pitchFamily="50" charset="-127"/>
                 <a:ea typeface="나눔바른고딕" panose="020B0603020101020101" pitchFamily="50" charset="-127"/>
               </a:rPr>
               <a:t>사용자에게 보여질 정보들을 </a:t>
             </a:r>
             <a:r>
-              <a:rPr lang="en-US" altLang="ko-KR" b="1" dirty="0">
+              <a:rPr lang="en-US" altLang="ko-KR" sz="2400" b="1" dirty="0">
                 <a:latin typeface="나눔바른고딕" panose="020B0603020101020101" pitchFamily="50" charset="-127"/>
                 <a:ea typeface="나눔바른고딕" panose="020B0603020101020101" pitchFamily="50" charset="-127"/>
               </a:rPr>
               <a:t>Java </a:t>
             </a:r>
             <a:r>
-              <a:rPr lang="ko-KR" altLang="en-US" b="1" dirty="0">
+              <a:rPr lang="ko-KR" altLang="en-US" sz="2400" b="1" dirty="0">
                 <a:latin typeface="나눔바른고딕" panose="020B0603020101020101" pitchFamily="50" charset="-127"/>
                 <a:ea typeface="나눔바른고딕" panose="020B0603020101020101" pitchFamily="50" charset="-127"/>
               </a:rPr>
               <a:t>내 </a:t>
             </a:r>
             <a:r>
-              <a:rPr lang="en-US" altLang="ko-KR" b="1" dirty="0">
+              <a:rPr lang="en-US" altLang="ko-KR" sz="2400" b="1" dirty="0">
                 <a:latin typeface="나눔바른고딕" panose="020B0603020101020101" pitchFamily="50" charset="-127"/>
                 <a:ea typeface="나눔바른고딕" panose="020B0603020101020101" pitchFamily="50" charset="-127"/>
               </a:rPr>
               <a:t>VO(Model)</a:t>
             </a:r>
             <a:r>
-              <a:rPr lang="ko-KR" altLang="en-US" b="1" dirty="0">
+              <a:rPr lang="ko-KR" altLang="en-US" sz="2400" b="1" dirty="0">
                 <a:latin typeface="나눔바른고딕" panose="020B0603020101020101" pitchFamily="50" charset="-127"/>
                 <a:ea typeface="나눔바른고딕" panose="020B0603020101020101" pitchFamily="50" charset="-127"/>
               </a:rPr>
               <a:t>에 담아</a:t>
             </a:r>
             <a:r>
-              <a:rPr lang="en-US" altLang="ko-KR" b="1" dirty="0">
+              <a:rPr lang="en-US" altLang="ko-KR" sz="2400" b="1" dirty="0">
                 <a:latin typeface="나눔바른고딕" panose="020B0603020101020101" pitchFamily="50" charset="-127"/>
                 <a:ea typeface="나눔바른고딕" panose="020B0603020101020101" pitchFamily="50" charset="-127"/>
               </a:rPr>
@@ -6141,42 +6525,42 @@
               <a:buNone/>
             </a:pPr>
             <a:r>
-              <a:rPr lang="en-US" altLang="ko-KR" b="1" dirty="0">
+              <a:rPr lang="en-US" altLang="ko-KR" sz="2400" b="1" dirty="0">
                 <a:latin typeface="나눔바른고딕" panose="020B0603020101020101" pitchFamily="50" charset="-127"/>
                 <a:ea typeface="나눔바른고딕" panose="020B0603020101020101" pitchFamily="50" charset="-127"/>
               </a:rPr>
               <a:t>VO</a:t>
             </a:r>
             <a:r>
-              <a:rPr lang="ko-KR" altLang="en-US" b="1" dirty="0">
+              <a:rPr lang="ko-KR" altLang="en-US" sz="2400" b="1" dirty="0">
                 <a:latin typeface="나눔바른고딕" panose="020B0603020101020101" pitchFamily="50" charset="-127"/>
                 <a:ea typeface="나눔바른고딕" panose="020B0603020101020101" pitchFamily="50" charset="-127"/>
               </a:rPr>
               <a:t>에 담긴 데이터들을 </a:t>
             </a:r>
             <a:r>
-              <a:rPr lang="en-US" altLang="ko-KR" b="1" dirty="0" err="1">
+              <a:rPr lang="en-US" altLang="ko-KR" sz="2400" b="1" dirty="0" err="1">
                 <a:latin typeface="나눔바른고딕" panose="020B0603020101020101" pitchFamily="50" charset="-127"/>
                 <a:ea typeface="나눔바른고딕" panose="020B0603020101020101" pitchFamily="50" charset="-127"/>
               </a:rPr>
               <a:t>jsp</a:t>
             </a:r>
             <a:r>
-              <a:rPr lang="en-US" altLang="ko-KR" b="1" dirty="0">
+              <a:rPr lang="en-US" altLang="ko-KR" sz="2400" b="1" dirty="0">
                 <a:latin typeface="나눔바른고딕" panose="020B0603020101020101" pitchFamily="50" charset="-127"/>
                 <a:ea typeface="나눔바른고딕" panose="020B0603020101020101" pitchFamily="50" charset="-127"/>
               </a:rPr>
               <a:t> </a:t>
             </a:r>
             <a:r>
-              <a:rPr lang="ko-KR" altLang="en-US" b="1" dirty="0">
+              <a:rPr lang="ko-KR" altLang="en-US" sz="2400" b="1" dirty="0">
                 <a:latin typeface="나눔바른고딕" panose="020B0603020101020101" pitchFamily="50" charset="-127"/>
                 <a:ea typeface="나눔바른고딕" panose="020B0603020101020101" pitchFamily="50" charset="-127"/>
               </a:rPr>
               <a:t>파일로써 보여주는 방식이다</a:t>
             </a:r>
             <a:r>
-              <a:rPr lang="en-US" altLang="ko-KR" b="1" dirty="0">
+              <a:rPr lang="en-US" altLang="ko-KR" sz="2400" b="1" dirty="0">
                 <a:latin typeface="나눔바른고딕" panose="020B0603020101020101" pitchFamily="50" charset="-127"/>
                 <a:ea typeface="나눔바른고딕" panose="020B0603020101020101" pitchFamily="50" charset="-127"/>
               </a:rPr>
@@ -6215,7 +6599,7 @@
                 <a:latin typeface="나눔바른고딕" panose="020B0603020101020101" pitchFamily="50" charset="-127"/>
                 <a:ea typeface="나눔바른고딕" panose="020B0603020101020101" pitchFamily="50" charset="-127"/>
               </a:rPr>
-              <a:t>(View) =&gt; Controller =&gt; DB </a:t>
+              <a:t>(View) =&gt; VO(Model) =&gt; Controller =&gt; DB </a:t>
             </a:r>
             <a:r>
               <a:rPr lang="ko-KR" altLang="en-US" b="1" dirty="0">
@@ -6390,10 +6774,557 @@
       </p:grpSpPr>
       <p:sp>
         <p:nvSpPr>
-          <p:cNvPr id="4" name="TextBox 3">
-            <a:extLst>
-              <a:ext uri="{FF2B5EF4-FFF2-40B4-BE49-F238E27FC236}">
-                <a16:creationId xmlns:a16="http://schemas.microsoft.com/office/drawing/2014/main" id="{A0CC7B0F-3F78-4F57-8D5E-E0D81DBAC3A2}"/>
+          <p:cNvPr id="5" name="직사각형 4">
+            <a:extLst>
+              <a:ext uri="{FF2B5EF4-FFF2-40B4-BE49-F238E27FC236}">
+                <a16:creationId xmlns:a16="http://schemas.microsoft.com/office/drawing/2014/main" id="{81611C98-8593-4F2D-973A-8C66855A9074}"/>
+              </a:ext>
+            </a:extLst>
+          </p:cNvPr>
+          <p:cNvSpPr/>
+          <p:nvPr/>
+        </p:nvSpPr>
+        <p:spPr>
+          <a:xfrm>
+            <a:off x="1962326" y="1014719"/>
+            <a:ext cx="1870745" cy="1862356"/>
+          </a:xfrm>
+          <a:prstGeom prst="rect">
+            <a:avLst/>
+          </a:prstGeom>
+        </p:spPr>
+        <p:style>
+          <a:lnRef idx="2">
+            <a:schemeClr val="accent1">
+              <a:shade val="50000"/>
+            </a:schemeClr>
+          </a:lnRef>
+          <a:fillRef idx="1">
+            <a:schemeClr val="accent1"/>
+          </a:fillRef>
+          <a:effectRef idx="0">
+            <a:schemeClr val="accent1"/>
+          </a:effectRef>
+          <a:fontRef idx="minor">
+            <a:schemeClr val="lt1"/>
+          </a:fontRef>
+        </p:style>
+        <p:txBody>
+          <a:bodyPr rtlCol="0" anchor="ctr"/>
+          <a:lstStyle/>
+          <a:p>
+            <a:pPr algn="ctr"/>
+            <a:r>
+              <a:rPr lang="en-US" altLang="ko-KR" b="1" dirty="0"/>
+              <a:t>VIEW</a:t>
+            </a:r>
+          </a:p>
+          <a:p>
+            <a:pPr algn="ctr"/>
+            <a:r>
+              <a:rPr lang="en-US" altLang="ko-KR" dirty="0"/>
+              <a:t>(ex.  LoginForm.do)</a:t>
+            </a:r>
+            <a:endParaRPr lang="ko-KR" altLang="en-US" dirty="0"/>
+          </a:p>
+        </p:txBody>
+      </p:sp>
+      <p:sp>
+        <p:nvSpPr>
+          <p:cNvPr id="6" name="직사각형 5">
+            <a:extLst>
+              <a:ext uri="{FF2B5EF4-FFF2-40B4-BE49-F238E27FC236}">
+                <a16:creationId xmlns:a16="http://schemas.microsoft.com/office/drawing/2014/main" id="{68373292-2649-4E24-AF27-9A2DD680AB8A}"/>
+              </a:ext>
+            </a:extLst>
+          </p:cNvPr>
+          <p:cNvSpPr/>
+          <p:nvPr/>
+        </p:nvSpPr>
+        <p:spPr>
+          <a:xfrm>
+            <a:off x="6009314" y="894477"/>
+            <a:ext cx="2558642" cy="2097248"/>
+          </a:xfrm>
+          <a:prstGeom prst="rect">
+            <a:avLst/>
+          </a:prstGeom>
+        </p:spPr>
+        <p:style>
+          <a:lnRef idx="2">
+            <a:schemeClr val="accent1">
+              <a:shade val="50000"/>
+            </a:schemeClr>
+          </a:lnRef>
+          <a:fillRef idx="1">
+            <a:schemeClr val="accent1"/>
+          </a:fillRef>
+          <a:effectRef idx="0">
+            <a:schemeClr val="accent1"/>
+          </a:effectRef>
+          <a:fontRef idx="minor">
+            <a:schemeClr val="lt1"/>
+          </a:fontRef>
+        </p:style>
+        <p:txBody>
+          <a:bodyPr rtlCol="0" anchor="ctr"/>
+          <a:lstStyle/>
+          <a:p>
+            <a:pPr algn="ctr"/>
+            <a:r>
+              <a:rPr lang="en-US" altLang="ko-KR" b="1" dirty="0"/>
+              <a:t>CONTROLLER</a:t>
+            </a:r>
+          </a:p>
+          <a:p>
+            <a:pPr algn="ctr"/>
+            <a:r>
+              <a:rPr lang="en-US" altLang="ko-KR" sz="1400" dirty="0"/>
+              <a:t>(ex. LoginProcessController.java)</a:t>
+            </a:r>
+            <a:endParaRPr lang="ko-KR" altLang="en-US" sz="1400" dirty="0"/>
+          </a:p>
+        </p:txBody>
+      </p:sp>
+      <p:sp>
+        <p:nvSpPr>
+          <p:cNvPr id="7" name="직사각형 6">
+            <a:extLst>
+              <a:ext uri="{FF2B5EF4-FFF2-40B4-BE49-F238E27FC236}">
+                <a16:creationId xmlns:a16="http://schemas.microsoft.com/office/drawing/2014/main" id="{B04B5F4D-E7CB-40D5-9E14-8731651B1BF6}"/>
+              </a:ext>
+            </a:extLst>
+          </p:cNvPr>
+          <p:cNvSpPr/>
+          <p:nvPr/>
+        </p:nvSpPr>
+        <p:spPr>
+          <a:xfrm>
+            <a:off x="10125513" y="1533787"/>
+            <a:ext cx="1907097" cy="3920455"/>
+          </a:xfrm>
+          <a:prstGeom prst="rect">
+            <a:avLst/>
+          </a:prstGeom>
+          <a:solidFill>
+            <a:schemeClr val="bg1">
+              <a:lumMod val="65000"/>
+            </a:schemeClr>
+          </a:solidFill>
+        </p:spPr>
+        <p:style>
+          <a:lnRef idx="2">
+            <a:schemeClr val="accent1">
+              <a:shade val="50000"/>
+            </a:schemeClr>
+          </a:lnRef>
+          <a:fillRef idx="1">
+            <a:schemeClr val="accent1"/>
+          </a:fillRef>
+          <a:effectRef idx="0">
+            <a:schemeClr val="accent1"/>
+          </a:effectRef>
+          <a:fontRef idx="minor">
+            <a:schemeClr val="lt1"/>
+          </a:fontRef>
+        </p:style>
+        <p:txBody>
+          <a:bodyPr rtlCol="0" anchor="ctr"/>
+          <a:lstStyle/>
+          <a:p>
+            <a:pPr algn="ctr"/>
+            <a:r>
+              <a:rPr lang="en-US" altLang="ko-KR" b="1" dirty="0"/>
+              <a:t>DB</a:t>
+            </a:r>
+          </a:p>
+          <a:p>
+            <a:pPr algn="ctr"/>
+            <a:r>
+              <a:rPr lang="en-US" altLang="ko-KR" dirty="0"/>
+              <a:t>(ex. </a:t>
+            </a:r>
+            <a:r>
+              <a:rPr lang="en-US" altLang="ko-KR" dirty="0" err="1"/>
+              <a:t>t_member</a:t>
+            </a:r>
+            <a:r>
+              <a:rPr lang="en-US" altLang="ko-KR" dirty="0"/>
+              <a:t>)</a:t>
+            </a:r>
+            <a:endParaRPr lang="ko-KR" altLang="en-US" dirty="0"/>
+          </a:p>
+        </p:txBody>
+      </p:sp>
+      <p:sp>
+        <p:nvSpPr>
+          <p:cNvPr id="9" name="직사각형 8">
+            <a:extLst>
+              <a:ext uri="{FF2B5EF4-FFF2-40B4-BE49-F238E27FC236}">
+                <a16:creationId xmlns:a16="http://schemas.microsoft.com/office/drawing/2014/main" id="{EDB90B04-1A08-4F8E-BA20-21D67B577112}"/>
+              </a:ext>
+            </a:extLst>
+          </p:cNvPr>
+          <p:cNvSpPr/>
+          <p:nvPr/>
+        </p:nvSpPr>
+        <p:spPr>
+          <a:xfrm>
+            <a:off x="6009314" y="3778193"/>
+            <a:ext cx="2558642" cy="2097248"/>
+          </a:xfrm>
+          <a:prstGeom prst="rect">
+            <a:avLst/>
+          </a:prstGeom>
+        </p:spPr>
+        <p:style>
+          <a:lnRef idx="2">
+            <a:schemeClr val="accent1">
+              <a:shade val="50000"/>
+            </a:schemeClr>
+          </a:lnRef>
+          <a:fillRef idx="1">
+            <a:schemeClr val="accent1"/>
+          </a:fillRef>
+          <a:effectRef idx="0">
+            <a:schemeClr val="accent1"/>
+          </a:effectRef>
+          <a:fontRef idx="minor">
+            <a:schemeClr val="lt1"/>
+          </a:fontRef>
+        </p:style>
+        <p:txBody>
+          <a:bodyPr rtlCol="0" anchor="ctr"/>
+          <a:lstStyle/>
+          <a:p>
+            <a:pPr algn="ctr"/>
+            <a:r>
+              <a:rPr lang="en-US" altLang="ko-KR" b="1" dirty="0"/>
+              <a:t>CONTROLLER</a:t>
+            </a:r>
+          </a:p>
+          <a:p>
+            <a:pPr algn="ctr"/>
+            <a:r>
+              <a:rPr lang="en-US" altLang="ko-KR" sz="1400" dirty="0"/>
+              <a:t>(ex. LoginProcessController.java)</a:t>
+            </a:r>
+            <a:endParaRPr lang="ko-KR" altLang="en-US" sz="1400" dirty="0"/>
+          </a:p>
+        </p:txBody>
+      </p:sp>
+      <p:sp>
+        <p:nvSpPr>
+          <p:cNvPr id="12" name="타원 11">
+            <a:extLst>
+              <a:ext uri="{FF2B5EF4-FFF2-40B4-BE49-F238E27FC236}">
+                <a16:creationId xmlns:a16="http://schemas.microsoft.com/office/drawing/2014/main" id="{B70831FF-2944-4B5C-9ABE-72D5C379A34E}"/>
+              </a:ext>
+            </a:extLst>
+          </p:cNvPr>
+          <p:cNvSpPr/>
+          <p:nvPr/>
+        </p:nvSpPr>
+        <p:spPr>
+          <a:xfrm>
+            <a:off x="4056428" y="3762815"/>
+            <a:ext cx="1729528" cy="1057711"/>
+          </a:xfrm>
+          <a:prstGeom prst="ellipse">
+            <a:avLst/>
+          </a:prstGeom>
+          <a:solidFill>
+            <a:schemeClr val="accent6"/>
+          </a:solidFill>
+        </p:spPr>
+        <p:style>
+          <a:lnRef idx="2">
+            <a:schemeClr val="accent1">
+              <a:shade val="50000"/>
+            </a:schemeClr>
+          </a:lnRef>
+          <a:fillRef idx="1">
+            <a:schemeClr val="accent1"/>
+          </a:fillRef>
+          <a:effectRef idx="0">
+            <a:schemeClr val="accent1"/>
+          </a:effectRef>
+          <a:fontRef idx="minor">
+            <a:schemeClr val="lt1"/>
+          </a:fontRef>
+        </p:style>
+        <p:txBody>
+          <a:bodyPr rtlCol="0" anchor="ctr"/>
+          <a:lstStyle/>
+          <a:p>
+            <a:pPr algn="ctr"/>
+            <a:r>
+              <a:rPr lang="en-US" altLang="ko-KR" b="1" dirty="0"/>
+              <a:t>MODEL</a:t>
+            </a:r>
+            <a:endParaRPr lang="en-US" altLang="ko-KR" dirty="0"/>
+          </a:p>
+          <a:p>
+            <a:pPr algn="ctr"/>
+            <a:r>
+              <a:rPr lang="en-US" altLang="ko-KR" sz="1400" dirty="0"/>
+              <a:t>(ex.</a:t>
+            </a:r>
+          </a:p>
+          <a:p>
+            <a:pPr algn="ctr"/>
+            <a:r>
+              <a:rPr lang="en-US" altLang="ko-KR" sz="1400" dirty="0"/>
+              <a:t>LoginVO.java</a:t>
+            </a:r>
+            <a:endParaRPr lang="ko-KR" altLang="en-US" sz="1400" dirty="0"/>
+          </a:p>
+        </p:txBody>
+      </p:sp>
+      <p:sp>
+        <p:nvSpPr>
+          <p:cNvPr id="13" name="직사각형 12">
+            <a:extLst>
+              <a:ext uri="{FF2B5EF4-FFF2-40B4-BE49-F238E27FC236}">
+                <a16:creationId xmlns:a16="http://schemas.microsoft.com/office/drawing/2014/main" id="{43098649-7562-4907-AC1A-9B524CCCBC69}"/>
+              </a:ext>
+            </a:extLst>
+          </p:cNvPr>
+          <p:cNvSpPr/>
+          <p:nvPr/>
+        </p:nvSpPr>
+        <p:spPr>
+          <a:xfrm>
+            <a:off x="2039549" y="3895639"/>
+            <a:ext cx="1870745" cy="1862356"/>
+          </a:xfrm>
+          <a:prstGeom prst="rect">
+            <a:avLst/>
+          </a:prstGeom>
+        </p:spPr>
+        <p:style>
+          <a:lnRef idx="2">
+            <a:schemeClr val="accent1">
+              <a:shade val="50000"/>
+            </a:schemeClr>
+          </a:lnRef>
+          <a:fillRef idx="1">
+            <a:schemeClr val="accent1"/>
+          </a:fillRef>
+          <a:effectRef idx="0">
+            <a:schemeClr val="accent1"/>
+          </a:effectRef>
+          <a:fontRef idx="minor">
+            <a:schemeClr val="lt1"/>
+          </a:fontRef>
+        </p:style>
+        <p:txBody>
+          <a:bodyPr rtlCol="0" anchor="ctr"/>
+          <a:lstStyle/>
+          <a:p>
+            <a:pPr algn="ctr"/>
+            <a:r>
+              <a:rPr lang="en-US" altLang="ko-KR" b="1" dirty="0"/>
+              <a:t>VIEW</a:t>
+            </a:r>
+          </a:p>
+          <a:p>
+            <a:pPr algn="ctr"/>
+            <a:r>
+              <a:rPr lang="en-US" altLang="ko-KR" dirty="0"/>
+              <a:t>(ex.</a:t>
+            </a:r>
+          </a:p>
+          <a:p>
+            <a:pPr algn="ctr"/>
+            <a:r>
+              <a:rPr lang="en-US" altLang="ko-KR" dirty="0" err="1"/>
+              <a:t>index.jsp</a:t>
+            </a:r>
+            <a:r>
+              <a:rPr lang="en-US" altLang="ko-KR" dirty="0"/>
+              <a:t>)</a:t>
+            </a:r>
+            <a:endParaRPr lang="ko-KR" altLang="en-US" dirty="0"/>
+          </a:p>
+        </p:txBody>
+      </p:sp>
+      <p:cxnSp>
+        <p:nvCxnSpPr>
+          <p:cNvPr id="20" name="직선 화살표 연결선 19">
+            <a:extLst>
+              <a:ext uri="{FF2B5EF4-FFF2-40B4-BE49-F238E27FC236}">
+                <a16:creationId xmlns:a16="http://schemas.microsoft.com/office/drawing/2014/main" id="{F7F5110D-E53E-4C0F-B8CB-A0214DF5C2ED}"/>
+              </a:ext>
+            </a:extLst>
+          </p:cNvPr>
+          <p:cNvCxnSpPr>
+            <a:cxnSpLocks/>
+            <a:stCxn id="5" idx="3"/>
+            <a:endCxn id="6" idx="1"/>
+          </p:cNvCxnSpPr>
+          <p:nvPr/>
+        </p:nvCxnSpPr>
+        <p:spPr>
+          <a:xfrm flipV="1">
+            <a:off x="3833071" y="1943101"/>
+            <a:ext cx="2176243" cy="2796"/>
+          </a:xfrm>
+          <a:prstGeom prst="straightConnector1">
+            <a:avLst/>
+          </a:prstGeom>
+          <a:ln>
+            <a:tailEnd type="triangle"/>
+          </a:ln>
+        </p:spPr>
+        <p:style>
+          <a:lnRef idx="1">
+            <a:schemeClr val="accent1"/>
+          </a:lnRef>
+          <a:fillRef idx="0">
+            <a:schemeClr val="accent1"/>
+          </a:fillRef>
+          <a:effectRef idx="0">
+            <a:schemeClr val="accent1"/>
+          </a:effectRef>
+          <a:fontRef idx="minor">
+            <a:schemeClr val="tx1"/>
+          </a:fontRef>
+        </p:style>
+      </p:cxnSp>
+      <p:cxnSp>
+        <p:nvCxnSpPr>
+          <p:cNvPr id="22" name="직선 화살표 연결선 21">
+            <a:extLst>
+              <a:ext uri="{FF2B5EF4-FFF2-40B4-BE49-F238E27FC236}">
+                <a16:creationId xmlns:a16="http://schemas.microsoft.com/office/drawing/2014/main" id="{81BDD59B-919F-4D54-8618-8856CBF3EA0C}"/>
+              </a:ext>
+            </a:extLst>
+          </p:cNvPr>
+          <p:cNvCxnSpPr>
+            <a:cxnSpLocks/>
+            <a:stCxn id="6" idx="3"/>
+          </p:cNvCxnSpPr>
+          <p:nvPr/>
+        </p:nvCxnSpPr>
+        <p:spPr>
+          <a:xfrm>
+            <a:off x="8567956" y="1943101"/>
+            <a:ext cx="1557557" cy="330316"/>
+          </a:xfrm>
+          <a:prstGeom prst="straightConnector1">
+            <a:avLst/>
+          </a:prstGeom>
+          <a:ln>
+            <a:tailEnd type="triangle"/>
+          </a:ln>
+        </p:spPr>
+        <p:style>
+          <a:lnRef idx="1">
+            <a:schemeClr val="accent1"/>
+          </a:lnRef>
+          <a:fillRef idx="0">
+            <a:schemeClr val="accent1"/>
+          </a:fillRef>
+          <a:effectRef idx="0">
+            <a:schemeClr val="accent1"/>
+          </a:effectRef>
+          <a:fontRef idx="minor">
+            <a:schemeClr val="tx1"/>
+          </a:fontRef>
+        </p:style>
+      </p:cxnSp>
+      <p:cxnSp>
+        <p:nvCxnSpPr>
+          <p:cNvPr id="24" name="직선 화살표 연결선 23">
+            <a:extLst>
+              <a:ext uri="{FF2B5EF4-FFF2-40B4-BE49-F238E27FC236}">
+                <a16:creationId xmlns:a16="http://schemas.microsoft.com/office/drawing/2014/main" id="{AAFEA059-7274-461F-8482-566382599179}"/>
+              </a:ext>
+            </a:extLst>
+          </p:cNvPr>
+          <p:cNvCxnSpPr>
+            <a:cxnSpLocks/>
+            <a:endCxn id="9" idx="3"/>
+          </p:cNvCxnSpPr>
+          <p:nvPr/>
+        </p:nvCxnSpPr>
+        <p:spPr>
+          <a:xfrm flipH="1">
+            <a:off x="8567956" y="4160939"/>
+            <a:ext cx="1557558" cy="665878"/>
+          </a:xfrm>
+          <a:prstGeom prst="straightConnector1">
+            <a:avLst/>
+          </a:prstGeom>
+          <a:ln>
+            <a:tailEnd type="triangle"/>
+          </a:ln>
+        </p:spPr>
+        <p:style>
+          <a:lnRef idx="1">
+            <a:schemeClr val="accent1"/>
+          </a:lnRef>
+          <a:fillRef idx="0">
+            <a:schemeClr val="accent1"/>
+          </a:fillRef>
+          <a:effectRef idx="0">
+            <a:schemeClr val="accent1"/>
+          </a:effectRef>
+          <a:fontRef idx="minor">
+            <a:schemeClr val="tx1"/>
+          </a:fontRef>
+        </p:style>
+      </p:cxnSp>
+      <p:cxnSp>
+        <p:nvCxnSpPr>
+          <p:cNvPr id="28" name="직선 화살표 연결선 27">
+            <a:extLst>
+              <a:ext uri="{FF2B5EF4-FFF2-40B4-BE49-F238E27FC236}">
+                <a16:creationId xmlns:a16="http://schemas.microsoft.com/office/drawing/2014/main" id="{BB162DD1-2B8E-4077-8B14-E1602591D7F0}"/>
+              </a:ext>
+            </a:extLst>
+          </p:cNvPr>
+          <p:cNvCxnSpPr>
+            <a:cxnSpLocks/>
+            <a:stCxn id="9" idx="1"/>
+            <a:endCxn id="13" idx="3"/>
+          </p:cNvCxnSpPr>
+          <p:nvPr/>
+        </p:nvCxnSpPr>
+        <p:spPr>
+          <a:xfrm flipH="1">
+            <a:off x="3910294" y="4826817"/>
+            <a:ext cx="2099020" cy="0"/>
+          </a:xfrm>
+          <a:prstGeom prst="straightConnector1">
+            <a:avLst/>
+          </a:prstGeom>
+          <a:ln>
+            <a:tailEnd type="triangle"/>
+          </a:ln>
+        </p:spPr>
+        <p:style>
+          <a:lnRef idx="1">
+            <a:schemeClr val="accent1"/>
+          </a:lnRef>
+          <a:fillRef idx="0">
+            <a:schemeClr val="accent1"/>
+          </a:fillRef>
+          <a:effectRef idx="0">
+            <a:schemeClr val="accent1"/>
+          </a:effectRef>
+          <a:fontRef idx="minor">
+            <a:schemeClr val="tx1"/>
+          </a:fontRef>
+        </p:style>
+      </p:cxnSp>
+      <p:sp>
+        <p:nvSpPr>
+          <p:cNvPr id="31" name="TextBox 30">
+            <a:extLst>
+              <a:ext uri="{FF2B5EF4-FFF2-40B4-BE49-F238E27FC236}">
+                <a16:creationId xmlns:a16="http://schemas.microsoft.com/office/drawing/2014/main" id="{49DD1E49-7995-4D5C-B66F-6C7CEA35162E}"/>
               </a:ext>
             </a:extLst>
           </p:cNvPr>
@@ -6402,8 +7333,8 @@
         </p:nvSpPr>
         <p:spPr>
           <a:xfrm>
-            <a:off x="4531309" y="3044280"/>
-            <a:ext cx="3129383" cy="769441"/>
+            <a:off x="391157" y="1767522"/>
+            <a:ext cx="1197764" cy="369332"/>
           </a:xfrm>
           <a:prstGeom prst="rect">
             <a:avLst/>
@@ -6417,21 +7348,439 @@
           <a:lstStyle/>
           <a:p>
             <a:r>
-              <a:rPr lang="ko-KR" altLang="en-US" sz="4400" dirty="0"/>
-              <a:t>감사합니다</a:t>
-            </a:r>
-            <a:r>
-              <a:rPr lang="en-US" altLang="ko-KR" sz="4400" dirty="0"/>
-              <a:t>.</a:t>
-            </a:r>
-            <a:endParaRPr lang="ko-KR" altLang="en-US" sz="4400" dirty="0"/>
+              <a:rPr lang="en-US" altLang="ko-KR" b="1" dirty="0"/>
+              <a:t>REQUEST</a:t>
+            </a:r>
+            <a:endParaRPr lang="ko-KR" altLang="en-US" b="1" dirty="0"/>
+          </a:p>
+        </p:txBody>
+      </p:sp>
+      <p:sp>
+        <p:nvSpPr>
+          <p:cNvPr id="33" name="TextBox 32">
+            <a:extLst>
+              <a:ext uri="{FF2B5EF4-FFF2-40B4-BE49-F238E27FC236}">
+                <a16:creationId xmlns:a16="http://schemas.microsoft.com/office/drawing/2014/main" id="{32053CC4-0B92-4506-9F1A-0D80F352D3F2}"/>
+              </a:ext>
+            </a:extLst>
+          </p:cNvPr>
+          <p:cNvSpPr txBox="1"/>
+          <p:nvPr/>
+        </p:nvSpPr>
+        <p:spPr>
+          <a:xfrm>
+            <a:off x="314213" y="4635860"/>
+            <a:ext cx="1351652" cy="369332"/>
+          </a:xfrm>
+          <a:prstGeom prst="rect">
+            <a:avLst/>
+          </a:prstGeom>
+          <a:noFill/>
+        </p:spPr>
+        <p:txBody>
+          <a:bodyPr wrap="none" rtlCol="0">
+            <a:spAutoFit/>
+          </a:bodyPr>
+          <a:lstStyle/>
+          <a:p>
+            <a:r>
+              <a:rPr lang="en-US" altLang="ko-KR" b="1" dirty="0"/>
+              <a:t>RESPONSE</a:t>
+            </a:r>
+            <a:endParaRPr lang="ko-KR" altLang="en-US" b="1" dirty="0"/>
+          </a:p>
+        </p:txBody>
+      </p:sp>
+      <p:sp>
+        <p:nvSpPr>
+          <p:cNvPr id="34" name="타원 33">
+            <a:extLst>
+              <a:ext uri="{FF2B5EF4-FFF2-40B4-BE49-F238E27FC236}">
+                <a16:creationId xmlns:a16="http://schemas.microsoft.com/office/drawing/2014/main" id="{1B4BE6F3-3644-425C-AE7A-C9785BD5A7FF}"/>
+              </a:ext>
+            </a:extLst>
+          </p:cNvPr>
+          <p:cNvSpPr/>
+          <p:nvPr/>
+        </p:nvSpPr>
+        <p:spPr>
+          <a:xfrm>
+            <a:off x="3997705" y="894477"/>
+            <a:ext cx="1846974" cy="1057711"/>
+          </a:xfrm>
+          <a:prstGeom prst="ellipse">
+            <a:avLst/>
+          </a:prstGeom>
+          <a:solidFill>
+            <a:schemeClr val="accent6"/>
+          </a:solidFill>
+        </p:spPr>
+        <p:style>
+          <a:lnRef idx="2">
+            <a:schemeClr val="accent1">
+              <a:shade val="50000"/>
+            </a:schemeClr>
+          </a:lnRef>
+          <a:fillRef idx="1">
+            <a:schemeClr val="accent1"/>
+          </a:fillRef>
+          <a:effectRef idx="0">
+            <a:schemeClr val="accent1"/>
+          </a:effectRef>
+          <a:fontRef idx="minor">
+            <a:schemeClr val="lt1"/>
+          </a:fontRef>
+        </p:style>
+        <p:txBody>
+          <a:bodyPr rtlCol="0" anchor="ctr"/>
+          <a:lstStyle/>
+          <a:p>
+            <a:pPr algn="ctr"/>
+            <a:r>
+              <a:rPr lang="en-US" altLang="ko-KR" b="1" dirty="0"/>
+              <a:t>MODEL</a:t>
+            </a:r>
+          </a:p>
+          <a:p>
+            <a:pPr algn="ctr"/>
+            <a:r>
+              <a:rPr lang="en-US" altLang="ko-KR" sz="1400" dirty="0"/>
+              <a:t>(ex.</a:t>
+            </a:r>
+          </a:p>
+          <a:p>
+            <a:pPr algn="ctr"/>
+            <a:r>
+              <a:rPr lang="en-US" altLang="ko-KR" sz="1400" dirty="0"/>
+              <a:t>LoginVO.java</a:t>
+            </a:r>
+            <a:endParaRPr lang="ko-KR" altLang="en-US" sz="1400" dirty="0"/>
           </a:p>
         </p:txBody>
       </p:sp>
     </p:spTree>
     <p:extLst>
       <p:ext uri="{BB962C8B-B14F-4D97-AF65-F5344CB8AC3E}">
-        <p14:creationId xmlns:p14="http://schemas.microsoft.com/office/powerpoint/2010/main" val="97516537"/>
+        <p14:creationId xmlns:p14="http://schemas.microsoft.com/office/powerpoint/2010/main" val="3968787181"/>
+      </p:ext>
+    </p:extLst>
+  </p:cSld>
+  <p:clrMapOvr>
+    <a:masterClrMapping/>
+  </p:clrMapOvr>
+</p:sld>
+</file>
+
+<file path=ppt/slides/slide9.xml><?xml version="1.0" encoding="utf-8"?>
+<p:sld xmlns:a="http://schemas.openxmlformats.org/drawingml/2006/main" xmlns:r="http://schemas.openxmlformats.org/officeDocument/2006/relationships" xmlns:p="http://schemas.openxmlformats.org/presentationml/2006/main">
+  <p:cSld>
+    <p:spTree>
+      <p:nvGrpSpPr>
+        <p:cNvPr id="1" name=""/>
+        <p:cNvGrpSpPr/>
+        <p:nvPr/>
+      </p:nvGrpSpPr>
+      <p:grpSpPr>
+        <a:xfrm>
+          <a:off x="0" y="0"/>
+          <a:ext cx="0" cy="0"/>
+          <a:chOff x="0" y="0"/>
+          <a:chExt cx="0" cy="0"/>
+        </a:xfrm>
+      </p:grpSpPr>
+      <p:sp>
+        <p:nvSpPr>
+          <p:cNvPr id="2" name="제목 1">
+            <a:extLst>
+              <a:ext uri="{FF2B5EF4-FFF2-40B4-BE49-F238E27FC236}">
+                <a16:creationId xmlns:a16="http://schemas.microsoft.com/office/drawing/2014/main" id="{5DB4D1C6-F99A-46AE-86BB-ED6A9E4E6F1D}"/>
+              </a:ext>
+            </a:extLst>
+          </p:cNvPr>
+          <p:cNvSpPr>
+            <a:spLocks noGrp="1"/>
+          </p:cNvSpPr>
+          <p:nvPr>
+            <p:ph type="title"/>
+          </p:nvPr>
+        </p:nvSpPr>
+        <p:spPr/>
+        <p:txBody>
+          <a:bodyPr/>
+          <a:lstStyle/>
+          <a:p>
+            <a:r>
+              <a:rPr lang="en-US" altLang="ko-KR" dirty="0"/>
+              <a:t>6. </a:t>
+            </a:r>
+            <a:r>
+              <a:rPr lang="ko-KR" altLang="en-US" dirty="0"/>
+              <a:t>프로젝트 소감</a:t>
+            </a:r>
+          </a:p>
+        </p:txBody>
+      </p:sp>
+      <p:sp>
+        <p:nvSpPr>
+          <p:cNvPr id="3" name="내용 개체 틀 2">
+            <a:extLst>
+              <a:ext uri="{FF2B5EF4-FFF2-40B4-BE49-F238E27FC236}">
+                <a16:creationId xmlns:a16="http://schemas.microsoft.com/office/drawing/2014/main" id="{8C50402D-A8DE-4F4F-993A-104B3ADF1E01}"/>
+              </a:ext>
+            </a:extLst>
+          </p:cNvPr>
+          <p:cNvSpPr>
+            <a:spLocks noGrp="1"/>
+          </p:cNvSpPr>
+          <p:nvPr>
+            <p:ph idx="1"/>
+          </p:nvPr>
+        </p:nvSpPr>
+        <p:spPr>
+          <a:xfrm>
+            <a:off x="838200" y="2236686"/>
+            <a:ext cx="10515600" cy="4351338"/>
+          </a:xfrm>
+        </p:spPr>
+        <p:txBody>
+          <a:bodyPr/>
+          <a:lstStyle/>
+          <a:p>
+            <a:r>
+              <a:rPr lang="ko-KR" altLang="en-US" dirty="0"/>
+              <a:t>흥미 </a:t>
+            </a:r>
+            <a:r>
+              <a:rPr lang="en-US" altLang="ko-KR" dirty="0"/>
+              <a:t>: ajax-</a:t>
+            </a:r>
+            <a:r>
+              <a:rPr lang="en-US" altLang="ko-KR" dirty="0" err="1"/>
+              <a:t>keyup</a:t>
+            </a:r>
+            <a:r>
+              <a:rPr lang="en-US" altLang="ko-KR" dirty="0"/>
+              <a:t> </a:t>
+            </a:r>
+            <a:r>
+              <a:rPr lang="ko-KR" altLang="ko-KR" dirty="0"/>
+              <a:t>중복체크</a:t>
+            </a:r>
+            <a:r>
+              <a:rPr lang="en-US" altLang="ko-KR" dirty="0"/>
+              <a:t> </a:t>
+            </a:r>
+            <a:r>
+              <a:rPr lang="ko-KR" altLang="ko-KR" dirty="0"/>
+              <a:t>이벤트</a:t>
+            </a:r>
+            <a:endParaRPr lang="en-US" altLang="ko-KR" dirty="0"/>
+          </a:p>
+          <a:p>
+            <a:endParaRPr lang="en-US" altLang="ko-KR" dirty="0"/>
+          </a:p>
+          <a:p>
+            <a:r>
+              <a:rPr lang="ko-KR" altLang="en-US" dirty="0"/>
+              <a:t>고난 </a:t>
+            </a:r>
+            <a:r>
+              <a:rPr lang="en-US" altLang="ko-KR" dirty="0"/>
+              <a:t>: </a:t>
+            </a:r>
+            <a:r>
+              <a:rPr lang="ko-KR" altLang="ko-KR" dirty="0" err="1"/>
+              <a:t>페이징</a:t>
+            </a:r>
+            <a:r>
+              <a:rPr lang="en-US" altLang="ko-KR" dirty="0"/>
+              <a:t> </a:t>
+            </a:r>
+            <a:r>
+              <a:rPr lang="ko-KR" altLang="ko-KR" dirty="0"/>
+              <a:t>알고리즘</a:t>
+            </a:r>
+            <a:r>
+              <a:rPr lang="en-US" altLang="ko-KR" dirty="0"/>
+              <a:t>, </a:t>
+            </a:r>
+            <a:r>
+              <a:rPr lang="ko-KR" altLang="ko-KR" dirty="0"/>
+              <a:t>답글</a:t>
+            </a:r>
+            <a:r>
+              <a:rPr lang="en-US" altLang="ko-KR" dirty="0"/>
+              <a:t> </a:t>
+            </a:r>
+            <a:r>
+              <a:rPr lang="ko-KR" altLang="ko-KR" dirty="0"/>
+              <a:t>계층</a:t>
+            </a:r>
+            <a:r>
+              <a:rPr lang="en-US" altLang="ko-KR" dirty="0"/>
+              <a:t> </a:t>
+            </a:r>
+            <a:r>
+              <a:rPr lang="ko-KR" altLang="ko-KR" dirty="0"/>
+              <a:t>알고리즘</a:t>
+            </a:r>
+            <a:endParaRPr lang="en-US" altLang="ko-KR" dirty="0"/>
+          </a:p>
+          <a:p>
+            <a:pPr marL="0" indent="0">
+              <a:buNone/>
+            </a:pPr>
+            <a:endParaRPr lang="en-US" altLang="ko-KR" dirty="0"/>
+          </a:p>
+          <a:p>
+            <a:r>
+              <a:rPr lang="ko-KR" altLang="en-US" dirty="0"/>
+              <a:t>아쉬움</a:t>
+            </a:r>
+            <a:r>
+              <a:rPr lang="en-US" altLang="ko-KR" dirty="0"/>
+              <a:t> : </a:t>
+            </a:r>
+            <a:r>
+              <a:rPr lang="ko-KR" altLang="ko-KR" dirty="0"/>
+              <a:t>카카오</a:t>
+            </a:r>
+            <a:r>
+              <a:rPr lang="en-US" altLang="ko-KR" dirty="0"/>
+              <a:t> </a:t>
+            </a:r>
+            <a:r>
+              <a:rPr lang="ko-KR" altLang="ko-KR" dirty="0"/>
+              <a:t>로그인</a:t>
+            </a:r>
+            <a:r>
+              <a:rPr lang="en-US" altLang="ko-KR" dirty="0"/>
+              <a:t>,  UI </a:t>
+            </a:r>
+            <a:r>
+              <a:rPr lang="ko-KR" altLang="ko-KR" dirty="0"/>
+              <a:t>꾸미기</a:t>
+            </a:r>
+            <a:r>
+              <a:rPr lang="en-US" altLang="ko-KR" dirty="0"/>
+              <a:t> </a:t>
+            </a:r>
+            <a:r>
+              <a:rPr lang="ko-KR" altLang="ko-KR" dirty="0"/>
+              <a:t>완성도</a:t>
+            </a:r>
+            <a:r>
+              <a:rPr lang="en-US" altLang="ko-KR" dirty="0"/>
+              <a:t>, </a:t>
+            </a:r>
+            <a:r>
+              <a:rPr lang="ko-KR" altLang="en-US"/>
+              <a:t>간편 디버깅 구현</a:t>
+            </a:r>
+            <a:endParaRPr lang="en-US" altLang="ko-KR" dirty="0"/>
+          </a:p>
+          <a:p>
+            <a:endParaRPr lang="en-US" altLang="ko-KR" dirty="0"/>
+          </a:p>
+          <a:p>
+            <a:endParaRPr lang="ko-KR" altLang="en-US" dirty="0"/>
+          </a:p>
+        </p:txBody>
+      </p:sp>
+      <p:pic>
+        <p:nvPicPr>
+          <p:cNvPr id="4" name="그림 3">
+            <a:extLst>
+              <a:ext uri="{FF2B5EF4-FFF2-40B4-BE49-F238E27FC236}">
+                <a16:creationId xmlns:a16="http://schemas.microsoft.com/office/drawing/2014/main" id="{552EFF6F-7482-454F-9112-7D438866369C}"/>
+              </a:ext>
+            </a:extLst>
+          </p:cNvPr>
+          <p:cNvPicPr>
+            <a:picLocks noChangeAspect="1"/>
+          </p:cNvPicPr>
+          <p:nvPr/>
+        </p:nvPicPr>
+        <p:blipFill>
+          <a:blip r:embed="rId2"/>
+          <a:stretch>
+            <a:fillRect/>
+          </a:stretch>
+        </p:blipFill>
+        <p:spPr>
+          <a:xfrm>
+            <a:off x="12499324" y="2672202"/>
+            <a:ext cx="1008699" cy="951756"/>
+          </a:xfrm>
+          <a:prstGeom prst="rect">
+            <a:avLst/>
+          </a:prstGeom>
+        </p:spPr>
+      </p:pic>
+      <p:pic>
+        <p:nvPicPr>
+          <p:cNvPr id="5" name="그림 4">
+            <a:extLst>
+              <a:ext uri="{FF2B5EF4-FFF2-40B4-BE49-F238E27FC236}">
+                <a16:creationId xmlns:a16="http://schemas.microsoft.com/office/drawing/2014/main" id="{569033B1-CAD6-4827-B6CE-E12E375182D0}"/>
+              </a:ext>
+            </a:extLst>
+          </p:cNvPr>
+          <p:cNvPicPr>
+            <a:picLocks noChangeAspect="1"/>
+          </p:cNvPicPr>
+          <p:nvPr/>
+        </p:nvPicPr>
+        <p:blipFill>
+          <a:blip r:embed="rId3"/>
+          <a:stretch>
+            <a:fillRect/>
+          </a:stretch>
+        </p:blipFill>
+        <p:spPr>
+          <a:xfrm>
+            <a:off x="12525812" y="3786625"/>
+            <a:ext cx="982211" cy="951755"/>
+          </a:xfrm>
+          <a:prstGeom prst="rect">
+            <a:avLst/>
+          </a:prstGeom>
+        </p:spPr>
+      </p:pic>
+      <p:pic>
+        <p:nvPicPr>
+          <p:cNvPr id="6" name="그림 5">
+            <a:extLst>
+              <a:ext uri="{FF2B5EF4-FFF2-40B4-BE49-F238E27FC236}">
+                <a16:creationId xmlns:a16="http://schemas.microsoft.com/office/drawing/2014/main" id="{C26431B2-F195-4391-8A7C-9EE26D362B8B}"/>
+              </a:ext>
+            </a:extLst>
+          </p:cNvPr>
+          <p:cNvPicPr>
+            <a:picLocks noChangeAspect="1"/>
+          </p:cNvPicPr>
+          <p:nvPr/>
+        </p:nvPicPr>
+        <p:blipFill>
+          <a:blip r:embed="rId4"/>
+          <a:stretch>
+            <a:fillRect/>
+          </a:stretch>
+        </p:blipFill>
+        <p:spPr>
+          <a:xfrm>
+            <a:off x="12421604" y="5012554"/>
+            <a:ext cx="1086419" cy="1121184"/>
+          </a:xfrm>
+          <a:prstGeom prst="rect">
+            <a:avLst/>
+          </a:prstGeom>
+        </p:spPr>
+      </p:pic>
+    </p:spTree>
+    <p:extLst>
+      <p:ext uri="{BB962C8B-B14F-4D97-AF65-F5344CB8AC3E}">
+        <p14:creationId xmlns:p14="http://schemas.microsoft.com/office/powerpoint/2010/main" val="3459594456"/>
       </p:ext>
     </p:extLst>
   </p:cSld>

--- a/머니샐러드_포트폴리오.pptx
+++ b/머니샐러드_포트폴리오.pptx
@@ -206,7 +206,7 @@
           <a:p>
             <a:fld id="{412406C4-693A-4920-A89D-B5F0AFA8F120}" type="datetimeFigureOut">
               <a:rPr lang="ko-KR" altLang="en-US" smtClean="0"/>
-              <a:t>2020-08-07</a:t>
+              <a:t>2020-08-08</a:t>
             </a:fld>
             <a:endParaRPr lang="ko-KR" altLang="en-US"/>
           </a:p>
@@ -620,7 +620,7 @@
           <a:p>
             <a:fld id="{F006BAFC-2CAC-40F3-A03A-45264D5C5F04}" type="datetime1">
               <a:rPr lang="ko-KR" altLang="en-US" smtClean="0"/>
-              <a:t>2020-08-07</a:t>
+              <a:t>2020-08-08</a:t>
             </a:fld>
             <a:endParaRPr lang="ko-KR" altLang="en-US"/>
           </a:p>
@@ -818,7 +818,7 @@
           <a:p>
             <a:fld id="{C07C9537-75D9-4457-A656-5FE0BDA4F819}" type="datetime1">
               <a:rPr lang="ko-KR" altLang="en-US" smtClean="0"/>
-              <a:t>2020-08-07</a:t>
+              <a:t>2020-08-08</a:t>
             </a:fld>
             <a:endParaRPr lang="ko-KR" altLang="en-US"/>
           </a:p>
@@ -1026,7 +1026,7 @@
           <a:p>
             <a:fld id="{02A2B63F-A249-461F-A53A-D26BB5AF0224}" type="datetime1">
               <a:rPr lang="ko-KR" altLang="en-US" smtClean="0"/>
-              <a:t>2020-08-07</a:t>
+              <a:t>2020-08-08</a:t>
             </a:fld>
             <a:endParaRPr lang="ko-KR" altLang="en-US"/>
           </a:p>
@@ -1224,7 +1224,7 @@
           <a:p>
             <a:fld id="{930ECD95-B514-45D8-B8DE-365949715A2F}" type="datetime1">
               <a:rPr lang="ko-KR" altLang="en-US" smtClean="0"/>
-              <a:t>2020-08-07</a:t>
+              <a:t>2020-08-08</a:t>
             </a:fld>
             <a:endParaRPr lang="ko-KR" altLang="en-US"/>
           </a:p>
@@ -1499,7 +1499,7 @@
           <a:p>
             <a:fld id="{A18072D3-5C10-4AE6-9A56-8A056D90B8A2}" type="datetime1">
               <a:rPr lang="ko-KR" altLang="en-US" smtClean="0"/>
-              <a:t>2020-08-07</a:t>
+              <a:t>2020-08-08</a:t>
             </a:fld>
             <a:endParaRPr lang="ko-KR" altLang="en-US"/>
           </a:p>
@@ -1764,7 +1764,7 @@
           <a:p>
             <a:fld id="{8974C757-137E-44BD-AD7E-E69EAED0CCA9}" type="datetime1">
               <a:rPr lang="ko-KR" altLang="en-US" smtClean="0"/>
-              <a:t>2020-08-07</a:t>
+              <a:t>2020-08-08</a:t>
             </a:fld>
             <a:endParaRPr lang="ko-KR" altLang="en-US"/>
           </a:p>
@@ -2176,7 +2176,7 @@
           <a:p>
             <a:fld id="{44FE1190-76AB-462B-92F4-D7DDCBEA6E35}" type="datetime1">
               <a:rPr lang="ko-KR" altLang="en-US" smtClean="0"/>
-              <a:t>2020-08-07</a:t>
+              <a:t>2020-08-08</a:t>
             </a:fld>
             <a:endParaRPr lang="ko-KR" altLang="en-US"/>
           </a:p>
@@ -2317,7 +2317,7 @@
           <a:p>
             <a:fld id="{B4E4229D-3920-4785-A55B-81A1F834C93A}" type="datetime1">
               <a:rPr lang="ko-KR" altLang="en-US" smtClean="0"/>
-              <a:t>2020-08-07</a:t>
+              <a:t>2020-08-08</a:t>
             </a:fld>
             <a:endParaRPr lang="ko-KR" altLang="en-US"/>
           </a:p>
@@ -2430,7 +2430,7 @@
           <a:p>
             <a:fld id="{21E502A1-0F30-4018-B5AB-2DBEDC6D3AFC}" type="datetime1">
               <a:rPr lang="ko-KR" altLang="en-US" smtClean="0"/>
-              <a:t>2020-08-07</a:t>
+              <a:t>2020-08-08</a:t>
             </a:fld>
             <a:endParaRPr lang="ko-KR" altLang="en-US"/>
           </a:p>
@@ -2741,7 +2741,7 @@
           <a:p>
             <a:fld id="{F72924D8-FA8C-4DE9-B0C2-6C2BE657EE42}" type="datetime1">
               <a:rPr lang="ko-KR" altLang="en-US" smtClean="0"/>
-              <a:t>2020-08-07</a:t>
+              <a:t>2020-08-08</a:t>
             </a:fld>
             <a:endParaRPr lang="ko-KR" altLang="en-US"/>
           </a:p>
@@ -3029,7 +3029,7 @@
           <a:p>
             <a:fld id="{F7AEB182-9FD6-4DB4-B726-22DEE9357EF5}" type="datetime1">
               <a:rPr lang="ko-KR" altLang="en-US" smtClean="0"/>
-              <a:t>2020-08-07</a:t>
+              <a:t>2020-08-08</a:t>
             </a:fld>
             <a:endParaRPr lang="ko-KR" altLang="en-US"/>
           </a:p>
@@ -3270,7 +3270,7 @@
           <a:p>
             <a:fld id="{CD18ADC3-77F3-4469-A1A5-72FA6C64731B}" type="datetime1">
               <a:rPr lang="ko-KR" altLang="en-US" smtClean="0"/>
-              <a:t>2020-08-07</a:t>
+              <a:t>2020-08-08</a:t>
             </a:fld>
             <a:endParaRPr lang="ko-KR" altLang="en-US"/>
           </a:p>
@@ -6015,11 +6015,6 @@
           </a:lstStyle>
           <a:p>
             <a:pPr algn="ctr"/>
-            <a:fld id="{5EB2F036-81AB-4A80-8019-B671CB9C4132}" type="slidenum">
-              <a:rPr lang="ko-KR" altLang="en-US" smtClean="0"/>
-              <a:pPr algn="ctr"/>
-              <a:t>6</a:t>
-            </a:fld>
             <a:endParaRPr lang="ko-KR" altLang="en-US" dirty="0"/>
           </a:p>
         </p:txBody>

--- a/머니샐러드_포트폴리오.pptx
+++ b/머니샐러드_포트폴리오.pptx
@@ -206,7 +206,7 @@
           <a:p>
             <a:fld id="{412406C4-693A-4920-A89D-B5F0AFA8F120}" type="datetimeFigureOut">
               <a:rPr lang="ko-KR" altLang="en-US" smtClean="0"/>
-              <a:t>2020-08-08</a:t>
+              <a:t>2020-08-10</a:t>
             </a:fld>
             <a:endParaRPr lang="ko-KR" altLang="en-US"/>
           </a:p>
@@ -620,7 +620,7 @@
           <a:p>
             <a:fld id="{F006BAFC-2CAC-40F3-A03A-45264D5C5F04}" type="datetime1">
               <a:rPr lang="ko-KR" altLang="en-US" smtClean="0"/>
-              <a:t>2020-08-08</a:t>
+              <a:t>2020-08-10</a:t>
             </a:fld>
             <a:endParaRPr lang="ko-KR" altLang="en-US"/>
           </a:p>
@@ -818,7 +818,7 @@
           <a:p>
             <a:fld id="{C07C9537-75D9-4457-A656-5FE0BDA4F819}" type="datetime1">
               <a:rPr lang="ko-KR" altLang="en-US" smtClean="0"/>
-              <a:t>2020-08-08</a:t>
+              <a:t>2020-08-10</a:t>
             </a:fld>
             <a:endParaRPr lang="ko-KR" altLang="en-US"/>
           </a:p>
@@ -1026,7 +1026,7 @@
           <a:p>
             <a:fld id="{02A2B63F-A249-461F-A53A-D26BB5AF0224}" type="datetime1">
               <a:rPr lang="ko-KR" altLang="en-US" smtClean="0"/>
-              <a:t>2020-08-08</a:t>
+              <a:t>2020-08-10</a:t>
             </a:fld>
             <a:endParaRPr lang="ko-KR" altLang="en-US"/>
           </a:p>
@@ -1224,7 +1224,7 @@
           <a:p>
             <a:fld id="{930ECD95-B514-45D8-B8DE-365949715A2F}" type="datetime1">
               <a:rPr lang="ko-KR" altLang="en-US" smtClean="0"/>
-              <a:t>2020-08-08</a:t>
+              <a:t>2020-08-10</a:t>
             </a:fld>
             <a:endParaRPr lang="ko-KR" altLang="en-US"/>
           </a:p>
@@ -1499,7 +1499,7 @@
           <a:p>
             <a:fld id="{A18072D3-5C10-4AE6-9A56-8A056D90B8A2}" type="datetime1">
               <a:rPr lang="ko-KR" altLang="en-US" smtClean="0"/>
-              <a:t>2020-08-08</a:t>
+              <a:t>2020-08-10</a:t>
             </a:fld>
             <a:endParaRPr lang="ko-KR" altLang="en-US"/>
           </a:p>
@@ -1764,7 +1764,7 @@
           <a:p>
             <a:fld id="{8974C757-137E-44BD-AD7E-E69EAED0CCA9}" type="datetime1">
               <a:rPr lang="ko-KR" altLang="en-US" smtClean="0"/>
-              <a:t>2020-08-08</a:t>
+              <a:t>2020-08-10</a:t>
             </a:fld>
             <a:endParaRPr lang="ko-KR" altLang="en-US"/>
           </a:p>
@@ -2176,7 +2176,7 @@
           <a:p>
             <a:fld id="{44FE1190-76AB-462B-92F4-D7DDCBEA6E35}" type="datetime1">
               <a:rPr lang="ko-KR" altLang="en-US" smtClean="0"/>
-              <a:t>2020-08-08</a:t>
+              <a:t>2020-08-10</a:t>
             </a:fld>
             <a:endParaRPr lang="ko-KR" altLang="en-US"/>
           </a:p>
@@ -2317,7 +2317,7 @@
           <a:p>
             <a:fld id="{B4E4229D-3920-4785-A55B-81A1F834C93A}" type="datetime1">
               <a:rPr lang="ko-KR" altLang="en-US" smtClean="0"/>
-              <a:t>2020-08-08</a:t>
+              <a:t>2020-08-10</a:t>
             </a:fld>
             <a:endParaRPr lang="ko-KR" altLang="en-US"/>
           </a:p>
@@ -2430,7 +2430,7 @@
           <a:p>
             <a:fld id="{21E502A1-0F30-4018-B5AB-2DBEDC6D3AFC}" type="datetime1">
               <a:rPr lang="ko-KR" altLang="en-US" smtClean="0"/>
-              <a:t>2020-08-08</a:t>
+              <a:t>2020-08-10</a:t>
             </a:fld>
             <a:endParaRPr lang="ko-KR" altLang="en-US"/>
           </a:p>
@@ -2741,7 +2741,7 @@
           <a:p>
             <a:fld id="{F72924D8-FA8C-4DE9-B0C2-6C2BE657EE42}" type="datetime1">
               <a:rPr lang="ko-KR" altLang="en-US" smtClean="0"/>
-              <a:t>2020-08-08</a:t>
+              <a:t>2020-08-10</a:t>
             </a:fld>
             <a:endParaRPr lang="ko-KR" altLang="en-US"/>
           </a:p>
@@ -3029,7 +3029,7 @@
           <a:p>
             <a:fld id="{F7AEB182-9FD6-4DB4-B726-22DEE9357EF5}" type="datetime1">
               <a:rPr lang="ko-KR" altLang="en-US" smtClean="0"/>
-              <a:t>2020-08-08</a:t>
+              <a:t>2020-08-10</a:t>
             </a:fld>
             <a:endParaRPr lang="ko-KR" altLang="en-US"/>
           </a:p>
@@ -3270,7 +3270,7 @@
           <a:p>
             <a:fld id="{CD18ADC3-77F3-4469-A1A5-72FA6C64731B}" type="datetime1">
               <a:rPr lang="ko-KR" altLang="en-US" smtClean="0"/>
-              <a:t>2020-08-08</a:t>
+              <a:t>2020-08-10</a:t>
             </a:fld>
             <a:endParaRPr lang="ko-KR" altLang="en-US"/>
           </a:p>

--- a/머니샐러드_포트폴리오.pptx
+++ b/머니샐러드_포트폴리오.pptx
@@ -5,19 +5,23 @@
     <p:sldMasterId id="2147483648" r:id="rId1"/>
   </p:sldMasterIdLst>
   <p:notesMasterIdLst>
-    <p:notesMasterId r:id="rId12"/>
+    <p:notesMasterId r:id="rId16"/>
   </p:notesMasterIdLst>
   <p:sldIdLst>
     <p:sldId id="256" r:id="rId2"/>
-    <p:sldId id="268" r:id="rId3"/>
-    <p:sldId id="257" r:id="rId4"/>
-    <p:sldId id="258" r:id="rId5"/>
-    <p:sldId id="262" r:id="rId6"/>
-    <p:sldId id="270" r:id="rId7"/>
-    <p:sldId id="265" r:id="rId8"/>
-    <p:sldId id="271" r:id="rId9"/>
-    <p:sldId id="272" r:id="rId10"/>
-    <p:sldId id="269" r:id="rId11"/>
+    <p:sldId id="273" r:id="rId3"/>
+    <p:sldId id="275" r:id="rId4"/>
+    <p:sldId id="274" r:id="rId5"/>
+    <p:sldId id="276" r:id="rId6"/>
+    <p:sldId id="268" r:id="rId7"/>
+    <p:sldId id="257" r:id="rId8"/>
+    <p:sldId id="258" r:id="rId9"/>
+    <p:sldId id="262" r:id="rId10"/>
+    <p:sldId id="270" r:id="rId11"/>
+    <p:sldId id="265" r:id="rId12"/>
+    <p:sldId id="271" r:id="rId13"/>
+    <p:sldId id="272" r:id="rId14"/>
+    <p:sldId id="269" r:id="rId15"/>
   </p:sldIdLst>
   <p:sldSz cx="12192000" cy="6858000"/>
   <p:notesSz cx="6858000" cy="9144000"/>
@@ -206,7 +210,7 @@
           <a:p>
             <a:fld id="{412406C4-693A-4920-A89D-B5F0AFA8F120}" type="datetimeFigureOut">
               <a:rPr lang="ko-KR" altLang="en-US" smtClean="0"/>
-              <a:t>2020-08-10</a:t>
+              <a:t>2020-08-13</a:t>
             </a:fld>
             <a:endParaRPr lang="ko-KR" altLang="en-US"/>
           </a:p>
@@ -620,7 +624,7 @@
           <a:p>
             <a:fld id="{F006BAFC-2CAC-40F3-A03A-45264D5C5F04}" type="datetime1">
               <a:rPr lang="ko-KR" altLang="en-US" smtClean="0"/>
-              <a:t>2020-08-10</a:t>
+              <a:t>2020-08-13</a:t>
             </a:fld>
             <a:endParaRPr lang="ko-KR" altLang="en-US"/>
           </a:p>
@@ -818,7 +822,7 @@
           <a:p>
             <a:fld id="{C07C9537-75D9-4457-A656-5FE0BDA4F819}" type="datetime1">
               <a:rPr lang="ko-KR" altLang="en-US" smtClean="0"/>
-              <a:t>2020-08-10</a:t>
+              <a:t>2020-08-13</a:t>
             </a:fld>
             <a:endParaRPr lang="ko-KR" altLang="en-US"/>
           </a:p>
@@ -1026,7 +1030,7 @@
           <a:p>
             <a:fld id="{02A2B63F-A249-461F-A53A-D26BB5AF0224}" type="datetime1">
               <a:rPr lang="ko-KR" altLang="en-US" smtClean="0"/>
-              <a:t>2020-08-10</a:t>
+              <a:t>2020-08-13</a:t>
             </a:fld>
             <a:endParaRPr lang="ko-KR" altLang="en-US"/>
           </a:p>
@@ -1224,7 +1228,7 @@
           <a:p>
             <a:fld id="{930ECD95-B514-45D8-B8DE-365949715A2F}" type="datetime1">
               <a:rPr lang="ko-KR" altLang="en-US" smtClean="0"/>
-              <a:t>2020-08-10</a:t>
+              <a:t>2020-08-13</a:t>
             </a:fld>
             <a:endParaRPr lang="ko-KR" altLang="en-US"/>
           </a:p>
@@ -1499,7 +1503,7 @@
           <a:p>
             <a:fld id="{A18072D3-5C10-4AE6-9A56-8A056D90B8A2}" type="datetime1">
               <a:rPr lang="ko-KR" altLang="en-US" smtClean="0"/>
-              <a:t>2020-08-10</a:t>
+              <a:t>2020-08-13</a:t>
             </a:fld>
             <a:endParaRPr lang="ko-KR" altLang="en-US"/>
           </a:p>
@@ -1764,7 +1768,7 @@
           <a:p>
             <a:fld id="{8974C757-137E-44BD-AD7E-E69EAED0CCA9}" type="datetime1">
               <a:rPr lang="ko-KR" altLang="en-US" smtClean="0"/>
-              <a:t>2020-08-10</a:t>
+              <a:t>2020-08-13</a:t>
             </a:fld>
             <a:endParaRPr lang="ko-KR" altLang="en-US"/>
           </a:p>
@@ -2176,7 +2180,7 @@
           <a:p>
             <a:fld id="{44FE1190-76AB-462B-92F4-D7DDCBEA6E35}" type="datetime1">
               <a:rPr lang="ko-KR" altLang="en-US" smtClean="0"/>
-              <a:t>2020-08-10</a:t>
+              <a:t>2020-08-13</a:t>
             </a:fld>
             <a:endParaRPr lang="ko-KR" altLang="en-US"/>
           </a:p>
@@ -2317,7 +2321,7 @@
           <a:p>
             <a:fld id="{B4E4229D-3920-4785-A55B-81A1F834C93A}" type="datetime1">
               <a:rPr lang="ko-KR" altLang="en-US" smtClean="0"/>
-              <a:t>2020-08-10</a:t>
+              <a:t>2020-08-13</a:t>
             </a:fld>
             <a:endParaRPr lang="ko-KR" altLang="en-US"/>
           </a:p>
@@ -2430,7 +2434,7 @@
           <a:p>
             <a:fld id="{21E502A1-0F30-4018-B5AB-2DBEDC6D3AFC}" type="datetime1">
               <a:rPr lang="ko-KR" altLang="en-US" smtClean="0"/>
-              <a:t>2020-08-10</a:t>
+              <a:t>2020-08-13</a:t>
             </a:fld>
             <a:endParaRPr lang="ko-KR" altLang="en-US"/>
           </a:p>
@@ -2741,7 +2745,7 @@
           <a:p>
             <a:fld id="{F72924D8-FA8C-4DE9-B0C2-6C2BE657EE42}" type="datetime1">
               <a:rPr lang="ko-KR" altLang="en-US" smtClean="0"/>
-              <a:t>2020-08-10</a:t>
+              <a:t>2020-08-13</a:t>
             </a:fld>
             <a:endParaRPr lang="ko-KR" altLang="en-US"/>
           </a:p>
@@ -3029,7 +3033,7 @@
           <a:p>
             <a:fld id="{F7AEB182-9FD6-4DB4-B726-22DEE9357EF5}" type="datetime1">
               <a:rPr lang="ko-KR" altLang="en-US" smtClean="0"/>
-              <a:t>2020-08-10</a:t>
+              <a:t>2020-08-13</a:t>
             </a:fld>
             <a:endParaRPr lang="ko-KR" altLang="en-US"/>
           </a:p>
@@ -3270,7 +3274,7 @@
           <a:p>
             <a:fld id="{CD18ADC3-77F3-4469-A1A5-72FA6C64731B}" type="datetime1">
               <a:rPr lang="ko-KR" altLang="en-US" smtClean="0"/>
-              <a:t>2020-08-10</a:t>
+              <a:t>2020-08-13</a:t>
             </a:fld>
             <a:endParaRPr lang="ko-KR" altLang="en-US"/>
           </a:p>
@@ -3953,1807 +3957,6 @@
           <a:chExt cx="0" cy="0"/>
         </a:xfrm>
       </p:grpSpPr>
-      <p:sp>
-        <p:nvSpPr>
-          <p:cNvPr id="4" name="TextBox 3">
-            <a:extLst>
-              <a:ext uri="{FF2B5EF4-FFF2-40B4-BE49-F238E27FC236}">
-                <a16:creationId xmlns:a16="http://schemas.microsoft.com/office/drawing/2014/main" id="{A0CC7B0F-3F78-4F57-8D5E-E0D81DBAC3A2}"/>
-              </a:ext>
-            </a:extLst>
-          </p:cNvPr>
-          <p:cNvSpPr txBox="1"/>
-          <p:nvPr/>
-        </p:nvSpPr>
-        <p:spPr>
-          <a:xfrm>
-            <a:off x="4531309" y="3044280"/>
-            <a:ext cx="3129383" cy="769441"/>
-          </a:xfrm>
-          <a:prstGeom prst="rect">
-            <a:avLst/>
-          </a:prstGeom>
-          <a:noFill/>
-        </p:spPr>
-        <p:txBody>
-          <a:bodyPr wrap="none" rtlCol="0">
-            <a:spAutoFit/>
-          </a:bodyPr>
-          <a:lstStyle/>
-          <a:p>
-            <a:r>
-              <a:rPr lang="ko-KR" altLang="en-US" sz="4400" dirty="0"/>
-              <a:t>감사합니다</a:t>
-            </a:r>
-            <a:r>
-              <a:rPr lang="en-US" altLang="ko-KR" sz="4400" dirty="0"/>
-              <a:t>.</a:t>
-            </a:r>
-            <a:endParaRPr lang="ko-KR" altLang="en-US" sz="4400" dirty="0"/>
-          </a:p>
-        </p:txBody>
-      </p:sp>
-    </p:spTree>
-    <p:extLst>
-      <p:ext uri="{BB962C8B-B14F-4D97-AF65-F5344CB8AC3E}">
-        <p14:creationId xmlns:p14="http://schemas.microsoft.com/office/powerpoint/2010/main" val="97516537"/>
-      </p:ext>
-    </p:extLst>
-  </p:cSld>
-  <p:clrMapOvr>
-    <a:masterClrMapping/>
-  </p:clrMapOvr>
-</p:sld>
-</file>
-
-<file path=ppt/slides/slide2.xml><?xml version="1.0" encoding="utf-8"?>
-<p:sld xmlns:a="http://schemas.openxmlformats.org/drawingml/2006/main" xmlns:r="http://schemas.openxmlformats.org/officeDocument/2006/relationships" xmlns:p="http://schemas.openxmlformats.org/presentationml/2006/main">
-  <p:cSld>
-    <p:spTree>
-      <p:nvGrpSpPr>
-        <p:cNvPr id="1" name=""/>
-        <p:cNvGrpSpPr/>
-        <p:nvPr/>
-      </p:nvGrpSpPr>
-      <p:grpSpPr>
-        <a:xfrm>
-          <a:off x="0" y="0"/>
-          <a:ext cx="0" cy="0"/>
-          <a:chOff x="0" y="0"/>
-          <a:chExt cx="0" cy="0"/>
-        </a:xfrm>
-      </p:grpSpPr>
-      <p:sp>
-        <p:nvSpPr>
-          <p:cNvPr id="2" name="제목 1">
-            <a:extLst>
-              <a:ext uri="{FF2B5EF4-FFF2-40B4-BE49-F238E27FC236}">
-                <a16:creationId xmlns:a16="http://schemas.microsoft.com/office/drawing/2014/main" id="{8F84D4C6-575E-4D51-9177-C27A5886F91F}"/>
-              </a:ext>
-            </a:extLst>
-          </p:cNvPr>
-          <p:cNvSpPr>
-            <a:spLocks noGrp="1"/>
-          </p:cNvSpPr>
-          <p:nvPr>
-            <p:ph type="title"/>
-          </p:nvPr>
-        </p:nvSpPr>
-        <p:spPr/>
-        <p:txBody>
-          <a:bodyPr/>
-          <a:lstStyle/>
-          <a:p>
-            <a:r>
-              <a:rPr lang="ko-KR" altLang="en-US" dirty="0"/>
-              <a:t>목차</a:t>
-            </a:r>
-          </a:p>
-        </p:txBody>
-      </p:sp>
-      <p:sp>
-        <p:nvSpPr>
-          <p:cNvPr id="3" name="내용 개체 틀 2">
-            <a:extLst>
-              <a:ext uri="{FF2B5EF4-FFF2-40B4-BE49-F238E27FC236}">
-                <a16:creationId xmlns:a16="http://schemas.microsoft.com/office/drawing/2014/main" id="{CE424E34-1FF6-47A6-9B81-B1F867F7B73A}"/>
-              </a:ext>
-            </a:extLst>
-          </p:cNvPr>
-          <p:cNvSpPr>
-            <a:spLocks noGrp="1"/>
-          </p:cNvSpPr>
-          <p:nvPr>
-            <p:ph idx="1"/>
-          </p:nvPr>
-        </p:nvSpPr>
-        <p:spPr/>
-        <p:txBody>
-          <a:bodyPr/>
-          <a:lstStyle/>
-          <a:p>
-            <a:pPr marL="514350" indent="-514350">
-              <a:buAutoNum type="arabicPeriod"/>
-            </a:pPr>
-            <a:r>
-              <a:rPr lang="ko-KR" altLang="en-US" dirty="0"/>
-              <a:t>과제 개요</a:t>
-            </a:r>
-            <a:endParaRPr lang="en-US" altLang="ko-KR" dirty="0"/>
-          </a:p>
-          <a:p>
-            <a:pPr marL="514350" indent="-514350">
-              <a:buAutoNum type="arabicPeriod"/>
-            </a:pPr>
-            <a:r>
-              <a:rPr lang="ko-KR" altLang="en-US" dirty="0"/>
-              <a:t>개발 환경</a:t>
-            </a:r>
-            <a:endParaRPr lang="en-US" altLang="ko-KR" dirty="0"/>
-          </a:p>
-          <a:p>
-            <a:pPr marL="514350" indent="-514350">
-              <a:buAutoNum type="arabicPeriod"/>
-            </a:pPr>
-            <a:r>
-              <a:rPr lang="ko-KR" altLang="en-US" dirty="0"/>
-              <a:t>요구사항 명세서</a:t>
-            </a:r>
-            <a:endParaRPr lang="en-US" altLang="ko-KR" dirty="0"/>
-          </a:p>
-          <a:p>
-            <a:pPr marL="514350" indent="-514350">
-              <a:buAutoNum type="arabicPeriod"/>
-            </a:pPr>
-            <a:r>
-              <a:rPr lang="ko-KR" altLang="en-US" dirty="0"/>
-              <a:t>데이터 모델링</a:t>
-            </a:r>
-            <a:endParaRPr lang="en-US" altLang="ko-KR" dirty="0"/>
-          </a:p>
-          <a:p>
-            <a:pPr marL="514350" indent="-514350">
-              <a:buAutoNum type="arabicPeriod"/>
-            </a:pPr>
-            <a:r>
-              <a:rPr lang="en-US" altLang="ko-KR" dirty="0"/>
-              <a:t>MVC </a:t>
-            </a:r>
-            <a:r>
-              <a:rPr lang="ko-KR" altLang="en-US" dirty="0"/>
-              <a:t>모델</a:t>
-            </a:r>
-            <a:endParaRPr lang="en-US" altLang="ko-KR" dirty="0"/>
-          </a:p>
-          <a:p>
-            <a:pPr marL="514350" indent="-514350">
-              <a:buAutoNum type="arabicPeriod"/>
-            </a:pPr>
-            <a:r>
-              <a:rPr lang="ko-KR" altLang="en-US" dirty="0"/>
-              <a:t>프로젝트 소감</a:t>
-            </a:r>
-            <a:endParaRPr lang="en-US" altLang="ko-KR" dirty="0"/>
-          </a:p>
-          <a:p>
-            <a:pPr marL="0" indent="0">
-              <a:buNone/>
-            </a:pPr>
-            <a:endParaRPr lang="ko-KR" altLang="en-US" dirty="0"/>
-          </a:p>
-        </p:txBody>
-      </p:sp>
-      <p:sp>
-        <p:nvSpPr>
-          <p:cNvPr id="5" name="슬라이드 번호 개체 틀 5">
-            <a:extLst>
-              <a:ext uri="{FF2B5EF4-FFF2-40B4-BE49-F238E27FC236}">
-                <a16:creationId xmlns:a16="http://schemas.microsoft.com/office/drawing/2014/main" id="{9F9F3314-1984-4036-A69C-12802AE3630F}"/>
-              </a:ext>
-            </a:extLst>
-          </p:cNvPr>
-          <p:cNvSpPr>
-            <a:spLocks noGrp="1"/>
-          </p:cNvSpPr>
-          <p:nvPr>
-            <p:ph type="sldNum" sz="quarter" idx="12"/>
-          </p:nvPr>
-        </p:nvSpPr>
-        <p:spPr>
-          <a:xfrm>
-            <a:off x="4724400" y="6060450"/>
-            <a:ext cx="2743200" cy="365125"/>
-          </a:xfrm>
-        </p:spPr>
-        <p:txBody>
-          <a:bodyPr/>
-          <a:lstStyle/>
-          <a:p>
-            <a:pPr algn="ctr"/>
-            <a:fld id="{5EB2F036-81AB-4A80-8019-B671CB9C4132}" type="slidenum">
-              <a:rPr lang="ko-KR" altLang="en-US" smtClean="0"/>
-              <a:pPr algn="ctr"/>
-              <a:t>2</a:t>
-            </a:fld>
-            <a:endParaRPr lang="ko-KR" altLang="en-US" dirty="0"/>
-          </a:p>
-        </p:txBody>
-      </p:sp>
-    </p:spTree>
-    <p:extLst>
-      <p:ext uri="{BB962C8B-B14F-4D97-AF65-F5344CB8AC3E}">
-        <p14:creationId xmlns:p14="http://schemas.microsoft.com/office/powerpoint/2010/main" val="3907602215"/>
-      </p:ext>
-    </p:extLst>
-  </p:cSld>
-  <p:clrMapOvr>
-    <a:masterClrMapping/>
-  </p:clrMapOvr>
-</p:sld>
-</file>
-
-<file path=ppt/slides/slide3.xml><?xml version="1.0" encoding="utf-8"?>
-<p:sld xmlns:a="http://schemas.openxmlformats.org/drawingml/2006/main" xmlns:r="http://schemas.openxmlformats.org/officeDocument/2006/relationships" xmlns:p="http://schemas.openxmlformats.org/presentationml/2006/main">
-  <p:cSld>
-    <p:spTree>
-      <p:nvGrpSpPr>
-        <p:cNvPr id="1" name=""/>
-        <p:cNvGrpSpPr/>
-        <p:nvPr/>
-      </p:nvGrpSpPr>
-      <p:grpSpPr>
-        <a:xfrm>
-          <a:off x="0" y="0"/>
-          <a:ext cx="0" cy="0"/>
-          <a:chOff x="0" y="0"/>
-          <a:chExt cx="0" cy="0"/>
-        </a:xfrm>
-      </p:grpSpPr>
-      <p:sp>
-        <p:nvSpPr>
-          <p:cNvPr id="2" name="제목 1">
-            <a:extLst>
-              <a:ext uri="{FF2B5EF4-FFF2-40B4-BE49-F238E27FC236}">
-                <a16:creationId xmlns:a16="http://schemas.microsoft.com/office/drawing/2014/main" id="{59559C2C-0F93-4280-9497-DFD2190A9DB2}"/>
-              </a:ext>
-            </a:extLst>
-          </p:cNvPr>
-          <p:cNvSpPr>
-            <a:spLocks noGrp="1"/>
-          </p:cNvSpPr>
-          <p:nvPr>
-            <p:ph type="title"/>
-          </p:nvPr>
-        </p:nvSpPr>
-        <p:spPr>
-          <a:xfrm>
-            <a:off x="334618" y="139838"/>
-            <a:ext cx="10515600" cy="1325563"/>
-          </a:xfrm>
-        </p:spPr>
-        <p:txBody>
-          <a:bodyPr/>
-          <a:lstStyle/>
-          <a:p>
-            <a:r>
-              <a:rPr lang="en-US" altLang="ko-KR" dirty="0"/>
-              <a:t>1. </a:t>
-            </a:r>
-            <a:r>
-              <a:rPr lang="ko-KR" altLang="en-US" dirty="0"/>
-              <a:t>과제 개요</a:t>
-            </a:r>
-          </a:p>
-        </p:txBody>
-      </p:sp>
-      <p:sp>
-        <p:nvSpPr>
-          <p:cNvPr id="3" name="내용 개체 틀 2">
-            <a:extLst>
-              <a:ext uri="{FF2B5EF4-FFF2-40B4-BE49-F238E27FC236}">
-                <a16:creationId xmlns:a16="http://schemas.microsoft.com/office/drawing/2014/main" id="{15A53F1A-2C85-475C-99CD-78B160059F9E}"/>
-              </a:ext>
-            </a:extLst>
-          </p:cNvPr>
-          <p:cNvSpPr>
-            <a:spLocks noGrp="1"/>
-          </p:cNvSpPr>
-          <p:nvPr>
-            <p:ph idx="1"/>
-          </p:nvPr>
-        </p:nvSpPr>
-        <p:spPr/>
-        <p:txBody>
-          <a:bodyPr/>
-          <a:lstStyle/>
-          <a:p>
-            <a:r>
-              <a:rPr lang="ko-KR" altLang="en-US" dirty="0">
-                <a:latin typeface="나눔바른고딕" panose="020B0603020101020101" pitchFamily="50" charset="-127"/>
-                <a:ea typeface="나눔바른고딕" panose="020B0603020101020101" pitchFamily="50" charset="-127"/>
-              </a:rPr>
-              <a:t>본 프로젝트는 </a:t>
-            </a:r>
-            <a:r>
-              <a:rPr lang="ko-KR" altLang="en-US" dirty="0" err="1">
-                <a:latin typeface="나눔바른고딕" panose="020B0603020101020101" pitchFamily="50" charset="-127"/>
-                <a:ea typeface="나눔바른고딕" panose="020B0603020101020101" pitchFamily="50" charset="-127"/>
-              </a:rPr>
-              <a:t>한국폴리텍대학</a:t>
-            </a:r>
-            <a:r>
-              <a:rPr lang="ko-KR" altLang="en-US" dirty="0">
-                <a:latin typeface="나눔바른고딕" panose="020B0603020101020101" pitchFamily="50" charset="-127"/>
-                <a:ea typeface="나눔바른고딕" panose="020B0603020101020101" pitchFamily="50" charset="-127"/>
-              </a:rPr>
-              <a:t> </a:t>
-            </a:r>
-            <a:r>
-              <a:rPr lang="ko-KR" altLang="en-US" dirty="0" err="1">
-                <a:latin typeface="나눔바른고딕" panose="020B0603020101020101" pitchFamily="50" charset="-127"/>
-                <a:ea typeface="나눔바른고딕" panose="020B0603020101020101" pitchFamily="50" charset="-127"/>
-              </a:rPr>
-              <a:t>광명융합기술교육원</a:t>
-            </a:r>
-            <a:r>
-              <a:rPr lang="ko-KR" altLang="en-US" dirty="0">
-                <a:latin typeface="나눔바른고딕" panose="020B0603020101020101" pitchFamily="50" charset="-127"/>
-                <a:ea typeface="나눔바른고딕" panose="020B0603020101020101" pitchFamily="50" charset="-127"/>
-              </a:rPr>
-              <a:t> 데이터분석과의    프로젝트 과제입니다</a:t>
-            </a:r>
-            <a:r>
-              <a:rPr lang="en-US" altLang="ko-KR" dirty="0">
-                <a:latin typeface="나눔바른고딕" panose="020B0603020101020101" pitchFamily="50" charset="-127"/>
-                <a:ea typeface="나눔바른고딕" panose="020B0603020101020101" pitchFamily="50" charset="-127"/>
-              </a:rPr>
-              <a:t>.</a:t>
-            </a:r>
-          </a:p>
-          <a:p>
-            <a:endParaRPr lang="en-US" altLang="ko-KR" sz="900" dirty="0">
-              <a:latin typeface="나눔바른고딕" panose="020B0603020101020101" pitchFamily="50" charset="-127"/>
-              <a:ea typeface="나눔바른고딕" panose="020B0603020101020101" pitchFamily="50" charset="-127"/>
-            </a:endParaRPr>
-          </a:p>
-          <a:p>
-            <a:r>
-              <a:rPr lang="en-US" altLang="ko-KR" dirty="0">
-                <a:latin typeface="나눔바른고딕" panose="020B0603020101020101" pitchFamily="50" charset="-127"/>
-                <a:ea typeface="나눔바른고딕" panose="020B0603020101020101" pitchFamily="50" charset="-127"/>
-              </a:rPr>
-              <a:t>‘</a:t>
-            </a:r>
-            <a:r>
-              <a:rPr lang="ko-KR" altLang="en-US" dirty="0" err="1">
-                <a:latin typeface="나눔바른고딕" panose="020B0603020101020101" pitchFamily="50" charset="-127"/>
-                <a:ea typeface="나눔바른고딕" panose="020B0603020101020101" pitchFamily="50" charset="-127"/>
-              </a:rPr>
-              <a:t>캐슬은행</a:t>
-            </a:r>
-            <a:r>
-              <a:rPr lang="en-US" altLang="ko-KR" dirty="0">
-                <a:latin typeface="나눔바른고딕" panose="020B0603020101020101" pitchFamily="50" charset="-127"/>
-                <a:ea typeface="나눔바른고딕" panose="020B0603020101020101" pitchFamily="50" charset="-127"/>
-              </a:rPr>
-              <a:t>’</a:t>
-            </a:r>
-            <a:r>
-              <a:rPr lang="ko-KR" altLang="en-US" dirty="0">
-                <a:latin typeface="나눔바른고딕" panose="020B0603020101020101" pitchFamily="50" charset="-127"/>
-                <a:ea typeface="나눔바른고딕" panose="020B0603020101020101" pitchFamily="50" charset="-127"/>
-              </a:rPr>
-              <a:t>이라는 은행의 통합계좌 관리시스템에서 </a:t>
-            </a:r>
-            <a:r>
-              <a:rPr lang="ko-KR" altLang="en-US" dirty="0" err="1">
-                <a:latin typeface="나눔바른고딕" panose="020B0603020101020101" pitchFamily="50" charset="-127"/>
-                <a:ea typeface="나눔바른고딕" panose="020B0603020101020101" pitchFamily="50" charset="-127"/>
-              </a:rPr>
-              <a:t>비대면식의</a:t>
-            </a:r>
-            <a:r>
-              <a:rPr lang="ko-KR" altLang="en-US" dirty="0">
-                <a:latin typeface="나눔바른고딕" panose="020B0603020101020101" pitchFamily="50" charset="-127"/>
-                <a:ea typeface="나눔바른고딕" panose="020B0603020101020101" pitchFamily="50" charset="-127"/>
-              </a:rPr>
-              <a:t> 은행 업무를 진행할 수 있도록 </a:t>
-            </a:r>
-            <a:r>
-              <a:rPr lang="en-US" altLang="ko-KR" dirty="0">
-                <a:latin typeface="나눔바른고딕" panose="020B0603020101020101" pitchFamily="50" charset="-127"/>
-                <a:ea typeface="나눔바른고딕" panose="020B0603020101020101" pitchFamily="50" charset="-127"/>
-              </a:rPr>
-              <a:t> </a:t>
-            </a:r>
-            <a:r>
-              <a:rPr lang="ko-KR" altLang="en-US" dirty="0">
-                <a:latin typeface="나눔바른고딕" panose="020B0603020101020101" pitchFamily="50" charset="-127"/>
-                <a:ea typeface="나눔바른고딕" panose="020B0603020101020101" pitchFamily="50" charset="-127"/>
-              </a:rPr>
-              <a:t>구현하였습니다</a:t>
-            </a:r>
-            <a:r>
-              <a:rPr lang="en-US" altLang="ko-KR" dirty="0">
-                <a:latin typeface="나눔바른고딕" panose="020B0603020101020101" pitchFamily="50" charset="-127"/>
-                <a:ea typeface="나눔바른고딕" panose="020B0603020101020101" pitchFamily="50" charset="-127"/>
-              </a:rPr>
-              <a:t>.</a:t>
-            </a:r>
-          </a:p>
-          <a:p>
-            <a:endParaRPr lang="en-US" altLang="ko-KR" sz="900" dirty="0">
-              <a:latin typeface="나눔바른고딕" panose="020B0603020101020101" pitchFamily="50" charset="-127"/>
-              <a:ea typeface="나눔바른고딕" panose="020B0603020101020101" pitchFamily="50" charset="-127"/>
-            </a:endParaRPr>
-          </a:p>
-          <a:p>
-            <a:r>
-              <a:rPr lang="ko-KR" altLang="en-US" dirty="0">
-                <a:latin typeface="나눔바른고딕" panose="020B0603020101020101" pitchFamily="50" charset="-127"/>
-                <a:ea typeface="나눔바른고딕" panose="020B0603020101020101" pitchFamily="50" charset="-127"/>
-              </a:rPr>
-              <a:t>수행가능한 비즈니스</a:t>
-            </a:r>
-            <a:endParaRPr lang="en-US" altLang="ko-KR" dirty="0">
-              <a:latin typeface="나눔바른고딕" panose="020B0603020101020101" pitchFamily="50" charset="-127"/>
-              <a:ea typeface="나눔바른고딕" panose="020B0603020101020101" pitchFamily="50" charset="-127"/>
-            </a:endParaRPr>
-          </a:p>
-          <a:p>
-            <a:pPr lvl="1">
-              <a:buFont typeface="Wingdings" panose="05000000000000000000" pitchFamily="2" charset="2"/>
-              <a:buChar char="§"/>
-            </a:pPr>
-            <a:r>
-              <a:rPr lang="ko-KR" altLang="en-US" dirty="0">
-                <a:latin typeface="나눔바른고딕" panose="020B0603020101020101" pitchFamily="50" charset="-127"/>
-                <a:ea typeface="나눔바른고딕" panose="020B0603020101020101" pitchFamily="50" charset="-127"/>
-              </a:rPr>
-              <a:t>계좌</a:t>
-            </a:r>
-            <a:r>
-              <a:rPr lang="en-US" altLang="ko-KR" dirty="0">
-                <a:latin typeface="나눔바른고딕" panose="020B0603020101020101" pitchFamily="50" charset="-127"/>
-                <a:ea typeface="나눔바른고딕" panose="020B0603020101020101" pitchFamily="50" charset="-127"/>
-              </a:rPr>
-              <a:t>: </a:t>
-            </a:r>
-            <a:r>
-              <a:rPr lang="ko-KR" altLang="en-US" dirty="0">
-                <a:latin typeface="나눔바른고딕" panose="020B0603020101020101" pitchFamily="50" charset="-127"/>
-                <a:ea typeface="나눔바른고딕" panose="020B0603020101020101" pitchFamily="50" charset="-127"/>
-              </a:rPr>
-              <a:t>조회</a:t>
-            </a:r>
-            <a:r>
-              <a:rPr lang="en-US" altLang="ko-KR" dirty="0">
-                <a:latin typeface="나눔바른고딕" panose="020B0603020101020101" pitchFamily="50" charset="-127"/>
-                <a:ea typeface="나눔바른고딕" panose="020B0603020101020101" pitchFamily="50" charset="-127"/>
-              </a:rPr>
-              <a:t>/</a:t>
-            </a:r>
-            <a:r>
-              <a:rPr lang="ko-KR" altLang="en-US" dirty="0">
-                <a:latin typeface="나눔바른고딕" panose="020B0603020101020101" pitchFamily="50" charset="-127"/>
-                <a:ea typeface="나눔바른고딕" panose="020B0603020101020101" pitchFamily="50" charset="-127"/>
-              </a:rPr>
-              <a:t>등록</a:t>
-            </a:r>
-            <a:r>
-              <a:rPr lang="en-US" altLang="ko-KR" dirty="0">
-                <a:latin typeface="나눔바른고딕" panose="020B0603020101020101" pitchFamily="50" charset="-127"/>
-                <a:ea typeface="나눔바른고딕" panose="020B0603020101020101" pitchFamily="50" charset="-127"/>
-              </a:rPr>
-              <a:t>/</a:t>
-            </a:r>
-            <a:r>
-              <a:rPr lang="ko-KR" altLang="en-US" dirty="0">
-                <a:latin typeface="나눔바른고딕" panose="020B0603020101020101" pitchFamily="50" charset="-127"/>
-                <a:ea typeface="나눔바른고딕" panose="020B0603020101020101" pitchFamily="50" charset="-127"/>
-              </a:rPr>
-              <a:t>생성</a:t>
-            </a:r>
-            <a:r>
-              <a:rPr lang="en-US" altLang="ko-KR" dirty="0">
-                <a:latin typeface="나눔바른고딕" panose="020B0603020101020101" pitchFamily="50" charset="-127"/>
-                <a:ea typeface="나눔바른고딕" panose="020B0603020101020101" pitchFamily="50" charset="-127"/>
-              </a:rPr>
-              <a:t>/</a:t>
-            </a:r>
-            <a:r>
-              <a:rPr lang="ko-KR" altLang="en-US" dirty="0">
-                <a:latin typeface="나눔바른고딕" panose="020B0603020101020101" pitchFamily="50" charset="-127"/>
-                <a:ea typeface="나눔바른고딕" panose="020B0603020101020101" pitchFamily="50" charset="-127"/>
-              </a:rPr>
-              <a:t>수정</a:t>
-            </a:r>
-            <a:r>
-              <a:rPr lang="en-US" altLang="ko-KR" dirty="0">
-                <a:latin typeface="나눔바른고딕" panose="020B0603020101020101" pitchFamily="50" charset="-127"/>
-                <a:ea typeface="나눔바른고딕" panose="020B0603020101020101" pitchFamily="50" charset="-127"/>
-              </a:rPr>
-              <a:t>/</a:t>
-            </a:r>
-            <a:r>
-              <a:rPr lang="ko-KR" altLang="en-US" dirty="0">
-                <a:latin typeface="나눔바른고딕" panose="020B0603020101020101" pitchFamily="50" charset="-127"/>
-                <a:ea typeface="나눔바른고딕" panose="020B0603020101020101" pitchFamily="50" charset="-127"/>
-              </a:rPr>
-              <a:t>삭제</a:t>
-            </a:r>
-            <a:endParaRPr lang="en-US" altLang="ko-KR" dirty="0">
-              <a:latin typeface="나눔바른고딕" panose="020B0603020101020101" pitchFamily="50" charset="-127"/>
-              <a:ea typeface="나눔바른고딕" panose="020B0603020101020101" pitchFamily="50" charset="-127"/>
-            </a:endParaRPr>
-          </a:p>
-          <a:p>
-            <a:pPr lvl="1">
-              <a:buFont typeface="Wingdings" panose="05000000000000000000" pitchFamily="2" charset="2"/>
-              <a:buChar char="§"/>
-            </a:pPr>
-            <a:r>
-              <a:rPr lang="ko-KR" altLang="en-US" dirty="0">
-                <a:latin typeface="나눔바른고딕" panose="020B0603020101020101" pitchFamily="50" charset="-127"/>
-                <a:ea typeface="나눔바른고딕" panose="020B0603020101020101" pitchFamily="50" charset="-127"/>
-              </a:rPr>
-              <a:t>예금</a:t>
-            </a:r>
-            <a:r>
-              <a:rPr lang="en-US" altLang="ko-KR" dirty="0">
-                <a:latin typeface="나눔바른고딕" panose="020B0603020101020101" pitchFamily="50" charset="-127"/>
-                <a:ea typeface="나눔바른고딕" panose="020B0603020101020101" pitchFamily="50" charset="-127"/>
-              </a:rPr>
-              <a:t>: </a:t>
-            </a:r>
-            <a:r>
-              <a:rPr lang="ko-KR" altLang="en-US" dirty="0">
-                <a:latin typeface="나눔바른고딕" panose="020B0603020101020101" pitchFamily="50" charset="-127"/>
-                <a:ea typeface="나눔바른고딕" panose="020B0603020101020101" pitchFamily="50" charset="-127"/>
-              </a:rPr>
-              <a:t>출금</a:t>
-            </a:r>
-            <a:r>
-              <a:rPr lang="en-US" altLang="ko-KR" dirty="0">
-                <a:latin typeface="나눔바른고딕" panose="020B0603020101020101" pitchFamily="50" charset="-127"/>
-                <a:ea typeface="나눔바른고딕" panose="020B0603020101020101" pitchFamily="50" charset="-127"/>
-              </a:rPr>
-              <a:t>/</a:t>
-            </a:r>
-            <a:r>
-              <a:rPr lang="ko-KR" altLang="en-US" dirty="0">
-                <a:latin typeface="나눔바른고딕" panose="020B0603020101020101" pitchFamily="50" charset="-127"/>
-                <a:ea typeface="나눔바른고딕" panose="020B0603020101020101" pitchFamily="50" charset="-127"/>
-              </a:rPr>
-              <a:t>입금</a:t>
-            </a:r>
-            <a:r>
-              <a:rPr lang="en-US" altLang="ko-KR" dirty="0">
-                <a:latin typeface="나눔바른고딕" panose="020B0603020101020101" pitchFamily="50" charset="-127"/>
-                <a:ea typeface="나눔바른고딕" panose="020B0603020101020101" pitchFamily="50" charset="-127"/>
-              </a:rPr>
-              <a:t>/</a:t>
-            </a:r>
-            <a:r>
-              <a:rPr lang="ko-KR" altLang="en-US" dirty="0">
-                <a:latin typeface="나눔바른고딕" panose="020B0603020101020101" pitchFamily="50" charset="-127"/>
-                <a:ea typeface="나눔바른고딕" panose="020B0603020101020101" pitchFamily="50" charset="-127"/>
-              </a:rPr>
-              <a:t>이체</a:t>
-            </a:r>
-            <a:endParaRPr lang="en-US" altLang="ko-KR" dirty="0">
-              <a:latin typeface="나눔바른고딕" panose="020B0603020101020101" pitchFamily="50" charset="-127"/>
-              <a:ea typeface="나눔바른고딕" panose="020B0603020101020101" pitchFamily="50" charset="-127"/>
-            </a:endParaRPr>
-          </a:p>
-          <a:p>
-            <a:pPr lvl="1">
-              <a:buFont typeface="Wingdings" panose="05000000000000000000" pitchFamily="2" charset="2"/>
-              <a:buChar char="§"/>
-            </a:pPr>
-            <a:r>
-              <a:rPr lang="ko-KR" altLang="en-US" dirty="0">
-                <a:latin typeface="나눔바른고딕" panose="020B0603020101020101" pitchFamily="50" charset="-127"/>
-                <a:ea typeface="나눔바른고딕" panose="020B0603020101020101" pitchFamily="50" charset="-127"/>
-              </a:rPr>
-              <a:t>기타</a:t>
-            </a:r>
-            <a:r>
-              <a:rPr lang="en-US" altLang="ko-KR" dirty="0">
-                <a:latin typeface="나눔바른고딕" panose="020B0603020101020101" pitchFamily="50" charset="-127"/>
-                <a:ea typeface="나눔바른고딕" panose="020B0603020101020101" pitchFamily="50" charset="-127"/>
-              </a:rPr>
-              <a:t>:</a:t>
-            </a:r>
-            <a:r>
-              <a:rPr lang="ko-KR" altLang="en-US" dirty="0">
-                <a:latin typeface="나눔바른고딕" panose="020B0603020101020101" pitchFamily="50" charset="-127"/>
-                <a:ea typeface="나눔바른고딕" panose="020B0603020101020101" pitchFamily="50" charset="-127"/>
-              </a:rPr>
-              <a:t> </a:t>
-            </a:r>
-            <a:r>
-              <a:rPr lang="en-US" altLang="ko-KR" dirty="0" err="1">
-                <a:latin typeface="나눔바른고딕" panose="020B0603020101020101" pitchFamily="50" charset="-127"/>
-                <a:ea typeface="나눔바른고딕" panose="020B0603020101020101" pitchFamily="50" charset="-127"/>
-              </a:rPr>
-              <a:t>QnA</a:t>
-            </a:r>
-            <a:r>
-              <a:rPr lang="en-US" altLang="ko-KR" dirty="0">
-                <a:latin typeface="나눔바른고딕" panose="020B0603020101020101" pitchFamily="50" charset="-127"/>
-                <a:ea typeface="나눔바른고딕" panose="020B0603020101020101" pitchFamily="50" charset="-127"/>
-              </a:rPr>
-              <a:t> </a:t>
-            </a:r>
-            <a:r>
-              <a:rPr lang="ko-KR" altLang="en-US" dirty="0">
-                <a:latin typeface="나눔바른고딕" panose="020B0603020101020101" pitchFamily="50" charset="-127"/>
-                <a:ea typeface="나눔바른고딕" panose="020B0603020101020101" pitchFamily="50" charset="-127"/>
-              </a:rPr>
-              <a:t>게시판 조회</a:t>
-            </a:r>
-            <a:r>
-              <a:rPr lang="en-US" altLang="ko-KR" dirty="0">
-                <a:latin typeface="나눔바른고딕" panose="020B0603020101020101" pitchFamily="50" charset="-127"/>
-                <a:ea typeface="나눔바른고딕" panose="020B0603020101020101" pitchFamily="50" charset="-127"/>
-              </a:rPr>
-              <a:t>/</a:t>
-            </a:r>
-            <a:r>
-              <a:rPr lang="ko-KR" altLang="en-US" dirty="0">
-                <a:latin typeface="나눔바른고딕" panose="020B0603020101020101" pitchFamily="50" charset="-127"/>
-                <a:ea typeface="나눔바른고딕" panose="020B0603020101020101" pitchFamily="50" charset="-127"/>
-              </a:rPr>
-              <a:t>수정</a:t>
-            </a:r>
-            <a:r>
-              <a:rPr lang="en-US" altLang="ko-KR" dirty="0">
-                <a:latin typeface="나눔바른고딕" panose="020B0603020101020101" pitchFamily="50" charset="-127"/>
-                <a:ea typeface="나눔바른고딕" panose="020B0603020101020101" pitchFamily="50" charset="-127"/>
-              </a:rPr>
-              <a:t>/</a:t>
-            </a:r>
-            <a:r>
-              <a:rPr lang="ko-KR" altLang="en-US" dirty="0">
-                <a:latin typeface="나눔바른고딕" panose="020B0603020101020101" pitchFamily="50" charset="-127"/>
-                <a:ea typeface="나눔바른고딕" panose="020B0603020101020101" pitchFamily="50" charset="-127"/>
-              </a:rPr>
-              <a:t>삭제</a:t>
-            </a:r>
-            <a:r>
-              <a:rPr lang="en-US" altLang="ko-KR" dirty="0">
-                <a:latin typeface="나눔바른고딕" panose="020B0603020101020101" pitchFamily="50" charset="-127"/>
-                <a:ea typeface="나눔바른고딕" panose="020B0603020101020101" pitchFamily="50" charset="-127"/>
-              </a:rPr>
-              <a:t>, </a:t>
-            </a:r>
-            <a:r>
-              <a:rPr lang="ko-KR" altLang="en-US" dirty="0">
-                <a:latin typeface="나눔바른고딕" panose="020B0603020101020101" pitchFamily="50" charset="-127"/>
-                <a:ea typeface="나눔바른고딕" panose="020B0603020101020101" pitchFamily="50" charset="-127"/>
-              </a:rPr>
-              <a:t>회원정보 조회</a:t>
-            </a:r>
-            <a:r>
-              <a:rPr lang="en-US" altLang="ko-KR" dirty="0">
-                <a:latin typeface="나눔바른고딕" panose="020B0603020101020101" pitchFamily="50" charset="-127"/>
-                <a:ea typeface="나눔바른고딕" panose="020B0603020101020101" pitchFamily="50" charset="-127"/>
-              </a:rPr>
-              <a:t>/</a:t>
-            </a:r>
-            <a:r>
-              <a:rPr lang="ko-KR" altLang="en-US" dirty="0">
-                <a:latin typeface="나눔바른고딕" panose="020B0603020101020101" pitchFamily="50" charset="-127"/>
-                <a:ea typeface="나눔바른고딕" panose="020B0603020101020101" pitchFamily="50" charset="-127"/>
-              </a:rPr>
-              <a:t>수정</a:t>
-            </a:r>
-            <a:r>
-              <a:rPr lang="en-US" altLang="ko-KR" dirty="0">
-                <a:latin typeface="나눔바른고딕" panose="020B0603020101020101" pitchFamily="50" charset="-127"/>
-                <a:ea typeface="나눔바른고딕" panose="020B0603020101020101" pitchFamily="50" charset="-127"/>
-              </a:rPr>
-              <a:t>/</a:t>
-            </a:r>
-            <a:r>
-              <a:rPr lang="ko-KR" altLang="en-US" dirty="0">
-                <a:latin typeface="나눔바른고딕" panose="020B0603020101020101" pitchFamily="50" charset="-127"/>
-                <a:ea typeface="나눔바른고딕" panose="020B0603020101020101" pitchFamily="50" charset="-127"/>
-              </a:rPr>
-              <a:t>삭제</a:t>
-            </a:r>
-            <a:r>
-              <a:rPr lang="en-US" altLang="ko-KR" dirty="0">
-                <a:latin typeface="나눔바른고딕" panose="020B0603020101020101" pitchFamily="50" charset="-127"/>
-                <a:ea typeface="나눔바른고딕" panose="020B0603020101020101" pitchFamily="50" charset="-127"/>
-              </a:rPr>
-              <a:t>, </a:t>
-            </a:r>
-            <a:r>
-              <a:rPr lang="ko-KR" altLang="en-US" dirty="0">
-                <a:latin typeface="나눔바른고딕" panose="020B0603020101020101" pitchFamily="50" charset="-127"/>
-                <a:ea typeface="나눔바른고딕" panose="020B0603020101020101" pitchFamily="50" charset="-127"/>
-              </a:rPr>
-              <a:t>회사정보 조회</a:t>
-            </a:r>
-          </a:p>
-        </p:txBody>
-      </p:sp>
-      <p:sp>
-        <p:nvSpPr>
-          <p:cNvPr id="5" name="슬라이드 번호 개체 틀 5">
-            <a:extLst>
-              <a:ext uri="{FF2B5EF4-FFF2-40B4-BE49-F238E27FC236}">
-                <a16:creationId xmlns:a16="http://schemas.microsoft.com/office/drawing/2014/main" id="{6535862B-292D-4E6C-A453-5C1A22DDEB12}"/>
-              </a:ext>
-            </a:extLst>
-          </p:cNvPr>
-          <p:cNvSpPr>
-            <a:spLocks noGrp="1"/>
-          </p:cNvSpPr>
-          <p:nvPr>
-            <p:ph type="sldNum" sz="quarter" idx="12"/>
-          </p:nvPr>
-        </p:nvSpPr>
-        <p:spPr>
-          <a:xfrm>
-            <a:off x="4724400" y="6060450"/>
-            <a:ext cx="2743200" cy="365125"/>
-          </a:xfrm>
-        </p:spPr>
-        <p:txBody>
-          <a:bodyPr/>
-          <a:lstStyle/>
-          <a:p>
-            <a:pPr algn="ctr"/>
-            <a:fld id="{5EB2F036-81AB-4A80-8019-B671CB9C4132}" type="slidenum">
-              <a:rPr lang="ko-KR" altLang="en-US" smtClean="0"/>
-              <a:pPr algn="ctr"/>
-              <a:t>3</a:t>
-            </a:fld>
-            <a:endParaRPr lang="ko-KR" altLang="en-US" dirty="0"/>
-          </a:p>
-        </p:txBody>
-      </p:sp>
-    </p:spTree>
-    <p:extLst>
-      <p:ext uri="{BB962C8B-B14F-4D97-AF65-F5344CB8AC3E}">
-        <p14:creationId xmlns:p14="http://schemas.microsoft.com/office/powerpoint/2010/main" val="3078010724"/>
-      </p:ext>
-    </p:extLst>
-  </p:cSld>
-  <p:clrMapOvr>
-    <a:masterClrMapping/>
-  </p:clrMapOvr>
-</p:sld>
-</file>
-
-<file path=ppt/slides/slide4.xml><?xml version="1.0" encoding="utf-8"?>
-<p:sld xmlns:a="http://schemas.openxmlformats.org/drawingml/2006/main" xmlns:r="http://schemas.openxmlformats.org/officeDocument/2006/relationships" xmlns:p="http://schemas.openxmlformats.org/presentationml/2006/main">
-  <p:cSld>
-    <p:spTree>
-      <p:nvGrpSpPr>
-        <p:cNvPr id="1" name=""/>
-        <p:cNvGrpSpPr/>
-        <p:nvPr/>
-      </p:nvGrpSpPr>
-      <p:grpSpPr>
-        <a:xfrm>
-          <a:off x="0" y="0"/>
-          <a:ext cx="0" cy="0"/>
-          <a:chOff x="0" y="0"/>
-          <a:chExt cx="0" cy="0"/>
-        </a:xfrm>
-      </p:grpSpPr>
-      <p:sp>
-        <p:nvSpPr>
-          <p:cNvPr id="3" name="내용 개체 틀 2">
-            <a:extLst>
-              <a:ext uri="{FF2B5EF4-FFF2-40B4-BE49-F238E27FC236}">
-                <a16:creationId xmlns:a16="http://schemas.microsoft.com/office/drawing/2014/main" id="{9CFB3BEC-B8AD-4F95-B444-803331519D31}"/>
-              </a:ext>
-            </a:extLst>
-          </p:cNvPr>
-          <p:cNvSpPr>
-            <a:spLocks noGrp="1"/>
-          </p:cNvSpPr>
-          <p:nvPr>
-            <p:ph idx="1"/>
-          </p:nvPr>
-        </p:nvSpPr>
-        <p:spPr/>
-        <p:txBody>
-          <a:bodyPr/>
-          <a:lstStyle/>
-          <a:p>
-            <a:r>
-              <a:rPr lang="en-US" altLang="ko-KR" dirty="0"/>
-              <a:t>OS: Windows 10</a:t>
-            </a:r>
-          </a:p>
-          <a:p>
-            <a:r>
-              <a:rPr lang="en-US" altLang="ko-KR" dirty="0"/>
-              <a:t>Language: Java, HTML/CSS/JavaScript, SQL</a:t>
-            </a:r>
-          </a:p>
-          <a:p>
-            <a:r>
-              <a:rPr lang="en-US" altLang="ko-KR" dirty="0"/>
-              <a:t>DBMS: Oracle12</a:t>
-            </a:r>
-          </a:p>
-          <a:p>
-            <a:r>
-              <a:rPr lang="en-US" altLang="ko-KR" dirty="0"/>
-              <a:t>Server: Tomcat9</a:t>
-            </a:r>
-          </a:p>
-          <a:p>
-            <a:endParaRPr lang="en-US" altLang="ko-KR" dirty="0"/>
-          </a:p>
-          <a:p>
-            <a:endParaRPr lang="en-US" altLang="ko-KR" dirty="0"/>
-          </a:p>
-          <a:p>
-            <a:endParaRPr lang="ko-KR" altLang="en-US" dirty="0"/>
-          </a:p>
-        </p:txBody>
-      </p:sp>
-      <p:sp>
-        <p:nvSpPr>
-          <p:cNvPr id="4" name="제목 1">
-            <a:extLst>
-              <a:ext uri="{FF2B5EF4-FFF2-40B4-BE49-F238E27FC236}">
-                <a16:creationId xmlns:a16="http://schemas.microsoft.com/office/drawing/2014/main" id="{DD0AA953-D300-4970-8B9F-198BC4B2C74C}"/>
-              </a:ext>
-            </a:extLst>
-          </p:cNvPr>
-          <p:cNvSpPr txBox="1">
-            <a:spLocks/>
-          </p:cNvSpPr>
-          <p:nvPr/>
-        </p:nvSpPr>
-        <p:spPr>
-          <a:xfrm>
-            <a:off x="334618" y="139838"/>
-            <a:ext cx="10515600" cy="1325563"/>
-          </a:xfrm>
-          <a:prstGeom prst="rect">
-            <a:avLst/>
-          </a:prstGeom>
-        </p:spPr>
-        <p:txBody>
-          <a:bodyPr vert="horz" lIns="91440" tIns="45720" rIns="91440" bIns="45720" rtlCol="0" anchor="ctr">
-            <a:normAutofit/>
-          </a:bodyPr>
-          <a:lstStyle>
-            <a:lvl1pPr algn="l" defTabSz="914400" rtl="0" eaLnBrk="1" latinLnBrk="1" hangingPunct="1">
-              <a:lnSpc>
-                <a:spcPct val="90000"/>
-              </a:lnSpc>
-              <a:spcBef>
-                <a:spcPct val="0"/>
-              </a:spcBef>
-              <a:buNone/>
-              <a:defRPr sz="4400" kern="1200">
-                <a:solidFill>
-                  <a:schemeClr val="tx1"/>
-                </a:solidFill>
-                <a:latin typeface="+mj-lt"/>
-                <a:ea typeface="+mj-ea"/>
-                <a:cs typeface="+mj-cs"/>
-              </a:defRPr>
-            </a:lvl1pPr>
-          </a:lstStyle>
-          <a:p>
-            <a:r>
-              <a:rPr lang="en-US" altLang="ko-KR" dirty="0"/>
-              <a:t>2. </a:t>
-            </a:r>
-            <a:r>
-              <a:rPr lang="ko-KR" altLang="en-US" dirty="0"/>
-              <a:t>개발 환경</a:t>
-            </a:r>
-          </a:p>
-        </p:txBody>
-      </p:sp>
-      <p:sp>
-        <p:nvSpPr>
-          <p:cNvPr id="5" name="슬라이드 번호 개체 틀 5">
-            <a:extLst>
-              <a:ext uri="{FF2B5EF4-FFF2-40B4-BE49-F238E27FC236}">
-                <a16:creationId xmlns:a16="http://schemas.microsoft.com/office/drawing/2014/main" id="{7126BD21-B0F2-4A0C-ABC8-509F9D25BC01}"/>
-              </a:ext>
-            </a:extLst>
-          </p:cNvPr>
-          <p:cNvSpPr>
-            <a:spLocks noGrp="1"/>
-          </p:cNvSpPr>
-          <p:nvPr>
-            <p:ph type="sldNum" sz="quarter" idx="12"/>
-          </p:nvPr>
-        </p:nvSpPr>
-        <p:spPr>
-          <a:xfrm>
-            <a:off x="4724400" y="6060450"/>
-            <a:ext cx="2743200" cy="365125"/>
-          </a:xfrm>
-        </p:spPr>
-        <p:txBody>
-          <a:bodyPr/>
-          <a:lstStyle/>
-          <a:p>
-            <a:pPr algn="ctr"/>
-            <a:fld id="{5EB2F036-81AB-4A80-8019-B671CB9C4132}" type="slidenum">
-              <a:rPr lang="ko-KR" altLang="en-US" smtClean="0"/>
-              <a:pPr algn="ctr"/>
-              <a:t>4</a:t>
-            </a:fld>
-            <a:endParaRPr lang="ko-KR" altLang="en-US" dirty="0"/>
-          </a:p>
-        </p:txBody>
-      </p:sp>
-    </p:spTree>
-    <p:extLst>
-      <p:ext uri="{BB962C8B-B14F-4D97-AF65-F5344CB8AC3E}">
-        <p14:creationId xmlns:p14="http://schemas.microsoft.com/office/powerpoint/2010/main" val="4814066"/>
-      </p:ext>
-    </p:extLst>
-  </p:cSld>
-  <p:clrMapOvr>
-    <a:masterClrMapping/>
-  </p:clrMapOvr>
-</p:sld>
-</file>
-
-<file path=ppt/slides/slide5.xml><?xml version="1.0" encoding="utf-8"?>
-<p:sld xmlns:a="http://schemas.openxmlformats.org/drawingml/2006/main" xmlns:r="http://schemas.openxmlformats.org/officeDocument/2006/relationships" xmlns:p="http://schemas.openxmlformats.org/presentationml/2006/main">
-  <p:cSld>
-    <p:spTree>
-      <p:nvGrpSpPr>
-        <p:cNvPr id="1" name=""/>
-        <p:cNvGrpSpPr/>
-        <p:nvPr/>
-      </p:nvGrpSpPr>
-      <p:grpSpPr>
-        <a:xfrm>
-          <a:off x="0" y="0"/>
-          <a:ext cx="0" cy="0"/>
-          <a:chOff x="0" y="0"/>
-          <a:chExt cx="0" cy="0"/>
-        </a:xfrm>
-      </p:grpSpPr>
-      <p:sp>
-        <p:nvSpPr>
-          <p:cNvPr id="3" name="내용 개체 틀 2">
-            <a:extLst>
-              <a:ext uri="{FF2B5EF4-FFF2-40B4-BE49-F238E27FC236}">
-                <a16:creationId xmlns:a16="http://schemas.microsoft.com/office/drawing/2014/main" id="{3A22BD1D-3386-4289-9B1F-C6CB4B3BB01D}"/>
-              </a:ext>
-            </a:extLst>
-          </p:cNvPr>
-          <p:cNvSpPr>
-            <a:spLocks noGrp="1"/>
-          </p:cNvSpPr>
-          <p:nvPr>
-            <p:ph idx="1"/>
-          </p:nvPr>
-        </p:nvSpPr>
-        <p:spPr>
-          <a:xfrm>
-            <a:off x="737152" y="1197059"/>
-            <a:ext cx="11120230" cy="4351338"/>
-          </a:xfrm>
-        </p:spPr>
-        <p:txBody>
-          <a:bodyPr>
-            <a:noAutofit/>
-          </a:bodyPr>
-          <a:lstStyle/>
-          <a:p>
-            <a:pPr marL="0" indent="0">
-              <a:buNone/>
-            </a:pPr>
-            <a:r>
-              <a:rPr lang="en-US" altLang="ko-KR" sz="1600" dirty="0">
-                <a:latin typeface="나눔바른고딕" panose="020B0603020101020101" pitchFamily="50" charset="-127"/>
-                <a:ea typeface="나눔바른고딕" panose="020B0603020101020101" pitchFamily="50" charset="-127"/>
-              </a:rPr>
-              <a:t>1. </a:t>
-            </a:r>
-            <a:r>
-              <a:rPr lang="ko-KR" altLang="ko-KR" sz="1600" dirty="0">
-                <a:latin typeface="나눔바른고딕" panose="020B0603020101020101" pitchFamily="50" charset="-127"/>
-                <a:ea typeface="나눔바른고딕" panose="020B0603020101020101" pitchFamily="50" charset="-127"/>
-              </a:rPr>
-              <a:t>사용자는 로그인 후 통합계좌 관리시스템의 서비스를 사용할 수 있다</a:t>
-            </a:r>
-            <a:r>
-              <a:rPr lang="en-US" altLang="ko-KR" sz="1600" dirty="0">
-                <a:latin typeface="나눔바른고딕" panose="020B0603020101020101" pitchFamily="50" charset="-127"/>
-                <a:ea typeface="나눔바른고딕" panose="020B0603020101020101" pitchFamily="50" charset="-127"/>
-              </a:rPr>
-              <a:t>. </a:t>
-            </a:r>
-            <a:endParaRPr lang="ko-KR" altLang="ko-KR" sz="1600" dirty="0">
-              <a:latin typeface="나눔바른고딕" panose="020B0603020101020101" pitchFamily="50" charset="-127"/>
-              <a:ea typeface="나눔바른고딕" panose="020B0603020101020101" pitchFamily="50" charset="-127"/>
-            </a:endParaRPr>
-          </a:p>
-          <a:p>
-            <a:pPr marL="0" indent="0">
-              <a:buNone/>
-            </a:pPr>
-            <a:r>
-              <a:rPr lang="en-US" altLang="ko-KR" sz="1600" dirty="0">
-                <a:latin typeface="나눔바른고딕" panose="020B0603020101020101" pitchFamily="50" charset="-127"/>
-                <a:ea typeface="나눔바른고딕" panose="020B0603020101020101" pitchFamily="50" charset="-127"/>
-              </a:rPr>
-              <a:t>2. </a:t>
-            </a:r>
-            <a:r>
-              <a:rPr lang="ko-KR" altLang="ko-KR" sz="1600" dirty="0">
-                <a:latin typeface="나눔바른고딕" panose="020B0603020101020101" pitchFamily="50" charset="-127"/>
-                <a:ea typeface="나눔바른고딕" panose="020B0603020101020101" pitchFamily="50" charset="-127"/>
-              </a:rPr>
-              <a:t>계좌 정보는 </a:t>
-            </a:r>
-            <a:r>
-              <a:rPr lang="ko-KR" altLang="ko-KR" sz="1600" dirty="0" err="1">
-                <a:latin typeface="나눔바른고딕" panose="020B0603020101020101" pitchFamily="50" charset="-127"/>
-                <a:ea typeface="나눔바른고딕" panose="020B0603020101020101" pitchFamily="50" charset="-127"/>
-              </a:rPr>
-              <a:t>은행명</a:t>
-            </a:r>
-            <a:r>
-              <a:rPr lang="en-US" altLang="ko-KR" sz="1600" dirty="0">
-                <a:latin typeface="나눔바른고딕" panose="020B0603020101020101" pitchFamily="50" charset="-127"/>
-                <a:ea typeface="나눔바른고딕" panose="020B0603020101020101" pitchFamily="50" charset="-127"/>
-              </a:rPr>
-              <a:t>, </a:t>
-            </a:r>
-            <a:r>
-              <a:rPr lang="ko-KR" altLang="ko-KR" sz="1600" dirty="0">
-                <a:latin typeface="나눔바른고딕" panose="020B0603020101020101" pitchFamily="50" charset="-127"/>
-                <a:ea typeface="나눔바른고딕" panose="020B0603020101020101" pitchFamily="50" charset="-127"/>
-              </a:rPr>
-              <a:t>계좌번호</a:t>
-            </a:r>
-            <a:r>
-              <a:rPr lang="en-US" altLang="ko-KR" sz="1600" dirty="0">
-                <a:latin typeface="나눔바른고딕" panose="020B0603020101020101" pitchFamily="50" charset="-127"/>
-                <a:ea typeface="나눔바른고딕" panose="020B0603020101020101" pitchFamily="50" charset="-127"/>
-              </a:rPr>
-              <a:t>, </a:t>
-            </a:r>
-            <a:r>
-              <a:rPr lang="ko-KR" altLang="ko-KR" sz="1600" dirty="0" err="1">
-                <a:latin typeface="나눔바른고딕" panose="020B0603020101020101" pitchFamily="50" charset="-127"/>
-                <a:ea typeface="나눔바른고딕" panose="020B0603020101020101" pitchFamily="50" charset="-127"/>
-              </a:rPr>
-              <a:t>계좌주명</a:t>
-            </a:r>
-            <a:r>
-              <a:rPr lang="en-US" altLang="ko-KR" sz="1600" dirty="0">
-                <a:latin typeface="나눔바른고딕" panose="020B0603020101020101" pitchFamily="50" charset="-127"/>
-                <a:ea typeface="나눔바른고딕" panose="020B0603020101020101" pitchFamily="50" charset="-127"/>
-              </a:rPr>
-              <a:t>, </a:t>
-            </a:r>
-            <a:r>
-              <a:rPr lang="ko-KR" altLang="ko-KR" sz="1600" dirty="0">
-                <a:latin typeface="나눔바른고딕" panose="020B0603020101020101" pitchFamily="50" charset="-127"/>
-                <a:ea typeface="나눔바른고딕" panose="020B0603020101020101" pitchFamily="50" charset="-127"/>
-              </a:rPr>
-              <a:t>잔액</a:t>
-            </a:r>
-            <a:r>
-              <a:rPr lang="en-US" altLang="ko-KR" sz="1600" dirty="0">
-                <a:latin typeface="나눔바른고딕" panose="020B0603020101020101" pitchFamily="50" charset="-127"/>
-                <a:ea typeface="나눔바른고딕" panose="020B0603020101020101" pitchFamily="50" charset="-127"/>
-              </a:rPr>
-              <a:t>, </a:t>
-            </a:r>
-            <a:r>
-              <a:rPr lang="ko-KR" altLang="ko-KR" sz="1600" dirty="0">
-                <a:latin typeface="나눔바른고딕" panose="020B0603020101020101" pitchFamily="50" charset="-127"/>
-                <a:ea typeface="나눔바른고딕" panose="020B0603020101020101" pitchFamily="50" charset="-127"/>
-              </a:rPr>
-              <a:t>별칭으로 구성된다</a:t>
-            </a:r>
-            <a:r>
-              <a:rPr lang="en-US" altLang="ko-KR" sz="1600" dirty="0">
-                <a:latin typeface="나눔바른고딕" panose="020B0603020101020101" pitchFamily="50" charset="-127"/>
-                <a:ea typeface="나눔바른고딕" panose="020B0603020101020101" pitchFamily="50" charset="-127"/>
-              </a:rPr>
-              <a:t>. </a:t>
-            </a:r>
-            <a:endParaRPr lang="ko-KR" altLang="ko-KR" sz="1600" dirty="0">
-              <a:latin typeface="나눔바른고딕" panose="020B0603020101020101" pitchFamily="50" charset="-127"/>
-              <a:ea typeface="나눔바른고딕" panose="020B0603020101020101" pitchFamily="50" charset="-127"/>
-            </a:endParaRPr>
-          </a:p>
-          <a:p>
-            <a:pPr marL="0" indent="0">
-              <a:buNone/>
-            </a:pPr>
-            <a:r>
-              <a:rPr lang="en-US" altLang="ko-KR" sz="1600" dirty="0">
-                <a:latin typeface="나눔바른고딕" panose="020B0603020101020101" pitchFamily="50" charset="-127"/>
-                <a:ea typeface="나눔바른고딕" panose="020B0603020101020101" pitchFamily="50" charset="-127"/>
-              </a:rPr>
-              <a:t>3. </a:t>
-            </a:r>
-            <a:r>
-              <a:rPr lang="ko-KR" altLang="ko-KR" sz="1600" dirty="0">
-                <a:latin typeface="나눔바른고딕" panose="020B0603020101020101" pitchFamily="50" charset="-127"/>
-                <a:ea typeface="나눔바른고딕" panose="020B0603020101020101" pitchFamily="50" charset="-127"/>
-              </a:rPr>
-              <a:t>계좌등록은 통합계좌 관리시스템에서 제공하는 은행에 한해서만 가능하다</a:t>
-            </a:r>
-            <a:r>
-              <a:rPr lang="en-US" altLang="ko-KR" sz="1600" dirty="0">
-                <a:latin typeface="나눔바른고딕" panose="020B0603020101020101" pitchFamily="50" charset="-127"/>
-                <a:ea typeface="나눔바른고딕" panose="020B0603020101020101" pitchFamily="50" charset="-127"/>
-              </a:rPr>
-              <a:t>. (</a:t>
-            </a:r>
-            <a:r>
-              <a:rPr lang="ko-KR" altLang="ko-KR" sz="1600" dirty="0">
-                <a:latin typeface="나눔바른고딕" panose="020B0603020101020101" pitchFamily="50" charset="-127"/>
-                <a:ea typeface="나눔바른고딕" panose="020B0603020101020101" pitchFamily="50" charset="-127"/>
-              </a:rPr>
-              <a:t>하나은행</a:t>
-            </a:r>
-            <a:r>
-              <a:rPr lang="en-US" altLang="ko-KR" sz="1600" dirty="0">
-                <a:latin typeface="나눔바른고딕" panose="020B0603020101020101" pitchFamily="50" charset="-127"/>
-                <a:ea typeface="나눔바른고딕" panose="020B0603020101020101" pitchFamily="50" charset="-127"/>
-              </a:rPr>
-              <a:t>, </a:t>
-            </a:r>
-            <a:r>
-              <a:rPr lang="ko-KR" altLang="ko-KR" sz="1600" dirty="0">
-                <a:latin typeface="나눔바른고딕" panose="020B0603020101020101" pitchFamily="50" charset="-127"/>
-                <a:ea typeface="나눔바른고딕" panose="020B0603020101020101" pitchFamily="50" charset="-127"/>
-              </a:rPr>
-              <a:t>우리은행</a:t>
-            </a:r>
-            <a:r>
-              <a:rPr lang="en-US" altLang="ko-KR" sz="1600" dirty="0">
-                <a:latin typeface="나눔바른고딕" panose="020B0603020101020101" pitchFamily="50" charset="-127"/>
-                <a:ea typeface="나눔바른고딕" panose="020B0603020101020101" pitchFamily="50" charset="-127"/>
-              </a:rPr>
-              <a:t>, </a:t>
-            </a:r>
-            <a:r>
-              <a:rPr lang="ko-KR" altLang="ko-KR" sz="1600" dirty="0">
-                <a:latin typeface="나눔바른고딕" panose="020B0603020101020101" pitchFamily="50" charset="-127"/>
-                <a:ea typeface="나눔바른고딕" panose="020B0603020101020101" pitchFamily="50" charset="-127"/>
-              </a:rPr>
-              <a:t>국민은행</a:t>
-            </a:r>
-            <a:r>
-              <a:rPr lang="en-US" altLang="ko-KR" sz="1600" dirty="0">
-                <a:latin typeface="나눔바른고딕" panose="020B0603020101020101" pitchFamily="50" charset="-127"/>
-                <a:ea typeface="나눔바른고딕" panose="020B0603020101020101" pitchFamily="50" charset="-127"/>
-              </a:rPr>
-              <a:t>, </a:t>
-            </a:r>
-            <a:r>
-              <a:rPr lang="ko-KR" altLang="ko-KR" sz="1600" dirty="0">
-                <a:latin typeface="나눔바른고딕" panose="020B0603020101020101" pitchFamily="50" charset="-127"/>
-                <a:ea typeface="나눔바른고딕" panose="020B0603020101020101" pitchFamily="50" charset="-127"/>
-              </a:rPr>
-              <a:t>신한은행</a:t>
-            </a:r>
-            <a:r>
-              <a:rPr lang="en-US" altLang="ko-KR" sz="1600" dirty="0">
-                <a:latin typeface="나눔바른고딕" panose="020B0603020101020101" pitchFamily="50" charset="-127"/>
-                <a:ea typeface="나눔바른고딕" panose="020B0603020101020101" pitchFamily="50" charset="-127"/>
-              </a:rPr>
-              <a:t>, </a:t>
-            </a:r>
-            <a:r>
-              <a:rPr lang="ko-KR" altLang="ko-KR" sz="1600" dirty="0">
-                <a:latin typeface="나눔바른고딕" panose="020B0603020101020101" pitchFamily="50" charset="-127"/>
-                <a:ea typeface="나눔바른고딕" panose="020B0603020101020101" pitchFamily="50" charset="-127"/>
-              </a:rPr>
-              <a:t>기업은행 중 </a:t>
-            </a:r>
-            <a:r>
-              <a:rPr lang="ko-KR" altLang="ko-KR" sz="1600" dirty="0" err="1">
-                <a:latin typeface="나눔바른고딕" panose="020B0603020101020101" pitchFamily="50" charset="-127"/>
-                <a:ea typeface="나눔바른고딕" panose="020B0603020101020101" pitchFamily="50" charset="-127"/>
-              </a:rPr>
-              <a:t>택</a:t>
-            </a:r>
-            <a:r>
-              <a:rPr lang="en-US" altLang="ko-KR" sz="1600" dirty="0">
-                <a:latin typeface="나눔바른고딕" panose="020B0603020101020101" pitchFamily="50" charset="-127"/>
-                <a:ea typeface="나눔바른고딕" panose="020B0603020101020101" pitchFamily="50" charset="-127"/>
-              </a:rPr>
-              <a:t>1)</a:t>
-            </a:r>
-            <a:endParaRPr lang="ko-KR" altLang="ko-KR" sz="1600" dirty="0">
-              <a:latin typeface="나눔바른고딕" panose="020B0603020101020101" pitchFamily="50" charset="-127"/>
-              <a:ea typeface="나눔바른고딕" panose="020B0603020101020101" pitchFamily="50" charset="-127"/>
-            </a:endParaRPr>
-          </a:p>
-          <a:p>
-            <a:pPr marL="0" indent="0">
-              <a:buNone/>
-            </a:pPr>
-            <a:r>
-              <a:rPr lang="en-US" altLang="ko-KR" sz="1600" dirty="0">
-                <a:latin typeface="나눔바른고딕" panose="020B0603020101020101" pitchFamily="50" charset="-127"/>
-                <a:ea typeface="나눔바른고딕" panose="020B0603020101020101" pitchFamily="50" charset="-127"/>
-              </a:rPr>
-              <a:t>4. </a:t>
-            </a:r>
-            <a:r>
-              <a:rPr lang="ko-KR" altLang="ko-KR" sz="1600" dirty="0">
-                <a:latin typeface="나눔바른고딕" panose="020B0603020101020101" pitchFamily="50" charset="-127"/>
-                <a:ea typeface="나눔바른고딕" panose="020B0603020101020101" pitchFamily="50" charset="-127"/>
-              </a:rPr>
-              <a:t>사용자는 계좌번호의 별칭을 수정할 수 있다</a:t>
-            </a:r>
-            <a:r>
-              <a:rPr lang="en-US" altLang="ko-KR" sz="1600" dirty="0">
-                <a:latin typeface="나눔바른고딕" panose="020B0603020101020101" pitchFamily="50" charset="-127"/>
-                <a:ea typeface="나눔바른고딕" panose="020B0603020101020101" pitchFamily="50" charset="-127"/>
-              </a:rPr>
-              <a:t>. </a:t>
-            </a:r>
-          </a:p>
-          <a:p>
-            <a:pPr marL="0" indent="0">
-              <a:buNone/>
-            </a:pPr>
-            <a:r>
-              <a:rPr lang="en-US" altLang="ko-KR" sz="1600" dirty="0">
-                <a:latin typeface="나눔바른고딕" panose="020B0603020101020101" pitchFamily="50" charset="-127"/>
-                <a:ea typeface="나눔바른고딕" panose="020B0603020101020101" pitchFamily="50" charset="-127"/>
-              </a:rPr>
-              <a:t>5. </a:t>
-            </a:r>
-            <a:r>
-              <a:rPr lang="ko-KR" altLang="ko-KR" sz="1600" dirty="0">
-                <a:latin typeface="나눔바른고딕" panose="020B0603020101020101" pitchFamily="50" charset="-127"/>
-                <a:ea typeface="나눔바른고딕" panose="020B0603020101020101" pitchFamily="50" charset="-127"/>
-              </a:rPr>
-              <a:t>사용자는 통합계좌 관리에서 계좌를 생성</a:t>
-            </a:r>
-            <a:r>
-              <a:rPr lang="en-US" altLang="ko-KR" sz="1600" dirty="0">
-                <a:latin typeface="나눔바른고딕" panose="020B0603020101020101" pitchFamily="50" charset="-127"/>
-                <a:ea typeface="나눔바른고딕" panose="020B0603020101020101" pitchFamily="50" charset="-127"/>
-              </a:rPr>
-              <a:t>, </a:t>
-            </a:r>
-            <a:r>
-              <a:rPr lang="ko-KR" altLang="ko-KR" sz="1600" dirty="0">
-                <a:latin typeface="나눔바른고딕" panose="020B0603020101020101" pitchFamily="50" charset="-127"/>
-                <a:ea typeface="나눔바른고딕" panose="020B0603020101020101" pitchFamily="50" charset="-127"/>
-              </a:rPr>
-              <a:t>등록</a:t>
-            </a:r>
-            <a:r>
-              <a:rPr lang="en-US" altLang="ko-KR" sz="1600" dirty="0">
-                <a:latin typeface="나눔바른고딕" panose="020B0603020101020101" pitchFamily="50" charset="-127"/>
-                <a:ea typeface="나눔바른고딕" panose="020B0603020101020101" pitchFamily="50" charset="-127"/>
-              </a:rPr>
-              <a:t>, </a:t>
-            </a:r>
-            <a:r>
-              <a:rPr lang="ko-KR" altLang="ko-KR" sz="1600" dirty="0">
-                <a:latin typeface="나눔바른고딕" panose="020B0603020101020101" pitchFamily="50" charset="-127"/>
-                <a:ea typeface="나눔바른고딕" panose="020B0603020101020101" pitchFamily="50" charset="-127"/>
-              </a:rPr>
-              <a:t>수정</a:t>
-            </a:r>
-            <a:r>
-              <a:rPr lang="en-US" altLang="ko-KR" sz="1600" dirty="0">
-                <a:latin typeface="나눔바른고딕" panose="020B0603020101020101" pitchFamily="50" charset="-127"/>
-                <a:ea typeface="나눔바른고딕" panose="020B0603020101020101" pitchFamily="50" charset="-127"/>
-              </a:rPr>
-              <a:t>, </a:t>
-            </a:r>
-            <a:r>
-              <a:rPr lang="ko-KR" altLang="ko-KR" sz="1600" dirty="0">
-                <a:latin typeface="나눔바른고딕" panose="020B0603020101020101" pitchFamily="50" charset="-127"/>
-                <a:ea typeface="나눔바른고딕" panose="020B0603020101020101" pitchFamily="50" charset="-127"/>
-              </a:rPr>
-              <a:t>삭제</a:t>
-            </a:r>
-            <a:r>
-              <a:rPr lang="en-US" altLang="ko-KR" sz="1600" dirty="0">
-                <a:latin typeface="나눔바른고딕" panose="020B0603020101020101" pitchFamily="50" charset="-127"/>
-                <a:ea typeface="나눔바른고딕" panose="020B0603020101020101" pitchFamily="50" charset="-127"/>
-              </a:rPr>
-              <a:t>, </a:t>
-            </a:r>
-            <a:r>
-              <a:rPr lang="ko-KR" altLang="ko-KR" sz="1600" dirty="0">
-                <a:latin typeface="나눔바른고딕" panose="020B0603020101020101" pitchFamily="50" charset="-127"/>
-                <a:ea typeface="나눔바른고딕" panose="020B0603020101020101" pitchFamily="50" charset="-127"/>
-              </a:rPr>
-              <a:t>조회할 수 있다</a:t>
-            </a:r>
-            <a:r>
-              <a:rPr lang="en-US" altLang="ko-KR" sz="1600" dirty="0">
-                <a:latin typeface="나눔바른고딕" panose="020B0603020101020101" pitchFamily="50" charset="-127"/>
-                <a:ea typeface="나눔바른고딕" panose="020B0603020101020101" pitchFamily="50" charset="-127"/>
-              </a:rPr>
-              <a:t>. </a:t>
-            </a:r>
-            <a:endParaRPr lang="ko-KR" altLang="ko-KR" sz="1600" dirty="0">
-              <a:latin typeface="나눔바른고딕" panose="020B0603020101020101" pitchFamily="50" charset="-127"/>
-              <a:ea typeface="나눔바른고딕" panose="020B0603020101020101" pitchFamily="50" charset="-127"/>
-            </a:endParaRPr>
-          </a:p>
-          <a:p>
-            <a:pPr marL="0" indent="0">
-              <a:buNone/>
-            </a:pPr>
-            <a:r>
-              <a:rPr lang="en-US" altLang="ko-KR" sz="1600" dirty="0">
-                <a:latin typeface="나눔바른고딕" panose="020B0603020101020101" pitchFamily="50" charset="-127"/>
-                <a:ea typeface="나눔바른고딕" panose="020B0603020101020101" pitchFamily="50" charset="-127"/>
-              </a:rPr>
-              <a:t>6. </a:t>
-            </a:r>
-            <a:r>
-              <a:rPr lang="ko-KR" altLang="ko-KR" sz="1600" dirty="0">
-                <a:latin typeface="나눔바른고딕" panose="020B0603020101020101" pitchFamily="50" charset="-127"/>
-                <a:ea typeface="나눔바른고딕" panose="020B0603020101020101" pitchFamily="50" charset="-127"/>
-              </a:rPr>
-              <a:t>사용자는 계좌번호로 계좌 정보를 검색할 수 있다</a:t>
-            </a:r>
-            <a:r>
-              <a:rPr lang="en-US" altLang="ko-KR" sz="1600" dirty="0">
-                <a:latin typeface="나눔바른고딕" panose="020B0603020101020101" pitchFamily="50" charset="-127"/>
-                <a:ea typeface="나눔바른고딕" panose="020B0603020101020101" pitchFamily="50" charset="-127"/>
-              </a:rPr>
-              <a:t>.</a:t>
-            </a:r>
-            <a:endParaRPr lang="ko-KR" altLang="ko-KR" sz="1600" dirty="0">
-              <a:latin typeface="나눔바른고딕" panose="020B0603020101020101" pitchFamily="50" charset="-127"/>
-              <a:ea typeface="나눔바른고딕" panose="020B0603020101020101" pitchFamily="50" charset="-127"/>
-            </a:endParaRPr>
-          </a:p>
-          <a:p>
-            <a:pPr marL="0" indent="0">
-              <a:buNone/>
-            </a:pPr>
-            <a:r>
-              <a:rPr lang="en-US" altLang="ko-KR" sz="1600" dirty="0">
-                <a:latin typeface="나눔바른고딕" panose="020B0603020101020101" pitchFamily="50" charset="-127"/>
-                <a:ea typeface="나눔바른고딕" panose="020B0603020101020101" pitchFamily="50" charset="-127"/>
-              </a:rPr>
-              <a:t>7. </a:t>
-            </a:r>
-            <a:r>
-              <a:rPr lang="ko-KR" altLang="ko-KR" sz="1600" dirty="0">
-                <a:latin typeface="나눔바른고딕" panose="020B0603020101020101" pitchFamily="50" charset="-127"/>
-                <a:ea typeface="나눔바른고딕" panose="020B0603020101020101" pitchFamily="50" charset="-127"/>
-              </a:rPr>
-              <a:t>사용자는 전체 계좌정보 리스트를 검색할 수 있다</a:t>
-            </a:r>
-            <a:r>
-              <a:rPr lang="en-US" altLang="ko-KR" sz="1600" dirty="0">
-                <a:latin typeface="나눔바른고딕" panose="020B0603020101020101" pitchFamily="50" charset="-127"/>
-                <a:ea typeface="나눔바른고딕" panose="020B0603020101020101" pitchFamily="50" charset="-127"/>
-              </a:rPr>
-              <a:t>.</a:t>
-            </a:r>
-            <a:endParaRPr lang="ko-KR" altLang="ko-KR" sz="1600" dirty="0">
-              <a:latin typeface="나눔바른고딕" panose="020B0603020101020101" pitchFamily="50" charset="-127"/>
-              <a:ea typeface="나눔바른고딕" panose="020B0603020101020101" pitchFamily="50" charset="-127"/>
-            </a:endParaRPr>
-          </a:p>
-          <a:p>
-            <a:pPr marL="0" indent="0">
-              <a:buNone/>
-            </a:pPr>
-            <a:r>
-              <a:rPr lang="en-US" altLang="ko-KR" sz="1600" dirty="0">
-                <a:latin typeface="나눔바른고딕" panose="020B0603020101020101" pitchFamily="50" charset="-127"/>
-                <a:ea typeface="나눔바른고딕" panose="020B0603020101020101" pitchFamily="50" charset="-127"/>
-              </a:rPr>
-              <a:t>8. </a:t>
-            </a:r>
-            <a:r>
-              <a:rPr lang="ko-KR" altLang="ko-KR" sz="1600" dirty="0">
-                <a:latin typeface="나눔바른고딕" panose="020B0603020101020101" pitchFamily="50" charset="-127"/>
-                <a:ea typeface="나눔바른고딕" panose="020B0603020101020101" pitchFamily="50" charset="-127"/>
-              </a:rPr>
-              <a:t>각 계좌들은 입금</a:t>
-            </a:r>
-            <a:r>
-              <a:rPr lang="en-US" altLang="ko-KR" sz="1600" dirty="0">
-                <a:latin typeface="나눔바른고딕" panose="020B0603020101020101" pitchFamily="50" charset="-127"/>
-                <a:ea typeface="나눔바른고딕" panose="020B0603020101020101" pitchFamily="50" charset="-127"/>
-              </a:rPr>
-              <a:t>, </a:t>
-            </a:r>
-            <a:r>
-              <a:rPr lang="ko-KR" altLang="ko-KR" sz="1600" dirty="0">
-                <a:latin typeface="나눔바른고딕" panose="020B0603020101020101" pitchFamily="50" charset="-127"/>
-                <a:ea typeface="나눔바른고딕" panose="020B0603020101020101" pitchFamily="50" charset="-127"/>
-              </a:rPr>
-              <a:t>출금</a:t>
-            </a:r>
-            <a:r>
-              <a:rPr lang="en-US" altLang="ko-KR" sz="1600" dirty="0">
-                <a:latin typeface="나눔바른고딕" panose="020B0603020101020101" pitchFamily="50" charset="-127"/>
-                <a:ea typeface="나눔바른고딕" panose="020B0603020101020101" pitchFamily="50" charset="-127"/>
-              </a:rPr>
-              <a:t>, </a:t>
-            </a:r>
-            <a:r>
-              <a:rPr lang="ko-KR" altLang="ko-KR" sz="1600" dirty="0">
-                <a:latin typeface="나눔바른고딕" panose="020B0603020101020101" pitchFamily="50" charset="-127"/>
-                <a:ea typeface="나눔바른고딕" panose="020B0603020101020101" pitchFamily="50" charset="-127"/>
-              </a:rPr>
-              <a:t>계좌이체가 가능하다</a:t>
-            </a:r>
-            <a:r>
-              <a:rPr lang="en-US" altLang="ko-KR" sz="1600" dirty="0">
-                <a:latin typeface="나눔바른고딕" panose="020B0603020101020101" pitchFamily="50" charset="-127"/>
-                <a:ea typeface="나눔바른고딕" panose="020B0603020101020101" pitchFamily="50" charset="-127"/>
-              </a:rPr>
-              <a:t>.</a:t>
-            </a:r>
-            <a:endParaRPr lang="ko-KR" altLang="ko-KR" sz="1600" dirty="0">
-              <a:latin typeface="나눔바른고딕" panose="020B0603020101020101" pitchFamily="50" charset="-127"/>
-              <a:ea typeface="나눔바른고딕" panose="020B0603020101020101" pitchFamily="50" charset="-127"/>
-            </a:endParaRPr>
-          </a:p>
-          <a:p>
-            <a:pPr marL="0" indent="0">
-              <a:buNone/>
-            </a:pPr>
-            <a:r>
-              <a:rPr lang="en-US" altLang="ko-KR" sz="1600" dirty="0">
-                <a:latin typeface="나눔바른고딕" panose="020B0603020101020101" pitchFamily="50" charset="-127"/>
-                <a:ea typeface="나눔바른고딕" panose="020B0603020101020101" pitchFamily="50" charset="-127"/>
-              </a:rPr>
-              <a:t>9. </a:t>
-            </a:r>
-            <a:r>
-              <a:rPr lang="ko-KR" altLang="ko-KR" sz="1600" dirty="0">
-                <a:latin typeface="나눔바른고딕" panose="020B0603020101020101" pitchFamily="50" charset="-127"/>
-                <a:ea typeface="나눔바른고딕" panose="020B0603020101020101" pitchFamily="50" charset="-127"/>
-              </a:rPr>
-              <a:t>계좌이체 시 이체금액이 잔액보다 적은 경우 이체가 취소된다</a:t>
-            </a:r>
-            <a:r>
-              <a:rPr lang="en-US" altLang="ko-KR" sz="1600" dirty="0">
-                <a:latin typeface="나눔바른고딕" panose="020B0603020101020101" pitchFamily="50" charset="-127"/>
-                <a:ea typeface="나눔바른고딕" panose="020B0603020101020101" pitchFamily="50" charset="-127"/>
-              </a:rPr>
-              <a:t>.</a:t>
-            </a:r>
-            <a:endParaRPr lang="ko-KR" altLang="ko-KR" sz="1600" dirty="0">
-              <a:latin typeface="나눔바른고딕" panose="020B0603020101020101" pitchFamily="50" charset="-127"/>
-              <a:ea typeface="나눔바른고딕" panose="020B0603020101020101" pitchFamily="50" charset="-127"/>
-            </a:endParaRPr>
-          </a:p>
-          <a:p>
-            <a:pPr marL="0" indent="0">
-              <a:buNone/>
-            </a:pPr>
-            <a:r>
-              <a:rPr lang="en-US" altLang="ko-KR" sz="1600" dirty="0">
-                <a:latin typeface="나눔바른고딕" panose="020B0603020101020101" pitchFamily="50" charset="-127"/>
-                <a:ea typeface="나눔바른고딕" panose="020B0603020101020101" pitchFamily="50" charset="-127"/>
-              </a:rPr>
-              <a:t>10. </a:t>
-            </a:r>
-            <a:r>
-              <a:rPr lang="ko-KR" altLang="ko-KR" sz="1600" dirty="0">
-                <a:latin typeface="나눔바른고딕" panose="020B0603020101020101" pitchFamily="50" charset="-127"/>
-                <a:ea typeface="나눔바른고딕" panose="020B0603020101020101" pitchFamily="50" charset="-127"/>
-              </a:rPr>
-              <a:t>사용자는 계좌를 생성할 수 있고</a:t>
-            </a:r>
-            <a:r>
-              <a:rPr lang="en-US" altLang="ko-KR" sz="1600" dirty="0">
-                <a:latin typeface="나눔바른고딕" panose="020B0603020101020101" pitchFamily="50" charset="-127"/>
-                <a:ea typeface="나눔바른고딕" panose="020B0603020101020101" pitchFamily="50" charset="-127"/>
-              </a:rPr>
-              <a:t>, </a:t>
-            </a:r>
-            <a:r>
-              <a:rPr lang="ko-KR" altLang="ko-KR" sz="1600" dirty="0">
-                <a:latin typeface="나눔바른고딕" panose="020B0603020101020101" pitchFamily="50" charset="-127"/>
-                <a:ea typeface="나눔바른고딕" panose="020B0603020101020101" pitchFamily="50" charset="-127"/>
-              </a:rPr>
-              <a:t>최초 생성 시 입금액은 </a:t>
-            </a:r>
-            <a:r>
-              <a:rPr lang="en-US" altLang="ko-KR" sz="1600" dirty="0">
-                <a:latin typeface="나눔바른고딕" panose="020B0603020101020101" pitchFamily="50" charset="-127"/>
-                <a:ea typeface="나눔바른고딕" panose="020B0603020101020101" pitchFamily="50" charset="-127"/>
-              </a:rPr>
-              <a:t>1000</a:t>
-            </a:r>
-            <a:r>
-              <a:rPr lang="ko-KR" altLang="ko-KR" sz="1600" dirty="0">
-                <a:latin typeface="나눔바른고딕" panose="020B0603020101020101" pitchFamily="50" charset="-127"/>
-                <a:ea typeface="나눔바른고딕" panose="020B0603020101020101" pitchFamily="50" charset="-127"/>
-              </a:rPr>
-              <a:t>원 이상 입금되어야 한다</a:t>
-            </a:r>
-            <a:r>
-              <a:rPr lang="en-US" altLang="ko-KR" sz="1600" dirty="0">
-                <a:latin typeface="나눔바른고딕" panose="020B0603020101020101" pitchFamily="50" charset="-127"/>
-                <a:ea typeface="나눔바른고딕" panose="020B0603020101020101" pitchFamily="50" charset="-127"/>
-              </a:rPr>
-              <a:t>.</a:t>
-            </a:r>
-            <a:endParaRPr lang="ko-KR" altLang="ko-KR" sz="1600" dirty="0">
-              <a:latin typeface="나눔바른고딕" panose="020B0603020101020101" pitchFamily="50" charset="-127"/>
-              <a:ea typeface="나눔바른고딕" panose="020B0603020101020101" pitchFamily="50" charset="-127"/>
-            </a:endParaRPr>
-          </a:p>
-          <a:p>
-            <a:pPr marL="0" indent="0">
-              <a:buNone/>
-            </a:pPr>
-            <a:r>
-              <a:rPr lang="en-US" altLang="ko-KR" sz="1600" dirty="0">
-                <a:latin typeface="나눔바른고딕" panose="020B0603020101020101" pitchFamily="50" charset="-127"/>
-                <a:ea typeface="나눔바른고딕" panose="020B0603020101020101" pitchFamily="50" charset="-127"/>
-              </a:rPr>
-              <a:t>11. </a:t>
-            </a:r>
-            <a:r>
-              <a:rPr lang="ko-KR" altLang="ko-KR" sz="1600" dirty="0">
-                <a:latin typeface="나눔바른고딕" panose="020B0603020101020101" pitchFamily="50" charset="-127"/>
-                <a:ea typeface="나눔바른고딕" panose="020B0603020101020101" pitchFamily="50" charset="-127"/>
-              </a:rPr>
-              <a:t>계좌이체 작업 중 출금</a:t>
-            </a:r>
-            <a:r>
-              <a:rPr lang="en-US" altLang="ko-KR" sz="1600" dirty="0">
-                <a:latin typeface="나눔바른고딕" panose="020B0603020101020101" pitchFamily="50" charset="-127"/>
-                <a:ea typeface="나눔바른고딕" panose="020B0603020101020101" pitchFamily="50" charset="-127"/>
-              </a:rPr>
-              <a:t>, </a:t>
-            </a:r>
-            <a:r>
-              <a:rPr lang="ko-KR" altLang="ko-KR" sz="1600" dirty="0">
-                <a:latin typeface="나눔바른고딕" panose="020B0603020101020101" pitchFamily="50" charset="-127"/>
-                <a:ea typeface="나눔바른고딕" panose="020B0603020101020101" pitchFamily="50" charset="-127"/>
-              </a:rPr>
-              <a:t>입금 업무에서 문제가 발생하는 경우 모든 작업이 취소된다</a:t>
-            </a:r>
-            <a:r>
-              <a:rPr lang="en-US" altLang="ko-KR" sz="1600" dirty="0">
-                <a:latin typeface="나눔바른고딕" panose="020B0603020101020101" pitchFamily="50" charset="-127"/>
-                <a:ea typeface="나눔바른고딕" panose="020B0603020101020101" pitchFamily="50" charset="-127"/>
-              </a:rPr>
-              <a:t>.</a:t>
-            </a:r>
-          </a:p>
-          <a:p>
-            <a:pPr marL="0" indent="0">
-              <a:buNone/>
-            </a:pPr>
-            <a:r>
-              <a:rPr lang="en-US" altLang="ko-KR" sz="1600" dirty="0">
-                <a:latin typeface="나눔바른고딕" panose="020B0603020101020101" pitchFamily="50" charset="-127"/>
-                <a:ea typeface="나눔바른고딕" panose="020B0603020101020101" pitchFamily="50" charset="-127"/>
-              </a:rPr>
-              <a:t>12. </a:t>
-            </a:r>
-            <a:r>
-              <a:rPr lang="ko-KR" altLang="en-US" sz="1600" dirty="0">
-                <a:latin typeface="나눔바른고딕" panose="020B0603020101020101" pitchFamily="50" charset="-127"/>
-                <a:ea typeface="나눔바른고딕" panose="020B0603020101020101" pitchFamily="50" charset="-127"/>
-              </a:rPr>
-              <a:t>회원가입 시 중복체크가 가능하다</a:t>
-            </a:r>
-            <a:r>
-              <a:rPr lang="en-US" altLang="ko-KR" sz="1600" dirty="0">
-                <a:latin typeface="나눔바른고딕" panose="020B0603020101020101" pitchFamily="50" charset="-127"/>
-                <a:ea typeface="나눔바른고딕" panose="020B0603020101020101" pitchFamily="50" charset="-127"/>
-              </a:rPr>
-              <a:t>.</a:t>
-            </a:r>
-          </a:p>
-          <a:p>
-            <a:pPr marL="0" indent="0">
-              <a:buNone/>
-            </a:pPr>
-            <a:r>
-              <a:rPr lang="en-US" altLang="ko-KR" sz="1600" dirty="0">
-                <a:latin typeface="나눔바른고딕" panose="020B0603020101020101" pitchFamily="50" charset="-127"/>
-                <a:ea typeface="나눔바른고딕" panose="020B0603020101020101" pitchFamily="50" charset="-127"/>
-              </a:rPr>
-              <a:t>13. </a:t>
-            </a:r>
-            <a:r>
-              <a:rPr lang="ko-KR" altLang="en-US" sz="1600" dirty="0">
-                <a:latin typeface="나눔바른고딕" panose="020B0603020101020101" pitchFamily="50" charset="-127"/>
-                <a:ea typeface="나눔바른고딕" panose="020B0603020101020101" pitchFamily="50" charset="-127"/>
-              </a:rPr>
-              <a:t>입출금내역의 조회가 가능하다</a:t>
-            </a:r>
-            <a:r>
-              <a:rPr lang="en-US" altLang="ko-KR" sz="1600" dirty="0">
-                <a:latin typeface="나눔바른고딕" panose="020B0603020101020101" pitchFamily="50" charset="-127"/>
-                <a:ea typeface="나눔바른고딕" panose="020B0603020101020101" pitchFamily="50" charset="-127"/>
-              </a:rPr>
-              <a:t>.</a:t>
-            </a:r>
-            <a:endParaRPr lang="ko-KR" altLang="ko-KR" sz="1600" dirty="0">
-              <a:latin typeface="나눔바른고딕" panose="020B0603020101020101" pitchFamily="50" charset="-127"/>
-              <a:ea typeface="나눔바른고딕" panose="020B0603020101020101" pitchFamily="50" charset="-127"/>
-            </a:endParaRPr>
-          </a:p>
-          <a:p>
-            <a:pPr marL="0" indent="0">
-              <a:buNone/>
-            </a:pPr>
-            <a:r>
-              <a:rPr lang="en-US" altLang="ko-KR" sz="1600" dirty="0">
-                <a:latin typeface="나눔바른고딕" panose="020B0603020101020101" pitchFamily="50" charset="-127"/>
-                <a:ea typeface="나눔바른고딕" panose="020B0603020101020101" pitchFamily="50" charset="-127"/>
-              </a:rPr>
-              <a:t> </a:t>
-            </a:r>
-            <a:endParaRPr lang="ko-KR" altLang="ko-KR" sz="1600" dirty="0">
-              <a:latin typeface="나눔바른고딕" panose="020B0603020101020101" pitchFamily="50" charset="-127"/>
-              <a:ea typeface="나눔바른고딕" panose="020B0603020101020101" pitchFamily="50" charset="-127"/>
-            </a:endParaRPr>
-          </a:p>
-          <a:p>
-            <a:pPr marL="0" indent="0">
-              <a:buNone/>
-            </a:pPr>
-            <a:endParaRPr lang="ko-KR" altLang="en-US" sz="1600" dirty="0">
-              <a:latin typeface="나눔바른고딕" panose="020B0603020101020101" pitchFamily="50" charset="-127"/>
-              <a:ea typeface="나눔바른고딕" panose="020B0603020101020101" pitchFamily="50" charset="-127"/>
-            </a:endParaRPr>
-          </a:p>
-        </p:txBody>
-      </p:sp>
-      <p:sp>
-        <p:nvSpPr>
-          <p:cNvPr id="4" name="제목 1">
-            <a:extLst>
-              <a:ext uri="{FF2B5EF4-FFF2-40B4-BE49-F238E27FC236}">
-                <a16:creationId xmlns:a16="http://schemas.microsoft.com/office/drawing/2014/main" id="{98C62947-CF86-4BE8-B3D5-2C51674E9ECE}"/>
-              </a:ext>
-            </a:extLst>
-          </p:cNvPr>
-          <p:cNvSpPr txBox="1">
-            <a:spLocks/>
-          </p:cNvSpPr>
-          <p:nvPr/>
-        </p:nvSpPr>
-        <p:spPr>
-          <a:xfrm>
-            <a:off x="334618" y="139838"/>
-            <a:ext cx="10515600" cy="1325563"/>
-          </a:xfrm>
-          <a:prstGeom prst="rect">
-            <a:avLst/>
-          </a:prstGeom>
-        </p:spPr>
-        <p:txBody>
-          <a:bodyPr vert="horz" lIns="91440" tIns="45720" rIns="91440" bIns="45720" rtlCol="0" anchor="ctr">
-            <a:normAutofit/>
-          </a:bodyPr>
-          <a:lstStyle>
-            <a:lvl1pPr algn="l" defTabSz="914400" rtl="0" eaLnBrk="1" latinLnBrk="1" hangingPunct="1">
-              <a:lnSpc>
-                <a:spcPct val="90000"/>
-              </a:lnSpc>
-              <a:spcBef>
-                <a:spcPct val="0"/>
-              </a:spcBef>
-              <a:buNone/>
-              <a:defRPr sz="4400" kern="1200">
-                <a:solidFill>
-                  <a:schemeClr val="tx1"/>
-                </a:solidFill>
-                <a:latin typeface="+mj-lt"/>
-                <a:ea typeface="+mj-ea"/>
-                <a:cs typeface="+mj-cs"/>
-              </a:defRPr>
-            </a:lvl1pPr>
-          </a:lstStyle>
-          <a:p>
-            <a:r>
-              <a:rPr lang="en-US" altLang="ko-KR" dirty="0">
-                <a:latin typeface="나눔바른고딕" panose="020B0603020101020101" pitchFamily="50" charset="-127"/>
-                <a:ea typeface="나눔바른고딕" panose="020B0603020101020101" pitchFamily="50" charset="-127"/>
-              </a:rPr>
-              <a:t>3. </a:t>
-            </a:r>
-            <a:r>
-              <a:rPr lang="ko-KR" altLang="en-US" dirty="0">
-                <a:latin typeface="나눔바른고딕" panose="020B0603020101020101" pitchFamily="50" charset="-127"/>
-                <a:ea typeface="나눔바른고딕" panose="020B0603020101020101" pitchFamily="50" charset="-127"/>
-              </a:rPr>
-              <a:t>요구사항 명세서</a:t>
-            </a:r>
-            <a:endParaRPr lang="ko-KR" altLang="en-US" dirty="0"/>
-          </a:p>
-        </p:txBody>
-      </p:sp>
-      <p:sp>
-        <p:nvSpPr>
-          <p:cNvPr id="6" name="슬라이드 번호 개체 틀 5">
-            <a:extLst>
-              <a:ext uri="{FF2B5EF4-FFF2-40B4-BE49-F238E27FC236}">
-                <a16:creationId xmlns:a16="http://schemas.microsoft.com/office/drawing/2014/main" id="{156BE5D0-E06D-459C-8907-35F001F02DA8}"/>
-              </a:ext>
-            </a:extLst>
-          </p:cNvPr>
-          <p:cNvSpPr>
-            <a:spLocks noGrp="1"/>
-          </p:cNvSpPr>
-          <p:nvPr>
-            <p:ph type="sldNum" sz="quarter" idx="12"/>
-          </p:nvPr>
-        </p:nvSpPr>
-        <p:spPr>
-          <a:xfrm>
-            <a:off x="4724400" y="6060450"/>
-            <a:ext cx="2743200" cy="365125"/>
-          </a:xfrm>
-        </p:spPr>
-        <p:txBody>
-          <a:bodyPr/>
-          <a:lstStyle/>
-          <a:p>
-            <a:pPr algn="ctr"/>
-            <a:fld id="{5EB2F036-81AB-4A80-8019-B671CB9C4132}" type="slidenum">
-              <a:rPr lang="ko-KR" altLang="en-US" smtClean="0"/>
-              <a:pPr algn="ctr"/>
-              <a:t>5</a:t>
-            </a:fld>
-            <a:endParaRPr lang="ko-KR" altLang="en-US" dirty="0"/>
-          </a:p>
-        </p:txBody>
-      </p:sp>
-    </p:spTree>
-    <p:extLst>
-      <p:ext uri="{BB962C8B-B14F-4D97-AF65-F5344CB8AC3E}">
-        <p14:creationId xmlns:p14="http://schemas.microsoft.com/office/powerpoint/2010/main" val="1927855606"/>
-      </p:ext>
-    </p:extLst>
-  </p:cSld>
-  <p:clrMapOvr>
-    <a:masterClrMapping/>
-  </p:clrMapOvr>
-</p:sld>
-</file>
-
-<file path=ppt/slides/slide6.xml><?xml version="1.0" encoding="utf-8"?>
-<p:sld xmlns:a="http://schemas.openxmlformats.org/drawingml/2006/main" xmlns:r="http://schemas.openxmlformats.org/officeDocument/2006/relationships" xmlns:p="http://schemas.openxmlformats.org/presentationml/2006/main">
-  <p:cSld>
-    <p:spTree>
-      <p:nvGrpSpPr>
-        <p:cNvPr id="1" name=""/>
-        <p:cNvGrpSpPr/>
-        <p:nvPr/>
-      </p:nvGrpSpPr>
-      <p:grpSpPr>
-        <a:xfrm>
-          <a:off x="0" y="0"/>
-          <a:ext cx="0" cy="0"/>
-          <a:chOff x="0" y="0"/>
-          <a:chExt cx="0" cy="0"/>
-        </a:xfrm>
-      </p:grpSpPr>
       <p:pic>
         <p:nvPicPr>
           <p:cNvPr id="7" name="그림 6" descr="텍스트, 스크린샷이(가) 표시된 사진&#10;&#10;자동 생성된 설명">
@@ -5885,7 +4088,7 @@
             <a:fld id="{5EB2F036-81AB-4A80-8019-B671CB9C4132}" type="slidenum">
               <a:rPr lang="ko-KR" altLang="en-US" smtClean="0"/>
               <a:pPr algn="ctr"/>
-              <a:t>6</a:t>
+              <a:t>10</a:t>
             </a:fld>
             <a:endParaRPr lang="ko-KR" altLang="en-US" dirty="0"/>
           </a:p>
@@ -6294,7 +4497,7 @@
 </p:sld>
 </file>
 
-<file path=ppt/slides/slide7.xml><?xml version="1.0" encoding="utf-8"?>
+<file path=ppt/slides/slide11.xml><?xml version="1.0" encoding="utf-8"?>
 <p:sld xmlns:a="http://schemas.openxmlformats.org/drawingml/2006/main" xmlns:r="http://schemas.openxmlformats.org/officeDocument/2006/relationships" xmlns:p="http://schemas.openxmlformats.org/presentationml/2006/main">
   <p:cSld>
     <p:spTree>
@@ -6731,7 +4934,7 @@
             <a:fld id="{5EB2F036-81AB-4A80-8019-B671CB9C4132}" type="slidenum">
               <a:rPr lang="ko-KR" altLang="en-US" smtClean="0"/>
               <a:pPr algn="ctr"/>
-              <a:t>7</a:t>
+              <a:t>11</a:t>
             </a:fld>
             <a:endParaRPr lang="ko-KR" altLang="en-US" dirty="0"/>
           </a:p>
@@ -6750,7 +4953,7 @@
 </p:sld>
 </file>
 
-<file path=ppt/slides/slide8.xml><?xml version="1.0" encoding="utf-8"?>
+<file path=ppt/slides/slide12.xml><?xml version="1.0" encoding="utf-8"?>
 <p:sld xmlns:a="http://schemas.openxmlformats.org/drawingml/2006/main" xmlns:r="http://schemas.openxmlformats.org/officeDocument/2006/relationships" xmlns:p="http://schemas.openxmlformats.org/presentationml/2006/main">
   <p:cSld>
     <p:spTree>
@@ -7466,7 +5669,7 @@
 </p:sld>
 </file>
 
-<file path=ppt/slides/slide9.xml><?xml version="1.0" encoding="utf-8"?>
+<file path=ppt/slides/slide13.xml><?xml version="1.0" encoding="utf-8"?>
 <p:sld xmlns:a="http://schemas.openxmlformats.org/drawingml/2006/main" xmlns:r="http://schemas.openxmlformats.org/officeDocument/2006/relationships" xmlns:p="http://schemas.openxmlformats.org/presentationml/2006/main">
   <p:cSld>
     <p:spTree>
@@ -7776,6 +5979,3318 @@
     <p:extLst>
       <p:ext uri="{BB962C8B-B14F-4D97-AF65-F5344CB8AC3E}">
         <p14:creationId xmlns:p14="http://schemas.microsoft.com/office/powerpoint/2010/main" val="3459594456"/>
+      </p:ext>
+    </p:extLst>
+  </p:cSld>
+  <p:clrMapOvr>
+    <a:masterClrMapping/>
+  </p:clrMapOvr>
+</p:sld>
+</file>
+
+<file path=ppt/slides/slide14.xml><?xml version="1.0" encoding="utf-8"?>
+<p:sld xmlns:a="http://schemas.openxmlformats.org/drawingml/2006/main" xmlns:r="http://schemas.openxmlformats.org/officeDocument/2006/relationships" xmlns:p="http://schemas.openxmlformats.org/presentationml/2006/main">
+  <p:cSld>
+    <p:spTree>
+      <p:nvGrpSpPr>
+        <p:cNvPr id="1" name=""/>
+        <p:cNvGrpSpPr/>
+        <p:nvPr/>
+      </p:nvGrpSpPr>
+      <p:grpSpPr>
+        <a:xfrm>
+          <a:off x="0" y="0"/>
+          <a:ext cx="0" cy="0"/>
+          <a:chOff x="0" y="0"/>
+          <a:chExt cx="0" cy="0"/>
+        </a:xfrm>
+      </p:grpSpPr>
+      <p:sp>
+        <p:nvSpPr>
+          <p:cNvPr id="4" name="TextBox 3">
+            <a:extLst>
+              <a:ext uri="{FF2B5EF4-FFF2-40B4-BE49-F238E27FC236}">
+                <a16:creationId xmlns:a16="http://schemas.microsoft.com/office/drawing/2014/main" id="{A0CC7B0F-3F78-4F57-8D5E-E0D81DBAC3A2}"/>
+              </a:ext>
+            </a:extLst>
+          </p:cNvPr>
+          <p:cNvSpPr txBox="1"/>
+          <p:nvPr/>
+        </p:nvSpPr>
+        <p:spPr>
+          <a:xfrm>
+            <a:off x="4531309" y="3044280"/>
+            <a:ext cx="3129383" cy="769441"/>
+          </a:xfrm>
+          <a:prstGeom prst="rect">
+            <a:avLst/>
+          </a:prstGeom>
+          <a:noFill/>
+        </p:spPr>
+        <p:txBody>
+          <a:bodyPr wrap="none" rtlCol="0">
+            <a:spAutoFit/>
+          </a:bodyPr>
+          <a:lstStyle/>
+          <a:p>
+            <a:r>
+              <a:rPr lang="ko-KR" altLang="en-US" sz="4400" dirty="0"/>
+              <a:t>감사합니다</a:t>
+            </a:r>
+            <a:r>
+              <a:rPr lang="en-US" altLang="ko-KR" sz="4400" dirty="0"/>
+              <a:t>.</a:t>
+            </a:r>
+            <a:endParaRPr lang="ko-KR" altLang="en-US" sz="4400" dirty="0"/>
+          </a:p>
+        </p:txBody>
+      </p:sp>
+    </p:spTree>
+    <p:extLst>
+      <p:ext uri="{BB962C8B-B14F-4D97-AF65-F5344CB8AC3E}">
+        <p14:creationId xmlns:p14="http://schemas.microsoft.com/office/powerpoint/2010/main" val="97516537"/>
+      </p:ext>
+    </p:extLst>
+  </p:cSld>
+  <p:clrMapOvr>
+    <a:masterClrMapping/>
+  </p:clrMapOvr>
+</p:sld>
+</file>
+
+<file path=ppt/slides/slide2.xml><?xml version="1.0" encoding="utf-8"?>
+<p:sld xmlns:a="http://schemas.openxmlformats.org/drawingml/2006/main" xmlns:r="http://schemas.openxmlformats.org/officeDocument/2006/relationships" xmlns:p="http://schemas.openxmlformats.org/presentationml/2006/main">
+  <p:cSld>
+    <p:bg>
+      <p:bgPr>
+        <a:solidFill>
+          <a:schemeClr val="tx1"/>
+        </a:solidFill>
+        <a:effectLst/>
+      </p:bgPr>
+    </p:bg>
+    <p:spTree>
+      <p:nvGrpSpPr>
+        <p:cNvPr id="1" name=""/>
+        <p:cNvGrpSpPr/>
+        <p:nvPr/>
+      </p:nvGrpSpPr>
+      <p:grpSpPr>
+        <a:xfrm>
+          <a:off x="0" y="0"/>
+          <a:ext cx="0" cy="0"/>
+          <a:chOff x="0" y="0"/>
+          <a:chExt cx="0" cy="0"/>
+        </a:xfrm>
+      </p:grpSpPr>
+      <p:sp>
+        <p:nvSpPr>
+          <p:cNvPr id="7" name="제목 1">
+            <a:extLst>
+              <a:ext uri="{FF2B5EF4-FFF2-40B4-BE49-F238E27FC236}">
+                <a16:creationId xmlns:a16="http://schemas.microsoft.com/office/drawing/2014/main" id="{C813635B-50E5-4543-AEB5-0ECE76EF7357}"/>
+              </a:ext>
+            </a:extLst>
+          </p:cNvPr>
+          <p:cNvSpPr txBox="1">
+            <a:spLocks/>
+          </p:cNvSpPr>
+          <p:nvPr/>
+        </p:nvSpPr>
+        <p:spPr>
+          <a:xfrm>
+            <a:off x="1524000" y="1483089"/>
+            <a:ext cx="9144000" cy="2387600"/>
+          </a:xfrm>
+          <a:prstGeom prst="rect">
+            <a:avLst/>
+          </a:prstGeom>
+        </p:spPr>
+        <p:txBody>
+          <a:bodyPr vert="horz" lIns="91440" tIns="45720" rIns="91440" bIns="45720" rtlCol="0" anchor="ctr">
+            <a:normAutofit/>
+          </a:bodyPr>
+          <a:lstStyle>
+            <a:lvl1pPr algn="l" defTabSz="914400" rtl="0" eaLnBrk="1" latinLnBrk="1" hangingPunct="1">
+              <a:lnSpc>
+                <a:spcPct val="90000"/>
+              </a:lnSpc>
+              <a:spcBef>
+                <a:spcPct val="0"/>
+              </a:spcBef>
+              <a:buNone/>
+              <a:defRPr sz="4400" kern="1200">
+                <a:solidFill>
+                  <a:schemeClr val="tx1"/>
+                </a:solidFill>
+                <a:latin typeface="+mj-lt"/>
+                <a:ea typeface="+mj-ea"/>
+                <a:cs typeface="+mj-cs"/>
+              </a:defRPr>
+            </a:lvl1pPr>
+          </a:lstStyle>
+          <a:p>
+            <a:pPr algn="ctr"/>
+            <a:r>
+              <a:rPr lang="ko-KR" altLang="en-US" sz="5400" dirty="0" err="1">
+                <a:solidFill>
+                  <a:schemeClr val="bg1"/>
+                </a:solidFill>
+                <a:latin typeface="나눔바른고딕" panose="020B0603020101020101" pitchFamily="50" charset="-127"/>
+                <a:ea typeface="나눔바른고딕" panose="020B0603020101020101" pitchFamily="50" charset="-127"/>
+              </a:rPr>
+              <a:t>머니샐러드</a:t>
+            </a:r>
+            <a:r>
+              <a:rPr lang="en-US" altLang="ko-KR" sz="5400" dirty="0">
+                <a:solidFill>
+                  <a:schemeClr val="bg1"/>
+                </a:solidFill>
+                <a:latin typeface="나눔바른고딕" panose="020B0603020101020101" pitchFamily="50" charset="-127"/>
+                <a:ea typeface="나눔바른고딕" panose="020B0603020101020101" pitchFamily="50" charset="-127"/>
+              </a:rPr>
+              <a:t>(</a:t>
+            </a:r>
+            <a:r>
+              <a:rPr lang="en-US" altLang="ko-KR" sz="5400" dirty="0" err="1">
+                <a:solidFill>
+                  <a:schemeClr val="bg1"/>
+                </a:solidFill>
+                <a:latin typeface="나눔바른고딕" panose="020B0603020101020101" pitchFamily="50" charset="-127"/>
+                <a:ea typeface="나눔바른고딕" panose="020B0603020101020101" pitchFamily="50" charset="-127"/>
+              </a:rPr>
+              <a:t>MoneySalad</a:t>
+            </a:r>
+            <a:r>
+              <a:rPr lang="en-US" altLang="ko-KR" sz="5400" dirty="0">
+                <a:solidFill>
+                  <a:schemeClr val="bg1"/>
+                </a:solidFill>
+                <a:latin typeface="나눔바른고딕" panose="020B0603020101020101" pitchFamily="50" charset="-127"/>
+                <a:ea typeface="나눔바른고딕" panose="020B0603020101020101" pitchFamily="50" charset="-127"/>
+              </a:rPr>
+              <a:t>)</a:t>
+            </a:r>
+            <a:br>
+              <a:rPr lang="en-US" altLang="ko-KR" sz="5400" u="sng" dirty="0">
+                <a:solidFill>
+                  <a:schemeClr val="bg1"/>
+                </a:solidFill>
+                <a:latin typeface="나눔바른고딕" panose="020B0603020101020101" pitchFamily="50" charset="-127"/>
+                <a:ea typeface="나눔바른고딕" panose="020B0603020101020101" pitchFamily="50" charset="-127"/>
+              </a:rPr>
+            </a:br>
+            <a:endParaRPr lang="ko-KR" altLang="en-US" sz="5400" i="1" dirty="0">
+              <a:solidFill>
+                <a:schemeClr val="bg1"/>
+              </a:solidFill>
+              <a:latin typeface="나눔바른고딕" panose="020B0603020101020101" pitchFamily="50" charset="-127"/>
+              <a:ea typeface="나눔바른고딕" panose="020B0603020101020101" pitchFamily="50" charset="-127"/>
+            </a:endParaRPr>
+          </a:p>
+        </p:txBody>
+      </p:sp>
+      <p:sp>
+        <p:nvSpPr>
+          <p:cNvPr id="8" name="부제목 2">
+            <a:extLst>
+              <a:ext uri="{FF2B5EF4-FFF2-40B4-BE49-F238E27FC236}">
+                <a16:creationId xmlns:a16="http://schemas.microsoft.com/office/drawing/2014/main" id="{1ECDB964-7895-4687-832C-2F9F3A669E36}"/>
+              </a:ext>
+            </a:extLst>
+          </p:cNvPr>
+          <p:cNvSpPr txBox="1">
+            <a:spLocks/>
+          </p:cNvSpPr>
+          <p:nvPr/>
+        </p:nvSpPr>
+        <p:spPr>
+          <a:xfrm>
+            <a:off x="1524000" y="3429000"/>
+            <a:ext cx="9144000" cy="1655762"/>
+          </a:xfrm>
+          <a:prstGeom prst="rect">
+            <a:avLst/>
+          </a:prstGeom>
+        </p:spPr>
+        <p:txBody>
+          <a:bodyPr vert="horz" lIns="91440" tIns="45720" rIns="91440" bIns="45720" rtlCol="0">
+            <a:normAutofit/>
+          </a:bodyPr>
+          <a:lstStyle>
+            <a:lvl1pPr marL="228600" indent="-228600" algn="l" defTabSz="914400" rtl="0" eaLnBrk="1" latinLnBrk="1" hangingPunct="1">
+              <a:lnSpc>
+                <a:spcPct val="90000"/>
+              </a:lnSpc>
+              <a:spcBef>
+                <a:spcPts val="1000"/>
+              </a:spcBef>
+              <a:buFont typeface="Arial" panose="020B0604020202020204" pitchFamily="34" charset="0"/>
+              <a:buChar char="•"/>
+              <a:defRPr sz="2800" kern="1200">
+                <a:solidFill>
+                  <a:schemeClr val="tx1"/>
+                </a:solidFill>
+                <a:latin typeface="+mn-lt"/>
+                <a:ea typeface="+mn-ea"/>
+                <a:cs typeface="+mn-cs"/>
+              </a:defRPr>
+            </a:lvl1pPr>
+            <a:lvl2pPr marL="685800" indent="-228600" algn="l" defTabSz="914400" rtl="0" eaLnBrk="1" latinLnBrk="1" hangingPunct="1">
+              <a:lnSpc>
+                <a:spcPct val="90000"/>
+              </a:lnSpc>
+              <a:spcBef>
+                <a:spcPts val="500"/>
+              </a:spcBef>
+              <a:buFont typeface="Arial" panose="020B0604020202020204" pitchFamily="34" charset="0"/>
+              <a:buChar char="•"/>
+              <a:defRPr sz="2400" kern="1200">
+                <a:solidFill>
+                  <a:schemeClr val="tx1"/>
+                </a:solidFill>
+                <a:latin typeface="+mn-lt"/>
+                <a:ea typeface="+mn-ea"/>
+                <a:cs typeface="+mn-cs"/>
+              </a:defRPr>
+            </a:lvl2pPr>
+            <a:lvl3pPr marL="1143000" indent="-228600" algn="l" defTabSz="914400" rtl="0" eaLnBrk="1" latinLnBrk="1" hangingPunct="1">
+              <a:lnSpc>
+                <a:spcPct val="90000"/>
+              </a:lnSpc>
+              <a:spcBef>
+                <a:spcPts val="500"/>
+              </a:spcBef>
+              <a:buFont typeface="Arial" panose="020B0604020202020204" pitchFamily="34" charset="0"/>
+              <a:buChar char="•"/>
+              <a:defRPr sz="2000" kern="1200">
+                <a:solidFill>
+                  <a:schemeClr val="tx1"/>
+                </a:solidFill>
+                <a:latin typeface="+mn-lt"/>
+                <a:ea typeface="+mn-ea"/>
+                <a:cs typeface="+mn-cs"/>
+              </a:defRPr>
+            </a:lvl3pPr>
+            <a:lvl4pPr marL="1600200" indent="-228600" algn="l" defTabSz="914400" rtl="0" eaLnBrk="1" latinLnBrk="1" hangingPunct="1">
+              <a:lnSpc>
+                <a:spcPct val="90000"/>
+              </a:lnSpc>
+              <a:spcBef>
+                <a:spcPts val="500"/>
+              </a:spcBef>
+              <a:buFont typeface="Arial" panose="020B0604020202020204" pitchFamily="34" charset="0"/>
+              <a:buChar char="•"/>
+              <a:defRPr sz="1800" kern="1200">
+                <a:solidFill>
+                  <a:schemeClr val="tx1"/>
+                </a:solidFill>
+                <a:latin typeface="+mn-lt"/>
+                <a:ea typeface="+mn-ea"/>
+                <a:cs typeface="+mn-cs"/>
+              </a:defRPr>
+            </a:lvl4pPr>
+            <a:lvl5pPr marL="2057400" indent="-228600" algn="l" defTabSz="914400" rtl="0" eaLnBrk="1" latinLnBrk="1" hangingPunct="1">
+              <a:lnSpc>
+                <a:spcPct val="90000"/>
+              </a:lnSpc>
+              <a:spcBef>
+                <a:spcPts val="500"/>
+              </a:spcBef>
+              <a:buFont typeface="Arial" panose="020B0604020202020204" pitchFamily="34" charset="0"/>
+              <a:buChar char="•"/>
+              <a:defRPr sz="1800" kern="1200">
+                <a:solidFill>
+                  <a:schemeClr val="tx1"/>
+                </a:solidFill>
+                <a:latin typeface="+mn-lt"/>
+                <a:ea typeface="+mn-ea"/>
+                <a:cs typeface="+mn-cs"/>
+              </a:defRPr>
+            </a:lvl5pPr>
+            <a:lvl6pPr marL="2514600" indent="-228600" algn="l" defTabSz="914400" rtl="0" eaLnBrk="1" latinLnBrk="1" hangingPunct="1">
+              <a:lnSpc>
+                <a:spcPct val="90000"/>
+              </a:lnSpc>
+              <a:spcBef>
+                <a:spcPts val="500"/>
+              </a:spcBef>
+              <a:buFont typeface="Arial" panose="020B0604020202020204" pitchFamily="34" charset="0"/>
+              <a:buChar char="•"/>
+              <a:defRPr sz="1800" kern="1200">
+                <a:solidFill>
+                  <a:schemeClr val="tx1"/>
+                </a:solidFill>
+                <a:latin typeface="+mn-lt"/>
+                <a:ea typeface="+mn-ea"/>
+                <a:cs typeface="+mn-cs"/>
+              </a:defRPr>
+            </a:lvl6pPr>
+            <a:lvl7pPr marL="2971800" indent="-228600" algn="l" defTabSz="914400" rtl="0" eaLnBrk="1" latinLnBrk="1" hangingPunct="1">
+              <a:lnSpc>
+                <a:spcPct val="90000"/>
+              </a:lnSpc>
+              <a:spcBef>
+                <a:spcPts val="500"/>
+              </a:spcBef>
+              <a:buFont typeface="Arial" panose="020B0604020202020204" pitchFamily="34" charset="0"/>
+              <a:buChar char="•"/>
+              <a:defRPr sz="1800" kern="1200">
+                <a:solidFill>
+                  <a:schemeClr val="tx1"/>
+                </a:solidFill>
+                <a:latin typeface="+mn-lt"/>
+                <a:ea typeface="+mn-ea"/>
+                <a:cs typeface="+mn-cs"/>
+              </a:defRPr>
+            </a:lvl7pPr>
+            <a:lvl8pPr marL="3429000" indent="-228600" algn="l" defTabSz="914400" rtl="0" eaLnBrk="1" latinLnBrk="1" hangingPunct="1">
+              <a:lnSpc>
+                <a:spcPct val="90000"/>
+              </a:lnSpc>
+              <a:spcBef>
+                <a:spcPts val="500"/>
+              </a:spcBef>
+              <a:buFont typeface="Arial" panose="020B0604020202020204" pitchFamily="34" charset="0"/>
+              <a:buChar char="•"/>
+              <a:defRPr sz="1800" kern="1200">
+                <a:solidFill>
+                  <a:schemeClr val="tx1"/>
+                </a:solidFill>
+                <a:latin typeface="+mn-lt"/>
+                <a:ea typeface="+mn-ea"/>
+                <a:cs typeface="+mn-cs"/>
+              </a:defRPr>
+            </a:lvl8pPr>
+            <a:lvl9pPr marL="3886200" indent="-228600" algn="l" defTabSz="914400" rtl="0" eaLnBrk="1" latinLnBrk="1" hangingPunct="1">
+              <a:lnSpc>
+                <a:spcPct val="90000"/>
+              </a:lnSpc>
+              <a:spcBef>
+                <a:spcPts val="500"/>
+              </a:spcBef>
+              <a:buFont typeface="Arial" panose="020B0604020202020204" pitchFamily="34" charset="0"/>
+              <a:buChar char="•"/>
+              <a:defRPr sz="1800" kern="1200">
+                <a:solidFill>
+                  <a:schemeClr val="tx1"/>
+                </a:solidFill>
+                <a:latin typeface="+mn-lt"/>
+                <a:ea typeface="+mn-ea"/>
+                <a:cs typeface="+mn-cs"/>
+              </a:defRPr>
+            </a:lvl9pPr>
+          </a:lstStyle>
+          <a:p>
+            <a:pPr marL="0" indent="0" algn="ctr">
+              <a:buNone/>
+            </a:pPr>
+            <a:r>
+              <a:rPr lang="ko-KR" altLang="en-US" i="1" dirty="0">
+                <a:solidFill>
+                  <a:schemeClr val="bg1"/>
+                </a:solidFill>
+                <a:latin typeface="나눔바른고딕" panose="020B0603020101020101" pitchFamily="50" charset="-127"/>
+                <a:ea typeface="나눔바른고딕" panose="020B0603020101020101" pitchFamily="50" charset="-127"/>
+              </a:rPr>
+              <a:t>통합계좌 관리시스템</a:t>
+            </a:r>
+            <a:endParaRPr lang="en-US" altLang="ko-KR" dirty="0">
+              <a:solidFill>
+                <a:schemeClr val="bg1"/>
+              </a:solidFill>
+              <a:latin typeface="나눔바른고딕" panose="020B0603020101020101" pitchFamily="50" charset="-127"/>
+              <a:ea typeface="나눔바른고딕" panose="020B0603020101020101" pitchFamily="50" charset="-127"/>
+            </a:endParaRPr>
+          </a:p>
+          <a:p>
+            <a:pPr marL="0" indent="0" algn="ctr">
+              <a:buNone/>
+            </a:pPr>
+            <a:r>
+              <a:rPr lang="en-US" altLang="ko-KR" dirty="0">
+                <a:solidFill>
+                  <a:schemeClr val="bg1"/>
+                </a:solidFill>
+                <a:latin typeface="나눔바른고딕" panose="020B0603020101020101" pitchFamily="50" charset="-127"/>
+                <a:ea typeface="나눔바른고딕" panose="020B0603020101020101" pitchFamily="50" charset="-127"/>
+              </a:rPr>
+              <a:t>MVC</a:t>
+            </a:r>
+            <a:r>
+              <a:rPr lang="ko-KR" altLang="en-US" dirty="0">
+                <a:solidFill>
+                  <a:schemeClr val="bg1"/>
+                </a:solidFill>
+                <a:latin typeface="나눔바른고딕" panose="020B0603020101020101" pitchFamily="50" charset="-127"/>
+                <a:ea typeface="나눔바른고딕" panose="020B0603020101020101" pitchFamily="50" charset="-127"/>
+              </a:rPr>
+              <a:t> 프로젝트</a:t>
+            </a:r>
+          </a:p>
+        </p:txBody>
+      </p:sp>
+      <p:sp>
+        <p:nvSpPr>
+          <p:cNvPr id="9" name="TextBox 8">
+            <a:extLst>
+              <a:ext uri="{FF2B5EF4-FFF2-40B4-BE49-F238E27FC236}">
+                <a16:creationId xmlns:a16="http://schemas.microsoft.com/office/drawing/2014/main" id="{32DC2920-FEC7-4AED-AA57-E46F63FC12E9}"/>
+              </a:ext>
+            </a:extLst>
+          </p:cNvPr>
+          <p:cNvSpPr txBox="1"/>
+          <p:nvPr/>
+        </p:nvSpPr>
+        <p:spPr>
+          <a:xfrm>
+            <a:off x="9263270" y="6056243"/>
+            <a:ext cx="2351926" cy="369332"/>
+          </a:xfrm>
+          <a:prstGeom prst="rect">
+            <a:avLst/>
+          </a:prstGeom>
+          <a:noFill/>
+        </p:spPr>
+        <p:txBody>
+          <a:bodyPr wrap="none" rtlCol="0">
+            <a:spAutoFit/>
+          </a:bodyPr>
+          <a:lstStyle/>
+          <a:p>
+            <a:r>
+              <a:rPr lang="en-US" altLang="ko-KR" dirty="0">
+                <a:solidFill>
+                  <a:schemeClr val="bg1"/>
+                </a:solidFill>
+                <a:latin typeface="나눔바른고딕" panose="020B0603020101020101" pitchFamily="50" charset="-127"/>
+                <a:ea typeface="나눔바른고딕" panose="020B0603020101020101" pitchFamily="50" charset="-127"/>
+              </a:rPr>
+              <a:t>2060340014    </a:t>
+            </a:r>
+            <a:r>
+              <a:rPr lang="ko-KR" altLang="en-US" dirty="0">
+                <a:solidFill>
+                  <a:schemeClr val="bg1"/>
+                </a:solidFill>
+                <a:latin typeface="나눔바른고딕" panose="020B0603020101020101" pitchFamily="50" charset="-127"/>
+                <a:ea typeface="나눔바른고딕" panose="020B0603020101020101" pitchFamily="50" charset="-127"/>
+              </a:rPr>
+              <a:t>나성주</a:t>
+            </a:r>
+          </a:p>
+        </p:txBody>
+      </p:sp>
+      <p:sp>
+        <p:nvSpPr>
+          <p:cNvPr id="10" name="TextBox 9">
+            <a:extLst>
+              <a:ext uri="{FF2B5EF4-FFF2-40B4-BE49-F238E27FC236}">
+                <a16:creationId xmlns:a16="http://schemas.microsoft.com/office/drawing/2014/main" id="{CE534E7C-F1BE-4551-9D5A-7B133416FCBE}"/>
+              </a:ext>
+            </a:extLst>
+          </p:cNvPr>
+          <p:cNvSpPr txBox="1"/>
+          <p:nvPr/>
+        </p:nvSpPr>
+        <p:spPr>
+          <a:xfrm>
+            <a:off x="424070" y="6056243"/>
+            <a:ext cx="1300356" cy="369332"/>
+          </a:xfrm>
+          <a:prstGeom prst="rect">
+            <a:avLst/>
+          </a:prstGeom>
+          <a:noFill/>
+        </p:spPr>
+        <p:txBody>
+          <a:bodyPr wrap="none" rtlCol="0">
+            <a:spAutoFit/>
+          </a:bodyPr>
+          <a:lstStyle/>
+          <a:p>
+            <a:r>
+              <a:rPr lang="en-US" altLang="ko-KR" dirty="0">
+                <a:solidFill>
+                  <a:schemeClr val="bg1"/>
+                </a:solidFill>
+              </a:rPr>
+              <a:t>2020.08.07</a:t>
+            </a:r>
+            <a:endParaRPr lang="ko-KR" altLang="en-US" dirty="0">
+              <a:solidFill>
+                <a:schemeClr val="bg1"/>
+              </a:solidFill>
+            </a:endParaRPr>
+          </a:p>
+        </p:txBody>
+      </p:sp>
+    </p:spTree>
+    <p:extLst>
+      <p:ext uri="{BB962C8B-B14F-4D97-AF65-F5344CB8AC3E}">
+        <p14:creationId xmlns:p14="http://schemas.microsoft.com/office/powerpoint/2010/main" val="3661757333"/>
+      </p:ext>
+    </p:extLst>
+  </p:cSld>
+  <p:clrMapOvr>
+    <a:masterClrMapping/>
+  </p:clrMapOvr>
+</p:sld>
+</file>
+
+<file path=ppt/slides/slide3.xml><?xml version="1.0" encoding="utf-8"?>
+<p:sld xmlns:a="http://schemas.openxmlformats.org/drawingml/2006/main" xmlns:r="http://schemas.openxmlformats.org/officeDocument/2006/relationships" xmlns:p="http://schemas.openxmlformats.org/presentationml/2006/main">
+  <p:cSld>
+    <p:bg>
+      <p:bgPr>
+        <a:solidFill>
+          <a:schemeClr val="tx1"/>
+        </a:solidFill>
+        <a:effectLst/>
+      </p:bgPr>
+    </p:bg>
+    <p:spTree>
+      <p:nvGrpSpPr>
+        <p:cNvPr id="1" name=""/>
+        <p:cNvGrpSpPr/>
+        <p:nvPr/>
+      </p:nvGrpSpPr>
+      <p:grpSpPr>
+        <a:xfrm>
+          <a:off x="0" y="0"/>
+          <a:ext cx="0" cy="0"/>
+          <a:chOff x="0" y="0"/>
+          <a:chExt cx="0" cy="0"/>
+        </a:xfrm>
+      </p:grpSpPr>
+      <p:sp>
+        <p:nvSpPr>
+          <p:cNvPr id="2" name="제목 1">
+            <a:extLst>
+              <a:ext uri="{FF2B5EF4-FFF2-40B4-BE49-F238E27FC236}">
+                <a16:creationId xmlns:a16="http://schemas.microsoft.com/office/drawing/2014/main" id="{6907BA84-D8E2-453B-BC1F-A71332145CE9}"/>
+              </a:ext>
+            </a:extLst>
+          </p:cNvPr>
+          <p:cNvSpPr>
+            <a:spLocks noGrp="1"/>
+          </p:cNvSpPr>
+          <p:nvPr>
+            <p:ph type="title"/>
+          </p:nvPr>
+        </p:nvSpPr>
+        <p:spPr>
+          <a:xfrm>
+            <a:off x="334618" y="139838"/>
+            <a:ext cx="10515600" cy="1325563"/>
+          </a:xfrm>
+        </p:spPr>
+        <p:txBody>
+          <a:bodyPr/>
+          <a:lstStyle/>
+          <a:p>
+            <a:r>
+              <a:rPr lang="ko-KR" altLang="en-US" dirty="0">
+                <a:solidFill>
+                  <a:schemeClr val="bg1"/>
+                </a:solidFill>
+              </a:rPr>
+              <a:t>개요</a:t>
+            </a:r>
+          </a:p>
+        </p:txBody>
+      </p:sp>
+      <p:sp>
+        <p:nvSpPr>
+          <p:cNvPr id="3" name="내용 개체 틀 2">
+            <a:extLst>
+              <a:ext uri="{FF2B5EF4-FFF2-40B4-BE49-F238E27FC236}">
+                <a16:creationId xmlns:a16="http://schemas.microsoft.com/office/drawing/2014/main" id="{3E7E2B5F-652D-4712-A197-F35EC7963E9C}"/>
+              </a:ext>
+            </a:extLst>
+          </p:cNvPr>
+          <p:cNvSpPr>
+            <a:spLocks noGrp="1"/>
+          </p:cNvSpPr>
+          <p:nvPr>
+            <p:ph idx="1"/>
+          </p:nvPr>
+        </p:nvSpPr>
+        <p:spPr>
+          <a:xfrm>
+            <a:off x="838200" y="1825625"/>
+            <a:ext cx="10830886" cy="4351338"/>
+          </a:xfrm>
+        </p:spPr>
+        <p:txBody>
+          <a:bodyPr/>
+          <a:lstStyle/>
+          <a:p>
+            <a:r>
+              <a:rPr lang="ko-KR" altLang="en-US" dirty="0" err="1">
+                <a:solidFill>
+                  <a:schemeClr val="bg1"/>
+                </a:solidFill>
+                <a:latin typeface="나눔바른고딕" panose="020B0603020101020101" pitchFamily="50" charset="-127"/>
+                <a:ea typeface="나눔바른고딕" panose="020B0603020101020101" pitchFamily="50" charset="-127"/>
+              </a:rPr>
+              <a:t>머니샐러드는</a:t>
+            </a:r>
+            <a:r>
+              <a:rPr lang="ko-KR" altLang="en-US" dirty="0">
+                <a:solidFill>
+                  <a:schemeClr val="bg1"/>
+                </a:solidFill>
+                <a:latin typeface="나눔바른고딕" panose="020B0603020101020101" pitchFamily="50" charset="-127"/>
+                <a:ea typeface="나눔바른고딕" panose="020B0603020101020101" pitchFamily="50" charset="-127"/>
+              </a:rPr>
+              <a:t> </a:t>
+            </a:r>
+            <a:r>
+              <a:rPr lang="en-US" altLang="ko-KR" dirty="0">
+                <a:solidFill>
+                  <a:schemeClr val="bg1"/>
+                </a:solidFill>
+                <a:latin typeface="나눔바른고딕" panose="020B0603020101020101" pitchFamily="50" charset="-127"/>
+                <a:ea typeface="나눔바른고딕" panose="020B0603020101020101" pitchFamily="50" charset="-127"/>
+              </a:rPr>
+              <a:t>‘</a:t>
+            </a:r>
+            <a:r>
+              <a:rPr lang="ko-KR" altLang="en-US" dirty="0" err="1">
+                <a:solidFill>
+                  <a:schemeClr val="bg1"/>
+                </a:solidFill>
+                <a:latin typeface="나눔바른고딕" panose="020B0603020101020101" pitchFamily="50" charset="-127"/>
+                <a:ea typeface="나눔바른고딕" panose="020B0603020101020101" pitchFamily="50" charset="-127"/>
+              </a:rPr>
+              <a:t>캐슬은행</a:t>
+            </a:r>
+            <a:r>
+              <a:rPr lang="en-US" altLang="ko-KR" dirty="0">
+                <a:solidFill>
+                  <a:schemeClr val="bg1"/>
+                </a:solidFill>
+                <a:latin typeface="나눔바른고딕" panose="020B0603020101020101" pitchFamily="50" charset="-127"/>
+                <a:ea typeface="나눔바른고딕" panose="020B0603020101020101" pitchFamily="50" charset="-127"/>
+              </a:rPr>
+              <a:t>’</a:t>
+            </a:r>
+            <a:r>
+              <a:rPr lang="ko-KR" altLang="en-US" dirty="0">
+                <a:solidFill>
+                  <a:schemeClr val="bg1"/>
+                </a:solidFill>
+                <a:latin typeface="나눔바른고딕" panose="020B0603020101020101" pitchFamily="50" charset="-127"/>
+                <a:ea typeface="나눔바른고딕" panose="020B0603020101020101" pitchFamily="50" charset="-127"/>
+              </a:rPr>
+              <a:t>에서 출시한 통합계좌 </a:t>
+            </a:r>
+            <a:r>
+              <a:rPr lang="ko-KR" altLang="en-US" dirty="0" err="1">
+                <a:solidFill>
+                  <a:schemeClr val="bg1"/>
+                </a:solidFill>
+                <a:latin typeface="나눔바른고딕" panose="020B0603020101020101" pitchFamily="50" charset="-127"/>
+                <a:ea typeface="나눔바른고딕" panose="020B0603020101020101" pitchFamily="50" charset="-127"/>
+              </a:rPr>
+              <a:t>관리시스템입니다</a:t>
+            </a:r>
+            <a:endParaRPr lang="en-US" altLang="ko-KR" dirty="0">
+              <a:solidFill>
+                <a:schemeClr val="bg1"/>
+              </a:solidFill>
+              <a:latin typeface="나눔바른고딕" panose="020B0603020101020101" pitchFamily="50" charset="-127"/>
+              <a:ea typeface="나눔바른고딕" panose="020B0603020101020101" pitchFamily="50" charset="-127"/>
+            </a:endParaRPr>
+          </a:p>
+          <a:p>
+            <a:endParaRPr lang="en-US" altLang="ko-KR" sz="900" dirty="0">
+              <a:solidFill>
+                <a:schemeClr val="bg1"/>
+              </a:solidFill>
+              <a:latin typeface="나눔바른고딕" panose="020B0603020101020101" pitchFamily="50" charset="-127"/>
+              <a:ea typeface="나눔바른고딕" panose="020B0603020101020101" pitchFamily="50" charset="-127"/>
+            </a:endParaRPr>
+          </a:p>
+          <a:p>
+            <a:r>
+              <a:rPr lang="ko-KR" altLang="en-US" dirty="0" err="1">
+                <a:solidFill>
+                  <a:schemeClr val="bg1"/>
+                </a:solidFill>
+                <a:latin typeface="나눔바른고딕" panose="020B0603020101020101" pitchFamily="50" charset="-127"/>
+                <a:ea typeface="나눔바른고딕" panose="020B0603020101020101" pitchFamily="50" charset="-127"/>
+              </a:rPr>
+              <a:t>머니샐러드는</a:t>
+            </a:r>
+            <a:r>
+              <a:rPr lang="ko-KR" altLang="en-US" dirty="0">
+                <a:solidFill>
+                  <a:schemeClr val="bg1"/>
+                </a:solidFill>
+                <a:latin typeface="나눔바른고딕" panose="020B0603020101020101" pitchFamily="50" charset="-127"/>
+                <a:ea typeface="나눔바른고딕" panose="020B0603020101020101" pitchFamily="50" charset="-127"/>
+              </a:rPr>
+              <a:t> </a:t>
+            </a:r>
+            <a:r>
+              <a:rPr lang="ko-KR" altLang="en-US" dirty="0" err="1">
+                <a:solidFill>
+                  <a:schemeClr val="bg1"/>
+                </a:solidFill>
+                <a:latin typeface="나눔바른고딕" panose="020B0603020101020101" pitchFamily="50" charset="-127"/>
+                <a:ea typeface="나눔바른고딕" panose="020B0603020101020101" pitchFamily="50" charset="-127"/>
+              </a:rPr>
+              <a:t>비대면식의</a:t>
+            </a:r>
+            <a:r>
+              <a:rPr lang="ko-KR" altLang="en-US" dirty="0">
+                <a:solidFill>
+                  <a:schemeClr val="bg1"/>
+                </a:solidFill>
+                <a:latin typeface="나눔바른고딕" panose="020B0603020101020101" pitchFamily="50" charset="-127"/>
+                <a:ea typeface="나눔바른고딕" panose="020B0603020101020101" pitchFamily="50" charset="-127"/>
+              </a:rPr>
+              <a:t> 은행 업무와 </a:t>
+            </a:r>
+            <a:r>
+              <a:rPr lang="ko-KR" altLang="en-US" dirty="0" err="1">
+                <a:solidFill>
+                  <a:schemeClr val="bg1"/>
+                </a:solidFill>
+                <a:latin typeface="나눔바른고딕" panose="020B0603020101020101" pitchFamily="50" charset="-127"/>
+                <a:ea typeface="나눔바른고딕" panose="020B0603020101020101" pitchFamily="50" charset="-127"/>
+              </a:rPr>
+              <a:t>오픈뱅킹</a:t>
+            </a:r>
+            <a:r>
+              <a:rPr lang="ko-KR" altLang="en-US" dirty="0">
+                <a:solidFill>
+                  <a:schemeClr val="bg1"/>
+                </a:solidFill>
+                <a:latin typeface="나눔바른고딕" panose="020B0603020101020101" pitchFamily="50" charset="-127"/>
+                <a:ea typeface="나눔바른고딕" panose="020B0603020101020101" pitchFamily="50" charset="-127"/>
+              </a:rPr>
+              <a:t> 서비스를 지원합니다</a:t>
+            </a:r>
+            <a:r>
+              <a:rPr lang="en-US" altLang="ko-KR" dirty="0">
+                <a:solidFill>
+                  <a:schemeClr val="bg1"/>
+                </a:solidFill>
+                <a:latin typeface="나눔바른고딕" panose="020B0603020101020101" pitchFamily="50" charset="-127"/>
+                <a:ea typeface="나눔바른고딕" panose="020B0603020101020101" pitchFamily="50" charset="-127"/>
+              </a:rPr>
+              <a:t>. </a:t>
+            </a:r>
+          </a:p>
+          <a:p>
+            <a:endParaRPr lang="en-US" altLang="ko-KR" sz="900" dirty="0">
+              <a:solidFill>
+                <a:schemeClr val="bg1"/>
+              </a:solidFill>
+              <a:latin typeface="나눔바른고딕" panose="020B0603020101020101" pitchFamily="50" charset="-127"/>
+              <a:ea typeface="나눔바른고딕" panose="020B0603020101020101" pitchFamily="50" charset="-127"/>
+            </a:endParaRPr>
+          </a:p>
+          <a:p>
+            <a:r>
+              <a:rPr lang="ko-KR" altLang="en-US" dirty="0" err="1">
+                <a:solidFill>
+                  <a:schemeClr val="bg1"/>
+                </a:solidFill>
+                <a:latin typeface="나눔바른고딕" panose="020B0603020101020101" pitchFamily="50" charset="-127"/>
+                <a:ea typeface="나눔바른고딕" panose="020B0603020101020101" pitchFamily="50" charset="-127"/>
+              </a:rPr>
+              <a:t>머니샐러드에서</a:t>
+            </a:r>
+            <a:r>
+              <a:rPr lang="ko-KR" altLang="en-US" dirty="0">
+                <a:solidFill>
+                  <a:schemeClr val="bg1"/>
+                </a:solidFill>
+                <a:latin typeface="나눔바른고딕" panose="020B0603020101020101" pitchFamily="50" charset="-127"/>
+                <a:ea typeface="나눔바른고딕" panose="020B0603020101020101" pitchFamily="50" charset="-127"/>
+              </a:rPr>
+              <a:t> 수행가능한 비즈니스</a:t>
+            </a:r>
+            <a:endParaRPr lang="en-US" altLang="ko-KR" dirty="0">
+              <a:solidFill>
+                <a:schemeClr val="bg1"/>
+              </a:solidFill>
+              <a:latin typeface="나눔바른고딕" panose="020B0603020101020101" pitchFamily="50" charset="-127"/>
+              <a:ea typeface="나눔바른고딕" panose="020B0603020101020101" pitchFamily="50" charset="-127"/>
+            </a:endParaRPr>
+          </a:p>
+          <a:p>
+            <a:pPr lvl="1">
+              <a:buFont typeface="Wingdings" panose="05000000000000000000" pitchFamily="2" charset="2"/>
+              <a:buChar char="§"/>
+            </a:pPr>
+            <a:r>
+              <a:rPr lang="ko-KR" altLang="en-US" dirty="0">
+                <a:solidFill>
+                  <a:schemeClr val="bg1"/>
+                </a:solidFill>
+                <a:latin typeface="나눔바른고딕" panose="020B0603020101020101" pitchFamily="50" charset="-127"/>
+                <a:ea typeface="나눔바른고딕" panose="020B0603020101020101" pitchFamily="50" charset="-127"/>
+              </a:rPr>
+              <a:t>계좌</a:t>
+            </a:r>
+            <a:r>
+              <a:rPr lang="en-US" altLang="ko-KR" dirty="0">
+                <a:solidFill>
+                  <a:schemeClr val="bg1"/>
+                </a:solidFill>
+                <a:latin typeface="나눔바른고딕" panose="020B0603020101020101" pitchFamily="50" charset="-127"/>
+                <a:ea typeface="나눔바른고딕" panose="020B0603020101020101" pitchFamily="50" charset="-127"/>
+              </a:rPr>
+              <a:t>: </a:t>
+            </a:r>
+            <a:r>
+              <a:rPr lang="ko-KR" altLang="en-US" dirty="0">
+                <a:solidFill>
+                  <a:schemeClr val="bg1"/>
+                </a:solidFill>
+                <a:latin typeface="나눔바른고딕" panose="020B0603020101020101" pitchFamily="50" charset="-127"/>
+                <a:ea typeface="나눔바른고딕" panose="020B0603020101020101" pitchFamily="50" charset="-127"/>
+              </a:rPr>
+              <a:t>조회</a:t>
+            </a:r>
+            <a:r>
+              <a:rPr lang="en-US" altLang="ko-KR" dirty="0">
+                <a:solidFill>
+                  <a:schemeClr val="bg1"/>
+                </a:solidFill>
+                <a:latin typeface="나눔바른고딕" panose="020B0603020101020101" pitchFamily="50" charset="-127"/>
+                <a:ea typeface="나눔바른고딕" panose="020B0603020101020101" pitchFamily="50" charset="-127"/>
+              </a:rPr>
+              <a:t>/</a:t>
+            </a:r>
+            <a:r>
+              <a:rPr lang="ko-KR" altLang="en-US" dirty="0">
+                <a:solidFill>
+                  <a:schemeClr val="bg1"/>
+                </a:solidFill>
+                <a:latin typeface="나눔바른고딕" panose="020B0603020101020101" pitchFamily="50" charset="-127"/>
+                <a:ea typeface="나눔바른고딕" panose="020B0603020101020101" pitchFamily="50" charset="-127"/>
+              </a:rPr>
+              <a:t>등록</a:t>
+            </a:r>
+            <a:r>
+              <a:rPr lang="en-US" altLang="ko-KR" dirty="0">
+                <a:solidFill>
+                  <a:schemeClr val="bg1"/>
+                </a:solidFill>
+                <a:latin typeface="나눔바른고딕" panose="020B0603020101020101" pitchFamily="50" charset="-127"/>
+                <a:ea typeface="나눔바른고딕" panose="020B0603020101020101" pitchFamily="50" charset="-127"/>
+              </a:rPr>
+              <a:t>/</a:t>
+            </a:r>
+            <a:r>
+              <a:rPr lang="ko-KR" altLang="en-US" dirty="0">
+                <a:solidFill>
+                  <a:schemeClr val="bg1"/>
+                </a:solidFill>
+                <a:latin typeface="나눔바른고딕" panose="020B0603020101020101" pitchFamily="50" charset="-127"/>
+                <a:ea typeface="나눔바른고딕" panose="020B0603020101020101" pitchFamily="50" charset="-127"/>
+              </a:rPr>
+              <a:t>생성</a:t>
+            </a:r>
+            <a:r>
+              <a:rPr lang="en-US" altLang="ko-KR" dirty="0">
+                <a:solidFill>
+                  <a:schemeClr val="bg1"/>
+                </a:solidFill>
+                <a:latin typeface="나눔바른고딕" panose="020B0603020101020101" pitchFamily="50" charset="-127"/>
+                <a:ea typeface="나눔바른고딕" panose="020B0603020101020101" pitchFamily="50" charset="-127"/>
+              </a:rPr>
+              <a:t>/</a:t>
+            </a:r>
+            <a:r>
+              <a:rPr lang="ko-KR" altLang="en-US" dirty="0">
+                <a:solidFill>
+                  <a:schemeClr val="bg1"/>
+                </a:solidFill>
+                <a:latin typeface="나눔바른고딕" panose="020B0603020101020101" pitchFamily="50" charset="-127"/>
+                <a:ea typeface="나눔바른고딕" panose="020B0603020101020101" pitchFamily="50" charset="-127"/>
+              </a:rPr>
+              <a:t>수정</a:t>
+            </a:r>
+            <a:r>
+              <a:rPr lang="en-US" altLang="ko-KR" dirty="0">
+                <a:solidFill>
+                  <a:schemeClr val="bg1"/>
+                </a:solidFill>
+                <a:latin typeface="나눔바른고딕" panose="020B0603020101020101" pitchFamily="50" charset="-127"/>
+                <a:ea typeface="나눔바른고딕" panose="020B0603020101020101" pitchFamily="50" charset="-127"/>
+              </a:rPr>
+              <a:t>/</a:t>
+            </a:r>
+            <a:r>
+              <a:rPr lang="ko-KR" altLang="en-US" dirty="0">
+                <a:solidFill>
+                  <a:schemeClr val="bg1"/>
+                </a:solidFill>
+                <a:latin typeface="나눔바른고딕" panose="020B0603020101020101" pitchFamily="50" charset="-127"/>
+                <a:ea typeface="나눔바른고딕" panose="020B0603020101020101" pitchFamily="50" charset="-127"/>
+              </a:rPr>
+              <a:t>삭제</a:t>
+            </a:r>
+            <a:endParaRPr lang="en-US" altLang="ko-KR" dirty="0">
+              <a:solidFill>
+                <a:schemeClr val="bg1"/>
+              </a:solidFill>
+              <a:latin typeface="나눔바른고딕" panose="020B0603020101020101" pitchFamily="50" charset="-127"/>
+              <a:ea typeface="나눔바른고딕" panose="020B0603020101020101" pitchFamily="50" charset="-127"/>
+            </a:endParaRPr>
+          </a:p>
+          <a:p>
+            <a:pPr lvl="1">
+              <a:buFont typeface="Wingdings" panose="05000000000000000000" pitchFamily="2" charset="2"/>
+              <a:buChar char="§"/>
+            </a:pPr>
+            <a:r>
+              <a:rPr lang="ko-KR" altLang="en-US" dirty="0">
+                <a:solidFill>
+                  <a:schemeClr val="bg1"/>
+                </a:solidFill>
+                <a:latin typeface="나눔바른고딕" panose="020B0603020101020101" pitchFamily="50" charset="-127"/>
+                <a:ea typeface="나눔바른고딕" panose="020B0603020101020101" pitchFamily="50" charset="-127"/>
+              </a:rPr>
+              <a:t>예금</a:t>
+            </a:r>
+            <a:r>
+              <a:rPr lang="en-US" altLang="ko-KR" dirty="0">
+                <a:solidFill>
+                  <a:schemeClr val="bg1"/>
+                </a:solidFill>
+                <a:latin typeface="나눔바른고딕" panose="020B0603020101020101" pitchFamily="50" charset="-127"/>
+                <a:ea typeface="나눔바른고딕" panose="020B0603020101020101" pitchFamily="50" charset="-127"/>
+              </a:rPr>
+              <a:t>: </a:t>
+            </a:r>
+            <a:r>
+              <a:rPr lang="ko-KR" altLang="en-US" dirty="0">
+                <a:solidFill>
+                  <a:schemeClr val="bg1"/>
+                </a:solidFill>
+                <a:latin typeface="나눔바른고딕" panose="020B0603020101020101" pitchFamily="50" charset="-127"/>
+                <a:ea typeface="나눔바른고딕" panose="020B0603020101020101" pitchFamily="50" charset="-127"/>
+              </a:rPr>
+              <a:t>입금</a:t>
+            </a:r>
+            <a:r>
+              <a:rPr lang="en-US" altLang="ko-KR" dirty="0">
+                <a:solidFill>
+                  <a:schemeClr val="bg1"/>
+                </a:solidFill>
+                <a:latin typeface="나눔바른고딕" panose="020B0603020101020101" pitchFamily="50" charset="-127"/>
+                <a:ea typeface="나눔바른고딕" panose="020B0603020101020101" pitchFamily="50" charset="-127"/>
+              </a:rPr>
+              <a:t>/</a:t>
+            </a:r>
+            <a:r>
+              <a:rPr lang="ko-KR" altLang="en-US" dirty="0">
+                <a:solidFill>
+                  <a:schemeClr val="bg1"/>
+                </a:solidFill>
+                <a:latin typeface="나눔바른고딕" panose="020B0603020101020101" pitchFamily="50" charset="-127"/>
+                <a:ea typeface="나눔바른고딕" panose="020B0603020101020101" pitchFamily="50" charset="-127"/>
+              </a:rPr>
+              <a:t>출금</a:t>
+            </a:r>
+            <a:r>
+              <a:rPr lang="en-US" altLang="ko-KR" dirty="0">
+                <a:solidFill>
+                  <a:schemeClr val="bg1"/>
+                </a:solidFill>
+                <a:latin typeface="나눔바른고딕" panose="020B0603020101020101" pitchFamily="50" charset="-127"/>
+                <a:ea typeface="나눔바른고딕" panose="020B0603020101020101" pitchFamily="50" charset="-127"/>
+              </a:rPr>
+              <a:t>/</a:t>
+            </a:r>
+            <a:r>
+              <a:rPr lang="ko-KR" altLang="en-US" dirty="0">
+                <a:solidFill>
+                  <a:schemeClr val="bg1"/>
+                </a:solidFill>
+                <a:latin typeface="나눔바른고딕" panose="020B0603020101020101" pitchFamily="50" charset="-127"/>
+                <a:ea typeface="나눔바른고딕" panose="020B0603020101020101" pitchFamily="50" charset="-127"/>
+              </a:rPr>
+              <a:t>이체</a:t>
+            </a:r>
+            <a:r>
+              <a:rPr lang="en-US" altLang="ko-KR" dirty="0">
+                <a:solidFill>
+                  <a:schemeClr val="bg1"/>
+                </a:solidFill>
+                <a:latin typeface="나눔바른고딕" panose="020B0603020101020101" pitchFamily="50" charset="-127"/>
+                <a:ea typeface="나눔바른고딕" panose="020B0603020101020101" pitchFamily="50" charset="-127"/>
+              </a:rPr>
+              <a:t>/</a:t>
+            </a:r>
+            <a:r>
+              <a:rPr lang="ko-KR" altLang="en-US" dirty="0">
+                <a:solidFill>
+                  <a:schemeClr val="bg1"/>
+                </a:solidFill>
+                <a:latin typeface="나눔바른고딕" panose="020B0603020101020101" pitchFamily="50" charset="-127"/>
+                <a:ea typeface="나눔바른고딕" panose="020B0603020101020101" pitchFamily="50" charset="-127"/>
+              </a:rPr>
+              <a:t>입출금조회</a:t>
+            </a:r>
+            <a:endParaRPr lang="en-US" altLang="ko-KR" dirty="0">
+              <a:solidFill>
+                <a:schemeClr val="bg1"/>
+              </a:solidFill>
+              <a:latin typeface="나눔바른고딕" panose="020B0603020101020101" pitchFamily="50" charset="-127"/>
+              <a:ea typeface="나눔바른고딕" panose="020B0603020101020101" pitchFamily="50" charset="-127"/>
+            </a:endParaRPr>
+          </a:p>
+          <a:p>
+            <a:pPr lvl="1">
+              <a:buFont typeface="Wingdings" panose="05000000000000000000" pitchFamily="2" charset="2"/>
+              <a:buChar char="§"/>
+            </a:pPr>
+            <a:r>
+              <a:rPr lang="ko-KR" altLang="en-US" dirty="0">
+                <a:solidFill>
+                  <a:schemeClr val="bg1"/>
+                </a:solidFill>
+                <a:latin typeface="나눔바른고딕" panose="020B0603020101020101" pitchFamily="50" charset="-127"/>
+                <a:ea typeface="나눔바른고딕" panose="020B0603020101020101" pitchFamily="50" charset="-127"/>
+              </a:rPr>
+              <a:t>기타</a:t>
+            </a:r>
+            <a:r>
+              <a:rPr lang="en-US" altLang="ko-KR" dirty="0">
+                <a:solidFill>
+                  <a:schemeClr val="bg1"/>
+                </a:solidFill>
+                <a:latin typeface="나눔바른고딕" panose="020B0603020101020101" pitchFamily="50" charset="-127"/>
+                <a:ea typeface="나눔바른고딕" panose="020B0603020101020101" pitchFamily="50" charset="-127"/>
+              </a:rPr>
+              <a:t>:</a:t>
+            </a:r>
+            <a:r>
+              <a:rPr lang="ko-KR" altLang="en-US" dirty="0">
+                <a:solidFill>
+                  <a:schemeClr val="bg1"/>
+                </a:solidFill>
+                <a:latin typeface="나눔바른고딕" panose="020B0603020101020101" pitchFamily="50" charset="-127"/>
+                <a:ea typeface="나눔바른고딕" panose="020B0603020101020101" pitchFamily="50" charset="-127"/>
+              </a:rPr>
+              <a:t> </a:t>
+            </a:r>
+            <a:r>
+              <a:rPr lang="en-US" altLang="ko-KR" dirty="0" err="1">
+                <a:solidFill>
+                  <a:schemeClr val="bg1"/>
+                </a:solidFill>
+                <a:latin typeface="나눔바른고딕" panose="020B0603020101020101" pitchFamily="50" charset="-127"/>
+                <a:ea typeface="나눔바른고딕" panose="020B0603020101020101" pitchFamily="50" charset="-127"/>
+              </a:rPr>
+              <a:t>QnA</a:t>
+            </a:r>
+            <a:r>
+              <a:rPr lang="en-US" altLang="ko-KR" dirty="0">
+                <a:solidFill>
+                  <a:schemeClr val="bg1"/>
+                </a:solidFill>
+                <a:latin typeface="나눔바른고딕" panose="020B0603020101020101" pitchFamily="50" charset="-127"/>
+                <a:ea typeface="나눔바른고딕" panose="020B0603020101020101" pitchFamily="50" charset="-127"/>
+              </a:rPr>
+              <a:t> </a:t>
+            </a:r>
+            <a:r>
+              <a:rPr lang="ko-KR" altLang="en-US" dirty="0">
+                <a:solidFill>
+                  <a:schemeClr val="bg1"/>
+                </a:solidFill>
+                <a:latin typeface="나눔바른고딕" panose="020B0603020101020101" pitchFamily="50" charset="-127"/>
+                <a:ea typeface="나눔바른고딕" panose="020B0603020101020101" pitchFamily="50" charset="-127"/>
+              </a:rPr>
+              <a:t>게시판 조회</a:t>
+            </a:r>
+            <a:r>
+              <a:rPr lang="en-US" altLang="ko-KR" dirty="0">
+                <a:solidFill>
+                  <a:schemeClr val="bg1"/>
+                </a:solidFill>
+                <a:latin typeface="나눔바른고딕" panose="020B0603020101020101" pitchFamily="50" charset="-127"/>
+                <a:ea typeface="나눔바른고딕" panose="020B0603020101020101" pitchFamily="50" charset="-127"/>
+              </a:rPr>
+              <a:t>/</a:t>
+            </a:r>
+            <a:r>
+              <a:rPr lang="ko-KR" altLang="en-US" dirty="0">
+                <a:solidFill>
+                  <a:schemeClr val="bg1"/>
+                </a:solidFill>
+                <a:latin typeface="나눔바른고딕" panose="020B0603020101020101" pitchFamily="50" charset="-127"/>
+                <a:ea typeface="나눔바른고딕" panose="020B0603020101020101" pitchFamily="50" charset="-127"/>
+              </a:rPr>
+              <a:t>수정</a:t>
+            </a:r>
+            <a:r>
+              <a:rPr lang="en-US" altLang="ko-KR" dirty="0">
+                <a:solidFill>
+                  <a:schemeClr val="bg1"/>
+                </a:solidFill>
+                <a:latin typeface="나눔바른고딕" panose="020B0603020101020101" pitchFamily="50" charset="-127"/>
+                <a:ea typeface="나눔바른고딕" panose="020B0603020101020101" pitchFamily="50" charset="-127"/>
+              </a:rPr>
+              <a:t>/</a:t>
+            </a:r>
+            <a:r>
+              <a:rPr lang="ko-KR" altLang="en-US" dirty="0">
+                <a:solidFill>
+                  <a:schemeClr val="bg1"/>
+                </a:solidFill>
+                <a:latin typeface="나눔바른고딕" panose="020B0603020101020101" pitchFamily="50" charset="-127"/>
+                <a:ea typeface="나눔바른고딕" panose="020B0603020101020101" pitchFamily="50" charset="-127"/>
+              </a:rPr>
+              <a:t>답글</a:t>
+            </a:r>
+            <a:r>
+              <a:rPr lang="en-US" altLang="ko-KR" dirty="0">
+                <a:solidFill>
+                  <a:schemeClr val="bg1"/>
+                </a:solidFill>
+                <a:latin typeface="나눔바른고딕" panose="020B0603020101020101" pitchFamily="50" charset="-127"/>
+                <a:ea typeface="나눔바른고딕" panose="020B0603020101020101" pitchFamily="50" charset="-127"/>
+              </a:rPr>
+              <a:t>/</a:t>
+            </a:r>
+            <a:r>
+              <a:rPr lang="ko-KR" altLang="en-US" dirty="0">
+                <a:solidFill>
+                  <a:schemeClr val="bg1"/>
+                </a:solidFill>
+                <a:latin typeface="나눔바른고딕" panose="020B0603020101020101" pitchFamily="50" charset="-127"/>
+                <a:ea typeface="나눔바른고딕" panose="020B0603020101020101" pitchFamily="50" charset="-127"/>
+              </a:rPr>
+              <a:t>삭제</a:t>
+            </a:r>
+            <a:r>
+              <a:rPr lang="en-US" altLang="ko-KR" dirty="0">
+                <a:solidFill>
+                  <a:schemeClr val="bg1"/>
+                </a:solidFill>
+                <a:latin typeface="나눔바른고딕" panose="020B0603020101020101" pitchFamily="50" charset="-127"/>
+                <a:ea typeface="나눔바른고딕" panose="020B0603020101020101" pitchFamily="50" charset="-127"/>
+              </a:rPr>
+              <a:t>, </a:t>
+            </a:r>
+            <a:r>
+              <a:rPr lang="ko-KR" altLang="en-US" dirty="0">
+                <a:solidFill>
+                  <a:schemeClr val="bg1"/>
+                </a:solidFill>
+                <a:latin typeface="나눔바른고딕" panose="020B0603020101020101" pitchFamily="50" charset="-127"/>
+                <a:ea typeface="나눔바른고딕" panose="020B0603020101020101" pitchFamily="50" charset="-127"/>
+              </a:rPr>
+              <a:t>회원정보 조회</a:t>
+            </a:r>
+            <a:r>
+              <a:rPr lang="en-US" altLang="ko-KR" dirty="0">
+                <a:solidFill>
+                  <a:schemeClr val="bg1"/>
+                </a:solidFill>
+                <a:latin typeface="나눔바른고딕" panose="020B0603020101020101" pitchFamily="50" charset="-127"/>
+                <a:ea typeface="나눔바른고딕" panose="020B0603020101020101" pitchFamily="50" charset="-127"/>
+              </a:rPr>
+              <a:t>/</a:t>
+            </a:r>
+            <a:r>
+              <a:rPr lang="ko-KR" altLang="en-US" dirty="0">
+                <a:solidFill>
+                  <a:schemeClr val="bg1"/>
+                </a:solidFill>
+                <a:latin typeface="나눔바른고딕" panose="020B0603020101020101" pitchFamily="50" charset="-127"/>
+                <a:ea typeface="나눔바른고딕" panose="020B0603020101020101" pitchFamily="50" charset="-127"/>
+              </a:rPr>
+              <a:t>수정</a:t>
+            </a:r>
+            <a:r>
+              <a:rPr lang="en-US" altLang="ko-KR" dirty="0">
+                <a:solidFill>
+                  <a:schemeClr val="bg1"/>
+                </a:solidFill>
+                <a:latin typeface="나눔바른고딕" panose="020B0603020101020101" pitchFamily="50" charset="-127"/>
+                <a:ea typeface="나눔바른고딕" panose="020B0603020101020101" pitchFamily="50" charset="-127"/>
+              </a:rPr>
+              <a:t>/</a:t>
+            </a:r>
+            <a:r>
+              <a:rPr lang="ko-KR" altLang="en-US" dirty="0">
+                <a:solidFill>
+                  <a:schemeClr val="bg1"/>
+                </a:solidFill>
+                <a:latin typeface="나눔바른고딕" panose="020B0603020101020101" pitchFamily="50" charset="-127"/>
+                <a:ea typeface="나눔바른고딕" panose="020B0603020101020101" pitchFamily="50" charset="-127"/>
+              </a:rPr>
+              <a:t>삭제</a:t>
+            </a:r>
+            <a:r>
+              <a:rPr lang="en-US" altLang="ko-KR" dirty="0">
+                <a:solidFill>
+                  <a:schemeClr val="bg1"/>
+                </a:solidFill>
+                <a:latin typeface="나눔바른고딕" panose="020B0603020101020101" pitchFamily="50" charset="-127"/>
+                <a:ea typeface="나눔바른고딕" panose="020B0603020101020101" pitchFamily="50" charset="-127"/>
+              </a:rPr>
+              <a:t>, </a:t>
+            </a:r>
+            <a:r>
+              <a:rPr lang="ko-KR" altLang="en-US" dirty="0">
+                <a:solidFill>
+                  <a:schemeClr val="bg1"/>
+                </a:solidFill>
+                <a:latin typeface="나눔바른고딕" panose="020B0603020101020101" pitchFamily="50" charset="-127"/>
+                <a:ea typeface="나눔바른고딕" panose="020B0603020101020101" pitchFamily="50" charset="-127"/>
+              </a:rPr>
+              <a:t>회사정보 조회</a:t>
+            </a:r>
+          </a:p>
+        </p:txBody>
+      </p:sp>
+    </p:spTree>
+    <p:extLst>
+      <p:ext uri="{BB962C8B-B14F-4D97-AF65-F5344CB8AC3E}">
+        <p14:creationId xmlns:p14="http://schemas.microsoft.com/office/powerpoint/2010/main" val="1162689093"/>
+      </p:ext>
+    </p:extLst>
+  </p:cSld>
+  <p:clrMapOvr>
+    <a:masterClrMapping/>
+  </p:clrMapOvr>
+</p:sld>
+</file>
+
+<file path=ppt/slides/slide4.xml><?xml version="1.0" encoding="utf-8"?>
+<p:sld xmlns:a="http://schemas.openxmlformats.org/drawingml/2006/main" xmlns:r="http://schemas.openxmlformats.org/officeDocument/2006/relationships" xmlns:p="http://schemas.openxmlformats.org/presentationml/2006/main">
+  <p:cSld>
+    <p:bg>
+      <p:bgPr>
+        <a:solidFill>
+          <a:schemeClr val="tx1"/>
+        </a:solidFill>
+        <a:effectLst/>
+      </p:bgPr>
+    </p:bg>
+    <p:spTree>
+      <p:nvGrpSpPr>
+        <p:cNvPr id="1" name=""/>
+        <p:cNvGrpSpPr/>
+        <p:nvPr/>
+      </p:nvGrpSpPr>
+      <p:grpSpPr>
+        <a:xfrm>
+          <a:off x="0" y="0"/>
+          <a:ext cx="0" cy="0"/>
+          <a:chOff x="0" y="0"/>
+          <a:chExt cx="0" cy="0"/>
+        </a:xfrm>
+      </p:grpSpPr>
+      <p:sp>
+        <p:nvSpPr>
+          <p:cNvPr id="2" name="제목 1">
+            <a:extLst>
+              <a:ext uri="{FF2B5EF4-FFF2-40B4-BE49-F238E27FC236}">
+                <a16:creationId xmlns:a16="http://schemas.microsoft.com/office/drawing/2014/main" id="{9351EC9A-AF64-4B15-8E97-90A8B4EC0D6D}"/>
+              </a:ext>
+            </a:extLst>
+          </p:cNvPr>
+          <p:cNvSpPr txBox="1">
+            <a:spLocks/>
+          </p:cNvSpPr>
+          <p:nvPr/>
+        </p:nvSpPr>
+        <p:spPr>
+          <a:xfrm>
+            <a:off x="1524000" y="2087097"/>
+            <a:ext cx="9144000" cy="2387600"/>
+          </a:xfrm>
+          <a:prstGeom prst="rect">
+            <a:avLst/>
+          </a:prstGeom>
+        </p:spPr>
+        <p:txBody>
+          <a:bodyPr vert="horz" lIns="91440" tIns="45720" rIns="91440" bIns="45720" rtlCol="0" anchor="ctr">
+            <a:normAutofit/>
+          </a:bodyPr>
+          <a:lstStyle>
+            <a:lvl1pPr algn="l" defTabSz="914400" rtl="0" eaLnBrk="1" latinLnBrk="1" hangingPunct="1">
+              <a:lnSpc>
+                <a:spcPct val="90000"/>
+              </a:lnSpc>
+              <a:spcBef>
+                <a:spcPct val="0"/>
+              </a:spcBef>
+              <a:buNone/>
+              <a:defRPr sz="4400" kern="1200">
+                <a:solidFill>
+                  <a:schemeClr val="tx1"/>
+                </a:solidFill>
+                <a:latin typeface="+mj-lt"/>
+                <a:ea typeface="+mj-ea"/>
+                <a:cs typeface="+mj-cs"/>
+              </a:defRPr>
+            </a:lvl1pPr>
+          </a:lstStyle>
+          <a:p>
+            <a:pPr algn="ctr"/>
+            <a:r>
+              <a:rPr lang="ko-KR" altLang="en-US" sz="5400" dirty="0">
+                <a:solidFill>
+                  <a:schemeClr val="bg1"/>
+                </a:solidFill>
+                <a:latin typeface="나눔바른고딕" panose="020B0603020101020101" pitchFamily="50" charset="-127"/>
+                <a:ea typeface="나눔바른고딕" panose="020B0603020101020101" pitchFamily="50" charset="-127"/>
+              </a:rPr>
+              <a:t>이제 시연 영상을 보여드립니다</a:t>
+            </a:r>
+            <a:r>
+              <a:rPr lang="en-US" altLang="ko-KR" sz="5400" dirty="0">
+                <a:solidFill>
+                  <a:schemeClr val="bg1"/>
+                </a:solidFill>
+                <a:latin typeface="나눔바른고딕" panose="020B0603020101020101" pitchFamily="50" charset="-127"/>
+                <a:ea typeface="나눔바른고딕" panose="020B0603020101020101" pitchFamily="50" charset="-127"/>
+              </a:rPr>
+              <a:t>.</a:t>
+            </a:r>
+            <a:endParaRPr lang="ko-KR" altLang="en-US" sz="5400" i="1" dirty="0">
+              <a:solidFill>
+                <a:schemeClr val="bg1"/>
+              </a:solidFill>
+              <a:latin typeface="나눔바른고딕" panose="020B0603020101020101" pitchFamily="50" charset="-127"/>
+              <a:ea typeface="나눔바른고딕" panose="020B0603020101020101" pitchFamily="50" charset="-127"/>
+            </a:endParaRPr>
+          </a:p>
+        </p:txBody>
+      </p:sp>
+    </p:spTree>
+    <p:extLst>
+      <p:ext uri="{BB962C8B-B14F-4D97-AF65-F5344CB8AC3E}">
+        <p14:creationId xmlns:p14="http://schemas.microsoft.com/office/powerpoint/2010/main" val="1518715678"/>
+      </p:ext>
+    </p:extLst>
+  </p:cSld>
+  <p:clrMapOvr>
+    <a:masterClrMapping/>
+  </p:clrMapOvr>
+</p:sld>
+</file>
+
+<file path=ppt/slides/slide5.xml><?xml version="1.0" encoding="utf-8"?>
+<p:sld xmlns:a="http://schemas.openxmlformats.org/drawingml/2006/main" xmlns:r="http://schemas.openxmlformats.org/officeDocument/2006/relationships" xmlns:p="http://schemas.openxmlformats.org/presentationml/2006/main">
+  <p:cSld>
+    <p:bg>
+      <p:bgPr>
+        <a:solidFill>
+          <a:schemeClr val="tx1"/>
+        </a:solidFill>
+        <a:effectLst/>
+      </p:bgPr>
+    </p:bg>
+    <p:spTree>
+      <p:nvGrpSpPr>
+        <p:cNvPr id="1" name=""/>
+        <p:cNvGrpSpPr/>
+        <p:nvPr/>
+      </p:nvGrpSpPr>
+      <p:grpSpPr>
+        <a:xfrm>
+          <a:off x="0" y="0"/>
+          <a:ext cx="0" cy="0"/>
+          <a:chOff x="0" y="0"/>
+          <a:chExt cx="0" cy="0"/>
+        </a:xfrm>
+      </p:grpSpPr>
+      <p:sp>
+        <p:nvSpPr>
+          <p:cNvPr id="2" name="제목 1">
+            <a:extLst>
+              <a:ext uri="{FF2B5EF4-FFF2-40B4-BE49-F238E27FC236}">
+                <a16:creationId xmlns:a16="http://schemas.microsoft.com/office/drawing/2014/main" id="{9351EC9A-AF64-4B15-8E97-90A8B4EC0D6D}"/>
+              </a:ext>
+            </a:extLst>
+          </p:cNvPr>
+          <p:cNvSpPr txBox="1">
+            <a:spLocks/>
+          </p:cNvSpPr>
+          <p:nvPr/>
+        </p:nvSpPr>
+        <p:spPr>
+          <a:xfrm>
+            <a:off x="1524000" y="2087097"/>
+            <a:ext cx="9144000" cy="2387600"/>
+          </a:xfrm>
+          <a:prstGeom prst="rect">
+            <a:avLst/>
+          </a:prstGeom>
+        </p:spPr>
+        <p:txBody>
+          <a:bodyPr vert="horz" lIns="91440" tIns="45720" rIns="91440" bIns="45720" rtlCol="0" anchor="ctr">
+            <a:normAutofit/>
+          </a:bodyPr>
+          <a:lstStyle>
+            <a:lvl1pPr algn="l" defTabSz="914400" rtl="0" eaLnBrk="1" latinLnBrk="1" hangingPunct="1">
+              <a:lnSpc>
+                <a:spcPct val="90000"/>
+              </a:lnSpc>
+              <a:spcBef>
+                <a:spcPct val="0"/>
+              </a:spcBef>
+              <a:buNone/>
+              <a:defRPr sz="4400" kern="1200">
+                <a:solidFill>
+                  <a:schemeClr val="tx1"/>
+                </a:solidFill>
+                <a:latin typeface="+mj-lt"/>
+                <a:ea typeface="+mj-ea"/>
+                <a:cs typeface="+mj-cs"/>
+              </a:defRPr>
+            </a:lvl1pPr>
+          </a:lstStyle>
+          <a:p>
+            <a:pPr algn="ctr"/>
+            <a:r>
+              <a:rPr lang="ko-KR" altLang="en-US" sz="5400" dirty="0">
+                <a:solidFill>
+                  <a:schemeClr val="bg1"/>
+                </a:solidFill>
+                <a:latin typeface="나눔바른고딕" panose="020B0603020101020101" pitchFamily="50" charset="-127"/>
+                <a:ea typeface="나눔바른고딕" panose="020B0603020101020101" pitchFamily="50" charset="-127"/>
+              </a:rPr>
+              <a:t>감사합니다</a:t>
+            </a:r>
+            <a:r>
+              <a:rPr lang="en-US" altLang="ko-KR" sz="5400" dirty="0">
+                <a:solidFill>
+                  <a:schemeClr val="bg1"/>
+                </a:solidFill>
+                <a:latin typeface="나눔바른고딕" panose="020B0603020101020101" pitchFamily="50" charset="-127"/>
+                <a:ea typeface="나눔바른고딕" panose="020B0603020101020101" pitchFamily="50" charset="-127"/>
+              </a:rPr>
+              <a:t>.</a:t>
+            </a:r>
+            <a:endParaRPr lang="ko-KR" altLang="en-US" sz="5400" i="1" dirty="0">
+              <a:solidFill>
+                <a:schemeClr val="bg1"/>
+              </a:solidFill>
+              <a:latin typeface="나눔바른고딕" panose="020B0603020101020101" pitchFamily="50" charset="-127"/>
+              <a:ea typeface="나눔바른고딕" panose="020B0603020101020101" pitchFamily="50" charset="-127"/>
+            </a:endParaRPr>
+          </a:p>
+        </p:txBody>
+      </p:sp>
+      <p:sp>
+        <p:nvSpPr>
+          <p:cNvPr id="3" name="TextBox 2">
+            <a:extLst>
+              <a:ext uri="{FF2B5EF4-FFF2-40B4-BE49-F238E27FC236}">
+                <a16:creationId xmlns:a16="http://schemas.microsoft.com/office/drawing/2014/main" id="{FBE33ED1-2E81-45EB-B8C3-76C896CF1B9E}"/>
+              </a:ext>
+            </a:extLst>
+          </p:cNvPr>
+          <p:cNvSpPr txBox="1"/>
+          <p:nvPr/>
+        </p:nvSpPr>
+        <p:spPr>
+          <a:xfrm>
+            <a:off x="5922498" y="6147581"/>
+            <a:ext cx="6112443" cy="369332"/>
+          </a:xfrm>
+          <a:prstGeom prst="rect">
+            <a:avLst/>
+          </a:prstGeom>
+          <a:noFill/>
+        </p:spPr>
+        <p:txBody>
+          <a:bodyPr wrap="none" rtlCol="0">
+            <a:spAutoFit/>
+          </a:bodyPr>
+          <a:lstStyle/>
+          <a:p>
+            <a:r>
+              <a:rPr lang="ko-KR" altLang="en-US" dirty="0">
+                <a:solidFill>
+                  <a:schemeClr val="bg1"/>
+                </a:solidFill>
+              </a:rPr>
+              <a:t>소스코드</a:t>
+            </a:r>
+            <a:r>
+              <a:rPr lang="en-US" altLang="ko-KR" dirty="0">
+                <a:solidFill>
+                  <a:schemeClr val="bg1"/>
+                </a:solidFill>
+              </a:rPr>
+              <a:t>: </a:t>
+            </a:r>
+            <a:r>
+              <a:rPr lang="en-US" altLang="ko-KR" dirty="0">
+                <a:solidFill>
+                  <a:schemeClr val="bg1"/>
+                </a:solidFill>
+                <a:hlinkClick r:id="rId2">
+                  <a:extLst>
+                    <a:ext uri="{A12FA001-AC4F-418D-AE19-62706E023703}">
+                      <ahyp:hlinkClr xmlns:ahyp="http://schemas.microsoft.com/office/drawing/2018/hyperlinkcolor" val="tx"/>
+                    </a:ext>
+                  </a:extLst>
+                </a:hlinkClick>
+              </a:rPr>
+              <a:t>https://github.com/nacastle/kopo-MoneySalad</a:t>
+            </a:r>
+            <a:endParaRPr lang="ko-KR" altLang="en-US" dirty="0">
+              <a:solidFill>
+                <a:schemeClr val="bg1"/>
+              </a:solidFill>
+            </a:endParaRPr>
+          </a:p>
+        </p:txBody>
+      </p:sp>
+    </p:spTree>
+    <p:extLst>
+      <p:ext uri="{BB962C8B-B14F-4D97-AF65-F5344CB8AC3E}">
+        <p14:creationId xmlns:p14="http://schemas.microsoft.com/office/powerpoint/2010/main" val="1391752475"/>
+      </p:ext>
+    </p:extLst>
+  </p:cSld>
+  <p:clrMapOvr>
+    <a:masterClrMapping/>
+  </p:clrMapOvr>
+</p:sld>
+</file>
+
+<file path=ppt/slides/slide6.xml><?xml version="1.0" encoding="utf-8"?>
+<p:sld xmlns:a="http://schemas.openxmlformats.org/drawingml/2006/main" xmlns:r="http://schemas.openxmlformats.org/officeDocument/2006/relationships" xmlns:p="http://schemas.openxmlformats.org/presentationml/2006/main">
+  <p:cSld>
+    <p:spTree>
+      <p:nvGrpSpPr>
+        <p:cNvPr id="1" name=""/>
+        <p:cNvGrpSpPr/>
+        <p:nvPr/>
+      </p:nvGrpSpPr>
+      <p:grpSpPr>
+        <a:xfrm>
+          <a:off x="0" y="0"/>
+          <a:ext cx="0" cy="0"/>
+          <a:chOff x="0" y="0"/>
+          <a:chExt cx="0" cy="0"/>
+        </a:xfrm>
+      </p:grpSpPr>
+      <p:sp>
+        <p:nvSpPr>
+          <p:cNvPr id="2" name="제목 1">
+            <a:extLst>
+              <a:ext uri="{FF2B5EF4-FFF2-40B4-BE49-F238E27FC236}">
+                <a16:creationId xmlns:a16="http://schemas.microsoft.com/office/drawing/2014/main" id="{8F84D4C6-575E-4D51-9177-C27A5886F91F}"/>
+              </a:ext>
+            </a:extLst>
+          </p:cNvPr>
+          <p:cNvSpPr>
+            <a:spLocks noGrp="1"/>
+          </p:cNvSpPr>
+          <p:nvPr>
+            <p:ph type="title"/>
+          </p:nvPr>
+        </p:nvSpPr>
+        <p:spPr/>
+        <p:txBody>
+          <a:bodyPr/>
+          <a:lstStyle/>
+          <a:p>
+            <a:r>
+              <a:rPr lang="ko-KR" altLang="en-US" dirty="0"/>
+              <a:t>목차</a:t>
+            </a:r>
+          </a:p>
+        </p:txBody>
+      </p:sp>
+      <p:sp>
+        <p:nvSpPr>
+          <p:cNvPr id="3" name="내용 개체 틀 2">
+            <a:extLst>
+              <a:ext uri="{FF2B5EF4-FFF2-40B4-BE49-F238E27FC236}">
+                <a16:creationId xmlns:a16="http://schemas.microsoft.com/office/drawing/2014/main" id="{CE424E34-1FF6-47A6-9B81-B1F867F7B73A}"/>
+              </a:ext>
+            </a:extLst>
+          </p:cNvPr>
+          <p:cNvSpPr>
+            <a:spLocks noGrp="1"/>
+          </p:cNvSpPr>
+          <p:nvPr>
+            <p:ph idx="1"/>
+          </p:nvPr>
+        </p:nvSpPr>
+        <p:spPr/>
+        <p:txBody>
+          <a:bodyPr/>
+          <a:lstStyle/>
+          <a:p>
+            <a:pPr marL="514350" indent="-514350">
+              <a:buAutoNum type="arabicPeriod"/>
+            </a:pPr>
+            <a:r>
+              <a:rPr lang="ko-KR" altLang="en-US" dirty="0"/>
+              <a:t>과제 개요</a:t>
+            </a:r>
+            <a:endParaRPr lang="en-US" altLang="ko-KR" dirty="0"/>
+          </a:p>
+          <a:p>
+            <a:pPr marL="514350" indent="-514350">
+              <a:buAutoNum type="arabicPeriod"/>
+            </a:pPr>
+            <a:r>
+              <a:rPr lang="ko-KR" altLang="en-US" dirty="0"/>
+              <a:t>개발 환경</a:t>
+            </a:r>
+            <a:endParaRPr lang="en-US" altLang="ko-KR" dirty="0"/>
+          </a:p>
+          <a:p>
+            <a:pPr marL="514350" indent="-514350">
+              <a:buAutoNum type="arabicPeriod"/>
+            </a:pPr>
+            <a:r>
+              <a:rPr lang="ko-KR" altLang="en-US" dirty="0"/>
+              <a:t>요구사항 명세서</a:t>
+            </a:r>
+            <a:endParaRPr lang="en-US" altLang="ko-KR" dirty="0"/>
+          </a:p>
+          <a:p>
+            <a:pPr marL="514350" indent="-514350">
+              <a:buAutoNum type="arabicPeriod"/>
+            </a:pPr>
+            <a:r>
+              <a:rPr lang="ko-KR" altLang="en-US" dirty="0"/>
+              <a:t>데이터 모델링</a:t>
+            </a:r>
+            <a:endParaRPr lang="en-US" altLang="ko-KR" dirty="0"/>
+          </a:p>
+          <a:p>
+            <a:pPr marL="514350" indent="-514350">
+              <a:buAutoNum type="arabicPeriod"/>
+            </a:pPr>
+            <a:r>
+              <a:rPr lang="en-US" altLang="ko-KR" dirty="0"/>
+              <a:t>MVC </a:t>
+            </a:r>
+            <a:r>
+              <a:rPr lang="ko-KR" altLang="en-US" dirty="0"/>
+              <a:t>모델</a:t>
+            </a:r>
+            <a:endParaRPr lang="en-US" altLang="ko-KR" dirty="0"/>
+          </a:p>
+          <a:p>
+            <a:pPr marL="514350" indent="-514350">
+              <a:buAutoNum type="arabicPeriod"/>
+            </a:pPr>
+            <a:r>
+              <a:rPr lang="ko-KR" altLang="en-US" dirty="0"/>
+              <a:t>프로젝트 소감</a:t>
+            </a:r>
+            <a:endParaRPr lang="en-US" altLang="ko-KR" dirty="0"/>
+          </a:p>
+          <a:p>
+            <a:pPr marL="0" indent="0">
+              <a:buNone/>
+            </a:pPr>
+            <a:endParaRPr lang="ko-KR" altLang="en-US" dirty="0"/>
+          </a:p>
+        </p:txBody>
+      </p:sp>
+      <p:sp>
+        <p:nvSpPr>
+          <p:cNvPr id="5" name="슬라이드 번호 개체 틀 5">
+            <a:extLst>
+              <a:ext uri="{FF2B5EF4-FFF2-40B4-BE49-F238E27FC236}">
+                <a16:creationId xmlns:a16="http://schemas.microsoft.com/office/drawing/2014/main" id="{9F9F3314-1984-4036-A69C-12802AE3630F}"/>
+              </a:ext>
+            </a:extLst>
+          </p:cNvPr>
+          <p:cNvSpPr>
+            <a:spLocks noGrp="1"/>
+          </p:cNvSpPr>
+          <p:nvPr>
+            <p:ph type="sldNum" sz="quarter" idx="12"/>
+          </p:nvPr>
+        </p:nvSpPr>
+        <p:spPr>
+          <a:xfrm>
+            <a:off x="4724400" y="6060450"/>
+            <a:ext cx="2743200" cy="365125"/>
+          </a:xfrm>
+        </p:spPr>
+        <p:txBody>
+          <a:bodyPr/>
+          <a:lstStyle/>
+          <a:p>
+            <a:pPr algn="ctr"/>
+            <a:fld id="{5EB2F036-81AB-4A80-8019-B671CB9C4132}" type="slidenum">
+              <a:rPr lang="ko-KR" altLang="en-US" smtClean="0"/>
+              <a:pPr algn="ctr"/>
+              <a:t>6</a:t>
+            </a:fld>
+            <a:endParaRPr lang="ko-KR" altLang="en-US" dirty="0"/>
+          </a:p>
+        </p:txBody>
+      </p:sp>
+    </p:spTree>
+    <p:extLst>
+      <p:ext uri="{BB962C8B-B14F-4D97-AF65-F5344CB8AC3E}">
+        <p14:creationId xmlns:p14="http://schemas.microsoft.com/office/powerpoint/2010/main" val="3907602215"/>
+      </p:ext>
+    </p:extLst>
+  </p:cSld>
+  <p:clrMapOvr>
+    <a:masterClrMapping/>
+  </p:clrMapOvr>
+</p:sld>
+</file>
+
+<file path=ppt/slides/slide7.xml><?xml version="1.0" encoding="utf-8"?>
+<p:sld xmlns:a="http://schemas.openxmlformats.org/drawingml/2006/main" xmlns:r="http://schemas.openxmlformats.org/officeDocument/2006/relationships" xmlns:p="http://schemas.openxmlformats.org/presentationml/2006/main">
+  <p:cSld>
+    <p:spTree>
+      <p:nvGrpSpPr>
+        <p:cNvPr id="1" name=""/>
+        <p:cNvGrpSpPr/>
+        <p:nvPr/>
+      </p:nvGrpSpPr>
+      <p:grpSpPr>
+        <a:xfrm>
+          <a:off x="0" y="0"/>
+          <a:ext cx="0" cy="0"/>
+          <a:chOff x="0" y="0"/>
+          <a:chExt cx="0" cy="0"/>
+        </a:xfrm>
+      </p:grpSpPr>
+      <p:sp>
+        <p:nvSpPr>
+          <p:cNvPr id="2" name="제목 1">
+            <a:extLst>
+              <a:ext uri="{FF2B5EF4-FFF2-40B4-BE49-F238E27FC236}">
+                <a16:creationId xmlns:a16="http://schemas.microsoft.com/office/drawing/2014/main" id="{59559C2C-0F93-4280-9497-DFD2190A9DB2}"/>
+              </a:ext>
+            </a:extLst>
+          </p:cNvPr>
+          <p:cNvSpPr>
+            <a:spLocks noGrp="1"/>
+          </p:cNvSpPr>
+          <p:nvPr>
+            <p:ph type="title"/>
+          </p:nvPr>
+        </p:nvSpPr>
+        <p:spPr>
+          <a:xfrm>
+            <a:off x="334618" y="139838"/>
+            <a:ext cx="10515600" cy="1325563"/>
+          </a:xfrm>
+        </p:spPr>
+        <p:txBody>
+          <a:bodyPr/>
+          <a:lstStyle/>
+          <a:p>
+            <a:r>
+              <a:rPr lang="en-US" altLang="ko-KR" dirty="0"/>
+              <a:t>1. </a:t>
+            </a:r>
+            <a:r>
+              <a:rPr lang="ko-KR" altLang="en-US" dirty="0"/>
+              <a:t>과제 개요</a:t>
+            </a:r>
+          </a:p>
+        </p:txBody>
+      </p:sp>
+      <p:sp>
+        <p:nvSpPr>
+          <p:cNvPr id="3" name="내용 개체 틀 2">
+            <a:extLst>
+              <a:ext uri="{FF2B5EF4-FFF2-40B4-BE49-F238E27FC236}">
+                <a16:creationId xmlns:a16="http://schemas.microsoft.com/office/drawing/2014/main" id="{15A53F1A-2C85-475C-99CD-78B160059F9E}"/>
+              </a:ext>
+            </a:extLst>
+          </p:cNvPr>
+          <p:cNvSpPr>
+            <a:spLocks noGrp="1"/>
+          </p:cNvSpPr>
+          <p:nvPr>
+            <p:ph idx="1"/>
+          </p:nvPr>
+        </p:nvSpPr>
+        <p:spPr/>
+        <p:txBody>
+          <a:bodyPr/>
+          <a:lstStyle/>
+          <a:p>
+            <a:r>
+              <a:rPr lang="ko-KR" altLang="en-US" dirty="0">
+                <a:latin typeface="나눔바른고딕" panose="020B0603020101020101" pitchFamily="50" charset="-127"/>
+                <a:ea typeface="나눔바른고딕" panose="020B0603020101020101" pitchFamily="50" charset="-127"/>
+              </a:rPr>
+              <a:t>본 프로젝트는 </a:t>
+            </a:r>
+            <a:r>
+              <a:rPr lang="ko-KR" altLang="en-US" dirty="0" err="1">
+                <a:latin typeface="나눔바른고딕" panose="020B0603020101020101" pitchFamily="50" charset="-127"/>
+                <a:ea typeface="나눔바른고딕" panose="020B0603020101020101" pitchFamily="50" charset="-127"/>
+              </a:rPr>
+              <a:t>한국폴리텍대학</a:t>
+            </a:r>
+            <a:r>
+              <a:rPr lang="ko-KR" altLang="en-US" dirty="0">
+                <a:latin typeface="나눔바른고딕" panose="020B0603020101020101" pitchFamily="50" charset="-127"/>
+                <a:ea typeface="나눔바른고딕" panose="020B0603020101020101" pitchFamily="50" charset="-127"/>
+              </a:rPr>
+              <a:t> </a:t>
+            </a:r>
+            <a:r>
+              <a:rPr lang="ko-KR" altLang="en-US" dirty="0" err="1">
+                <a:latin typeface="나눔바른고딕" panose="020B0603020101020101" pitchFamily="50" charset="-127"/>
+                <a:ea typeface="나눔바른고딕" panose="020B0603020101020101" pitchFamily="50" charset="-127"/>
+              </a:rPr>
+              <a:t>광명융합기술교육원</a:t>
+            </a:r>
+            <a:r>
+              <a:rPr lang="ko-KR" altLang="en-US" dirty="0">
+                <a:latin typeface="나눔바른고딕" panose="020B0603020101020101" pitchFamily="50" charset="-127"/>
+                <a:ea typeface="나눔바른고딕" panose="020B0603020101020101" pitchFamily="50" charset="-127"/>
+              </a:rPr>
+              <a:t> 데이터분석과의    프로젝트 과제입니다</a:t>
+            </a:r>
+            <a:r>
+              <a:rPr lang="en-US" altLang="ko-KR" dirty="0">
+                <a:latin typeface="나눔바른고딕" panose="020B0603020101020101" pitchFamily="50" charset="-127"/>
+                <a:ea typeface="나눔바른고딕" panose="020B0603020101020101" pitchFamily="50" charset="-127"/>
+              </a:rPr>
+              <a:t>.</a:t>
+            </a:r>
+          </a:p>
+          <a:p>
+            <a:endParaRPr lang="en-US" altLang="ko-KR" sz="900" dirty="0">
+              <a:latin typeface="나눔바른고딕" panose="020B0603020101020101" pitchFamily="50" charset="-127"/>
+              <a:ea typeface="나눔바른고딕" panose="020B0603020101020101" pitchFamily="50" charset="-127"/>
+            </a:endParaRPr>
+          </a:p>
+          <a:p>
+            <a:r>
+              <a:rPr lang="en-US" altLang="ko-KR" dirty="0">
+                <a:latin typeface="나눔바른고딕" panose="020B0603020101020101" pitchFamily="50" charset="-127"/>
+                <a:ea typeface="나눔바른고딕" panose="020B0603020101020101" pitchFamily="50" charset="-127"/>
+              </a:rPr>
+              <a:t>‘</a:t>
+            </a:r>
+            <a:r>
+              <a:rPr lang="ko-KR" altLang="en-US" dirty="0" err="1">
+                <a:latin typeface="나눔바른고딕" panose="020B0603020101020101" pitchFamily="50" charset="-127"/>
+                <a:ea typeface="나눔바른고딕" panose="020B0603020101020101" pitchFamily="50" charset="-127"/>
+              </a:rPr>
+              <a:t>캐슬은행</a:t>
+            </a:r>
+            <a:r>
+              <a:rPr lang="en-US" altLang="ko-KR" dirty="0">
+                <a:latin typeface="나눔바른고딕" panose="020B0603020101020101" pitchFamily="50" charset="-127"/>
+                <a:ea typeface="나눔바른고딕" panose="020B0603020101020101" pitchFamily="50" charset="-127"/>
+              </a:rPr>
+              <a:t>’</a:t>
+            </a:r>
+            <a:r>
+              <a:rPr lang="ko-KR" altLang="en-US" dirty="0">
+                <a:latin typeface="나눔바른고딕" panose="020B0603020101020101" pitchFamily="50" charset="-127"/>
+                <a:ea typeface="나눔바른고딕" panose="020B0603020101020101" pitchFamily="50" charset="-127"/>
+              </a:rPr>
+              <a:t>이라는 은행의 통합계좌 관리시스템에서 </a:t>
+            </a:r>
+            <a:r>
+              <a:rPr lang="ko-KR" altLang="en-US" dirty="0" err="1">
+                <a:latin typeface="나눔바른고딕" panose="020B0603020101020101" pitchFamily="50" charset="-127"/>
+                <a:ea typeface="나눔바른고딕" panose="020B0603020101020101" pitchFamily="50" charset="-127"/>
+              </a:rPr>
+              <a:t>비대면식의</a:t>
+            </a:r>
+            <a:r>
+              <a:rPr lang="ko-KR" altLang="en-US" dirty="0">
+                <a:latin typeface="나눔바른고딕" panose="020B0603020101020101" pitchFamily="50" charset="-127"/>
+                <a:ea typeface="나눔바른고딕" panose="020B0603020101020101" pitchFamily="50" charset="-127"/>
+              </a:rPr>
+              <a:t> 은행 업무를 진행할 수 있도록 </a:t>
+            </a:r>
+            <a:r>
+              <a:rPr lang="en-US" altLang="ko-KR" dirty="0">
+                <a:latin typeface="나눔바른고딕" panose="020B0603020101020101" pitchFamily="50" charset="-127"/>
+                <a:ea typeface="나눔바른고딕" panose="020B0603020101020101" pitchFamily="50" charset="-127"/>
+              </a:rPr>
+              <a:t> </a:t>
+            </a:r>
+            <a:r>
+              <a:rPr lang="ko-KR" altLang="en-US" dirty="0">
+                <a:latin typeface="나눔바른고딕" panose="020B0603020101020101" pitchFamily="50" charset="-127"/>
+                <a:ea typeface="나눔바른고딕" panose="020B0603020101020101" pitchFamily="50" charset="-127"/>
+              </a:rPr>
+              <a:t>구현하였습니다</a:t>
+            </a:r>
+            <a:r>
+              <a:rPr lang="en-US" altLang="ko-KR" dirty="0">
+                <a:latin typeface="나눔바른고딕" panose="020B0603020101020101" pitchFamily="50" charset="-127"/>
+                <a:ea typeface="나눔바른고딕" panose="020B0603020101020101" pitchFamily="50" charset="-127"/>
+              </a:rPr>
+              <a:t>.</a:t>
+            </a:r>
+          </a:p>
+          <a:p>
+            <a:endParaRPr lang="en-US" altLang="ko-KR" sz="900" dirty="0">
+              <a:latin typeface="나눔바른고딕" panose="020B0603020101020101" pitchFamily="50" charset="-127"/>
+              <a:ea typeface="나눔바른고딕" panose="020B0603020101020101" pitchFamily="50" charset="-127"/>
+            </a:endParaRPr>
+          </a:p>
+          <a:p>
+            <a:r>
+              <a:rPr lang="ko-KR" altLang="en-US" dirty="0">
+                <a:latin typeface="나눔바른고딕" panose="020B0603020101020101" pitchFamily="50" charset="-127"/>
+                <a:ea typeface="나눔바른고딕" panose="020B0603020101020101" pitchFamily="50" charset="-127"/>
+              </a:rPr>
+              <a:t>수행가능한 비즈니스</a:t>
+            </a:r>
+            <a:endParaRPr lang="en-US" altLang="ko-KR" dirty="0">
+              <a:latin typeface="나눔바른고딕" panose="020B0603020101020101" pitchFamily="50" charset="-127"/>
+              <a:ea typeface="나눔바른고딕" panose="020B0603020101020101" pitchFamily="50" charset="-127"/>
+            </a:endParaRPr>
+          </a:p>
+          <a:p>
+            <a:pPr lvl="1">
+              <a:buFont typeface="Wingdings" panose="05000000000000000000" pitchFamily="2" charset="2"/>
+              <a:buChar char="§"/>
+            </a:pPr>
+            <a:r>
+              <a:rPr lang="ko-KR" altLang="en-US" dirty="0">
+                <a:latin typeface="나눔바른고딕" panose="020B0603020101020101" pitchFamily="50" charset="-127"/>
+                <a:ea typeface="나눔바른고딕" panose="020B0603020101020101" pitchFamily="50" charset="-127"/>
+              </a:rPr>
+              <a:t>계좌</a:t>
+            </a:r>
+            <a:r>
+              <a:rPr lang="en-US" altLang="ko-KR" dirty="0">
+                <a:latin typeface="나눔바른고딕" panose="020B0603020101020101" pitchFamily="50" charset="-127"/>
+                <a:ea typeface="나눔바른고딕" panose="020B0603020101020101" pitchFamily="50" charset="-127"/>
+              </a:rPr>
+              <a:t>: </a:t>
+            </a:r>
+            <a:r>
+              <a:rPr lang="ko-KR" altLang="en-US" dirty="0">
+                <a:latin typeface="나눔바른고딕" panose="020B0603020101020101" pitchFamily="50" charset="-127"/>
+                <a:ea typeface="나눔바른고딕" panose="020B0603020101020101" pitchFamily="50" charset="-127"/>
+              </a:rPr>
+              <a:t>조회</a:t>
+            </a:r>
+            <a:r>
+              <a:rPr lang="en-US" altLang="ko-KR" dirty="0">
+                <a:latin typeface="나눔바른고딕" panose="020B0603020101020101" pitchFamily="50" charset="-127"/>
+                <a:ea typeface="나눔바른고딕" panose="020B0603020101020101" pitchFamily="50" charset="-127"/>
+              </a:rPr>
+              <a:t>/</a:t>
+            </a:r>
+            <a:r>
+              <a:rPr lang="ko-KR" altLang="en-US" dirty="0">
+                <a:latin typeface="나눔바른고딕" panose="020B0603020101020101" pitchFamily="50" charset="-127"/>
+                <a:ea typeface="나눔바른고딕" panose="020B0603020101020101" pitchFamily="50" charset="-127"/>
+              </a:rPr>
+              <a:t>등록</a:t>
+            </a:r>
+            <a:r>
+              <a:rPr lang="en-US" altLang="ko-KR" dirty="0">
+                <a:latin typeface="나눔바른고딕" panose="020B0603020101020101" pitchFamily="50" charset="-127"/>
+                <a:ea typeface="나눔바른고딕" panose="020B0603020101020101" pitchFamily="50" charset="-127"/>
+              </a:rPr>
+              <a:t>/</a:t>
+            </a:r>
+            <a:r>
+              <a:rPr lang="ko-KR" altLang="en-US" dirty="0">
+                <a:latin typeface="나눔바른고딕" panose="020B0603020101020101" pitchFamily="50" charset="-127"/>
+                <a:ea typeface="나눔바른고딕" panose="020B0603020101020101" pitchFamily="50" charset="-127"/>
+              </a:rPr>
+              <a:t>생성</a:t>
+            </a:r>
+            <a:r>
+              <a:rPr lang="en-US" altLang="ko-KR" dirty="0">
+                <a:latin typeface="나눔바른고딕" panose="020B0603020101020101" pitchFamily="50" charset="-127"/>
+                <a:ea typeface="나눔바른고딕" panose="020B0603020101020101" pitchFamily="50" charset="-127"/>
+              </a:rPr>
+              <a:t>/</a:t>
+            </a:r>
+            <a:r>
+              <a:rPr lang="ko-KR" altLang="en-US" dirty="0">
+                <a:latin typeface="나눔바른고딕" panose="020B0603020101020101" pitchFamily="50" charset="-127"/>
+                <a:ea typeface="나눔바른고딕" panose="020B0603020101020101" pitchFamily="50" charset="-127"/>
+              </a:rPr>
+              <a:t>수정</a:t>
+            </a:r>
+            <a:r>
+              <a:rPr lang="en-US" altLang="ko-KR" dirty="0">
+                <a:latin typeface="나눔바른고딕" panose="020B0603020101020101" pitchFamily="50" charset="-127"/>
+                <a:ea typeface="나눔바른고딕" panose="020B0603020101020101" pitchFamily="50" charset="-127"/>
+              </a:rPr>
+              <a:t>/</a:t>
+            </a:r>
+            <a:r>
+              <a:rPr lang="ko-KR" altLang="en-US" dirty="0">
+                <a:latin typeface="나눔바른고딕" panose="020B0603020101020101" pitchFamily="50" charset="-127"/>
+                <a:ea typeface="나눔바른고딕" panose="020B0603020101020101" pitchFamily="50" charset="-127"/>
+              </a:rPr>
+              <a:t>삭제</a:t>
+            </a:r>
+            <a:endParaRPr lang="en-US" altLang="ko-KR" dirty="0">
+              <a:latin typeface="나눔바른고딕" panose="020B0603020101020101" pitchFamily="50" charset="-127"/>
+              <a:ea typeface="나눔바른고딕" panose="020B0603020101020101" pitchFamily="50" charset="-127"/>
+            </a:endParaRPr>
+          </a:p>
+          <a:p>
+            <a:pPr lvl="1">
+              <a:buFont typeface="Wingdings" panose="05000000000000000000" pitchFamily="2" charset="2"/>
+              <a:buChar char="§"/>
+            </a:pPr>
+            <a:r>
+              <a:rPr lang="ko-KR" altLang="en-US" dirty="0">
+                <a:latin typeface="나눔바른고딕" panose="020B0603020101020101" pitchFamily="50" charset="-127"/>
+                <a:ea typeface="나눔바른고딕" panose="020B0603020101020101" pitchFamily="50" charset="-127"/>
+              </a:rPr>
+              <a:t>예금</a:t>
+            </a:r>
+            <a:r>
+              <a:rPr lang="en-US" altLang="ko-KR" dirty="0">
+                <a:latin typeface="나눔바른고딕" panose="020B0603020101020101" pitchFamily="50" charset="-127"/>
+                <a:ea typeface="나눔바른고딕" panose="020B0603020101020101" pitchFamily="50" charset="-127"/>
+              </a:rPr>
+              <a:t>: </a:t>
+            </a:r>
+            <a:r>
+              <a:rPr lang="ko-KR" altLang="en-US" dirty="0">
+                <a:latin typeface="나눔바른고딕" panose="020B0603020101020101" pitchFamily="50" charset="-127"/>
+                <a:ea typeface="나눔바른고딕" panose="020B0603020101020101" pitchFamily="50" charset="-127"/>
+              </a:rPr>
+              <a:t>출금</a:t>
+            </a:r>
+            <a:r>
+              <a:rPr lang="en-US" altLang="ko-KR" dirty="0">
+                <a:latin typeface="나눔바른고딕" panose="020B0603020101020101" pitchFamily="50" charset="-127"/>
+                <a:ea typeface="나눔바른고딕" panose="020B0603020101020101" pitchFamily="50" charset="-127"/>
+              </a:rPr>
+              <a:t>/</a:t>
+            </a:r>
+            <a:r>
+              <a:rPr lang="ko-KR" altLang="en-US" dirty="0">
+                <a:latin typeface="나눔바른고딕" panose="020B0603020101020101" pitchFamily="50" charset="-127"/>
+                <a:ea typeface="나눔바른고딕" panose="020B0603020101020101" pitchFamily="50" charset="-127"/>
+              </a:rPr>
+              <a:t>입금</a:t>
+            </a:r>
+            <a:r>
+              <a:rPr lang="en-US" altLang="ko-KR" dirty="0">
+                <a:latin typeface="나눔바른고딕" panose="020B0603020101020101" pitchFamily="50" charset="-127"/>
+                <a:ea typeface="나눔바른고딕" panose="020B0603020101020101" pitchFamily="50" charset="-127"/>
+              </a:rPr>
+              <a:t>/</a:t>
+            </a:r>
+            <a:r>
+              <a:rPr lang="ko-KR" altLang="en-US" dirty="0">
+                <a:latin typeface="나눔바른고딕" panose="020B0603020101020101" pitchFamily="50" charset="-127"/>
+                <a:ea typeface="나눔바른고딕" panose="020B0603020101020101" pitchFamily="50" charset="-127"/>
+              </a:rPr>
+              <a:t>이체</a:t>
+            </a:r>
+            <a:endParaRPr lang="en-US" altLang="ko-KR" dirty="0">
+              <a:latin typeface="나눔바른고딕" panose="020B0603020101020101" pitchFamily="50" charset="-127"/>
+              <a:ea typeface="나눔바른고딕" panose="020B0603020101020101" pitchFamily="50" charset="-127"/>
+            </a:endParaRPr>
+          </a:p>
+          <a:p>
+            <a:pPr lvl="1">
+              <a:buFont typeface="Wingdings" panose="05000000000000000000" pitchFamily="2" charset="2"/>
+              <a:buChar char="§"/>
+            </a:pPr>
+            <a:r>
+              <a:rPr lang="ko-KR" altLang="en-US" dirty="0">
+                <a:latin typeface="나눔바른고딕" panose="020B0603020101020101" pitchFamily="50" charset="-127"/>
+                <a:ea typeface="나눔바른고딕" panose="020B0603020101020101" pitchFamily="50" charset="-127"/>
+              </a:rPr>
+              <a:t>기타</a:t>
+            </a:r>
+            <a:r>
+              <a:rPr lang="en-US" altLang="ko-KR" dirty="0">
+                <a:latin typeface="나눔바른고딕" panose="020B0603020101020101" pitchFamily="50" charset="-127"/>
+                <a:ea typeface="나눔바른고딕" panose="020B0603020101020101" pitchFamily="50" charset="-127"/>
+              </a:rPr>
+              <a:t>:</a:t>
+            </a:r>
+            <a:r>
+              <a:rPr lang="ko-KR" altLang="en-US" dirty="0">
+                <a:latin typeface="나눔바른고딕" panose="020B0603020101020101" pitchFamily="50" charset="-127"/>
+                <a:ea typeface="나눔바른고딕" panose="020B0603020101020101" pitchFamily="50" charset="-127"/>
+              </a:rPr>
+              <a:t> </a:t>
+            </a:r>
+            <a:r>
+              <a:rPr lang="en-US" altLang="ko-KR" dirty="0" err="1">
+                <a:latin typeface="나눔바른고딕" panose="020B0603020101020101" pitchFamily="50" charset="-127"/>
+                <a:ea typeface="나눔바른고딕" panose="020B0603020101020101" pitchFamily="50" charset="-127"/>
+              </a:rPr>
+              <a:t>QnA</a:t>
+            </a:r>
+            <a:r>
+              <a:rPr lang="en-US" altLang="ko-KR" dirty="0">
+                <a:latin typeface="나눔바른고딕" panose="020B0603020101020101" pitchFamily="50" charset="-127"/>
+                <a:ea typeface="나눔바른고딕" panose="020B0603020101020101" pitchFamily="50" charset="-127"/>
+              </a:rPr>
+              <a:t> </a:t>
+            </a:r>
+            <a:r>
+              <a:rPr lang="ko-KR" altLang="en-US" dirty="0">
+                <a:latin typeface="나눔바른고딕" panose="020B0603020101020101" pitchFamily="50" charset="-127"/>
+                <a:ea typeface="나눔바른고딕" panose="020B0603020101020101" pitchFamily="50" charset="-127"/>
+              </a:rPr>
+              <a:t>게시판 조회</a:t>
+            </a:r>
+            <a:r>
+              <a:rPr lang="en-US" altLang="ko-KR" dirty="0">
+                <a:latin typeface="나눔바른고딕" panose="020B0603020101020101" pitchFamily="50" charset="-127"/>
+                <a:ea typeface="나눔바른고딕" panose="020B0603020101020101" pitchFamily="50" charset="-127"/>
+              </a:rPr>
+              <a:t>/</a:t>
+            </a:r>
+            <a:r>
+              <a:rPr lang="ko-KR" altLang="en-US" dirty="0">
+                <a:latin typeface="나눔바른고딕" panose="020B0603020101020101" pitchFamily="50" charset="-127"/>
+                <a:ea typeface="나눔바른고딕" panose="020B0603020101020101" pitchFamily="50" charset="-127"/>
+              </a:rPr>
+              <a:t>수정</a:t>
+            </a:r>
+            <a:r>
+              <a:rPr lang="en-US" altLang="ko-KR" dirty="0">
+                <a:latin typeface="나눔바른고딕" panose="020B0603020101020101" pitchFamily="50" charset="-127"/>
+                <a:ea typeface="나눔바른고딕" panose="020B0603020101020101" pitchFamily="50" charset="-127"/>
+              </a:rPr>
+              <a:t>/</a:t>
+            </a:r>
+            <a:r>
+              <a:rPr lang="ko-KR" altLang="en-US" dirty="0">
+                <a:latin typeface="나눔바른고딕" panose="020B0603020101020101" pitchFamily="50" charset="-127"/>
+                <a:ea typeface="나눔바른고딕" panose="020B0603020101020101" pitchFamily="50" charset="-127"/>
+              </a:rPr>
+              <a:t>삭제</a:t>
+            </a:r>
+            <a:r>
+              <a:rPr lang="en-US" altLang="ko-KR" dirty="0">
+                <a:latin typeface="나눔바른고딕" panose="020B0603020101020101" pitchFamily="50" charset="-127"/>
+                <a:ea typeface="나눔바른고딕" panose="020B0603020101020101" pitchFamily="50" charset="-127"/>
+              </a:rPr>
+              <a:t>, </a:t>
+            </a:r>
+            <a:r>
+              <a:rPr lang="ko-KR" altLang="en-US" dirty="0">
+                <a:latin typeface="나눔바른고딕" panose="020B0603020101020101" pitchFamily="50" charset="-127"/>
+                <a:ea typeface="나눔바른고딕" panose="020B0603020101020101" pitchFamily="50" charset="-127"/>
+              </a:rPr>
+              <a:t>회원정보 조회</a:t>
+            </a:r>
+            <a:r>
+              <a:rPr lang="en-US" altLang="ko-KR" dirty="0">
+                <a:latin typeface="나눔바른고딕" panose="020B0603020101020101" pitchFamily="50" charset="-127"/>
+                <a:ea typeface="나눔바른고딕" panose="020B0603020101020101" pitchFamily="50" charset="-127"/>
+              </a:rPr>
+              <a:t>/</a:t>
+            </a:r>
+            <a:r>
+              <a:rPr lang="ko-KR" altLang="en-US" dirty="0">
+                <a:latin typeface="나눔바른고딕" panose="020B0603020101020101" pitchFamily="50" charset="-127"/>
+                <a:ea typeface="나눔바른고딕" panose="020B0603020101020101" pitchFamily="50" charset="-127"/>
+              </a:rPr>
+              <a:t>수정</a:t>
+            </a:r>
+            <a:r>
+              <a:rPr lang="en-US" altLang="ko-KR" dirty="0">
+                <a:latin typeface="나눔바른고딕" panose="020B0603020101020101" pitchFamily="50" charset="-127"/>
+                <a:ea typeface="나눔바른고딕" panose="020B0603020101020101" pitchFamily="50" charset="-127"/>
+              </a:rPr>
+              <a:t>/</a:t>
+            </a:r>
+            <a:r>
+              <a:rPr lang="ko-KR" altLang="en-US" dirty="0">
+                <a:latin typeface="나눔바른고딕" panose="020B0603020101020101" pitchFamily="50" charset="-127"/>
+                <a:ea typeface="나눔바른고딕" panose="020B0603020101020101" pitchFamily="50" charset="-127"/>
+              </a:rPr>
+              <a:t>삭제</a:t>
+            </a:r>
+            <a:r>
+              <a:rPr lang="en-US" altLang="ko-KR" dirty="0">
+                <a:latin typeface="나눔바른고딕" panose="020B0603020101020101" pitchFamily="50" charset="-127"/>
+                <a:ea typeface="나눔바른고딕" panose="020B0603020101020101" pitchFamily="50" charset="-127"/>
+              </a:rPr>
+              <a:t>, </a:t>
+            </a:r>
+            <a:r>
+              <a:rPr lang="ko-KR" altLang="en-US" dirty="0">
+                <a:latin typeface="나눔바른고딕" panose="020B0603020101020101" pitchFamily="50" charset="-127"/>
+                <a:ea typeface="나눔바른고딕" panose="020B0603020101020101" pitchFamily="50" charset="-127"/>
+              </a:rPr>
+              <a:t>회사정보 조회</a:t>
+            </a:r>
+          </a:p>
+        </p:txBody>
+      </p:sp>
+      <p:sp>
+        <p:nvSpPr>
+          <p:cNvPr id="5" name="슬라이드 번호 개체 틀 5">
+            <a:extLst>
+              <a:ext uri="{FF2B5EF4-FFF2-40B4-BE49-F238E27FC236}">
+                <a16:creationId xmlns:a16="http://schemas.microsoft.com/office/drawing/2014/main" id="{6535862B-292D-4E6C-A453-5C1A22DDEB12}"/>
+              </a:ext>
+            </a:extLst>
+          </p:cNvPr>
+          <p:cNvSpPr>
+            <a:spLocks noGrp="1"/>
+          </p:cNvSpPr>
+          <p:nvPr>
+            <p:ph type="sldNum" sz="quarter" idx="12"/>
+          </p:nvPr>
+        </p:nvSpPr>
+        <p:spPr>
+          <a:xfrm>
+            <a:off x="4724400" y="6060450"/>
+            <a:ext cx="2743200" cy="365125"/>
+          </a:xfrm>
+        </p:spPr>
+        <p:txBody>
+          <a:bodyPr/>
+          <a:lstStyle/>
+          <a:p>
+            <a:pPr algn="ctr"/>
+            <a:fld id="{5EB2F036-81AB-4A80-8019-B671CB9C4132}" type="slidenum">
+              <a:rPr lang="ko-KR" altLang="en-US" smtClean="0"/>
+              <a:pPr algn="ctr"/>
+              <a:t>7</a:t>
+            </a:fld>
+            <a:endParaRPr lang="ko-KR" altLang="en-US" dirty="0"/>
+          </a:p>
+        </p:txBody>
+      </p:sp>
+    </p:spTree>
+    <p:extLst>
+      <p:ext uri="{BB962C8B-B14F-4D97-AF65-F5344CB8AC3E}">
+        <p14:creationId xmlns:p14="http://schemas.microsoft.com/office/powerpoint/2010/main" val="3078010724"/>
+      </p:ext>
+    </p:extLst>
+  </p:cSld>
+  <p:clrMapOvr>
+    <a:masterClrMapping/>
+  </p:clrMapOvr>
+</p:sld>
+</file>
+
+<file path=ppt/slides/slide8.xml><?xml version="1.0" encoding="utf-8"?>
+<p:sld xmlns:a="http://schemas.openxmlformats.org/drawingml/2006/main" xmlns:r="http://schemas.openxmlformats.org/officeDocument/2006/relationships" xmlns:p="http://schemas.openxmlformats.org/presentationml/2006/main">
+  <p:cSld>
+    <p:spTree>
+      <p:nvGrpSpPr>
+        <p:cNvPr id="1" name=""/>
+        <p:cNvGrpSpPr/>
+        <p:nvPr/>
+      </p:nvGrpSpPr>
+      <p:grpSpPr>
+        <a:xfrm>
+          <a:off x="0" y="0"/>
+          <a:ext cx="0" cy="0"/>
+          <a:chOff x="0" y="0"/>
+          <a:chExt cx="0" cy="0"/>
+        </a:xfrm>
+      </p:grpSpPr>
+      <p:sp>
+        <p:nvSpPr>
+          <p:cNvPr id="3" name="내용 개체 틀 2">
+            <a:extLst>
+              <a:ext uri="{FF2B5EF4-FFF2-40B4-BE49-F238E27FC236}">
+                <a16:creationId xmlns:a16="http://schemas.microsoft.com/office/drawing/2014/main" id="{9CFB3BEC-B8AD-4F95-B444-803331519D31}"/>
+              </a:ext>
+            </a:extLst>
+          </p:cNvPr>
+          <p:cNvSpPr>
+            <a:spLocks noGrp="1"/>
+          </p:cNvSpPr>
+          <p:nvPr>
+            <p:ph idx="1"/>
+          </p:nvPr>
+        </p:nvSpPr>
+        <p:spPr/>
+        <p:txBody>
+          <a:bodyPr/>
+          <a:lstStyle/>
+          <a:p>
+            <a:r>
+              <a:rPr lang="en-US" altLang="ko-KR" dirty="0"/>
+              <a:t>OS: Windows 10</a:t>
+            </a:r>
+          </a:p>
+          <a:p>
+            <a:r>
+              <a:rPr lang="en-US" altLang="ko-KR" dirty="0"/>
+              <a:t>Language: Java, HTML/CSS/JavaScript, SQL</a:t>
+            </a:r>
+          </a:p>
+          <a:p>
+            <a:r>
+              <a:rPr lang="en-US" altLang="ko-KR" dirty="0"/>
+              <a:t>DBMS: Oracle12</a:t>
+            </a:r>
+          </a:p>
+          <a:p>
+            <a:r>
+              <a:rPr lang="en-US" altLang="ko-KR" dirty="0"/>
+              <a:t>Server: Tomcat9</a:t>
+            </a:r>
+          </a:p>
+          <a:p>
+            <a:endParaRPr lang="en-US" altLang="ko-KR" dirty="0"/>
+          </a:p>
+          <a:p>
+            <a:endParaRPr lang="en-US" altLang="ko-KR" dirty="0"/>
+          </a:p>
+          <a:p>
+            <a:endParaRPr lang="ko-KR" altLang="en-US" dirty="0"/>
+          </a:p>
+        </p:txBody>
+      </p:sp>
+      <p:sp>
+        <p:nvSpPr>
+          <p:cNvPr id="4" name="제목 1">
+            <a:extLst>
+              <a:ext uri="{FF2B5EF4-FFF2-40B4-BE49-F238E27FC236}">
+                <a16:creationId xmlns:a16="http://schemas.microsoft.com/office/drawing/2014/main" id="{DD0AA953-D300-4970-8B9F-198BC4B2C74C}"/>
+              </a:ext>
+            </a:extLst>
+          </p:cNvPr>
+          <p:cNvSpPr txBox="1">
+            <a:spLocks/>
+          </p:cNvSpPr>
+          <p:nvPr/>
+        </p:nvSpPr>
+        <p:spPr>
+          <a:xfrm>
+            <a:off x="334618" y="139838"/>
+            <a:ext cx="10515600" cy="1325563"/>
+          </a:xfrm>
+          <a:prstGeom prst="rect">
+            <a:avLst/>
+          </a:prstGeom>
+        </p:spPr>
+        <p:txBody>
+          <a:bodyPr vert="horz" lIns="91440" tIns="45720" rIns="91440" bIns="45720" rtlCol="0" anchor="ctr">
+            <a:normAutofit/>
+          </a:bodyPr>
+          <a:lstStyle>
+            <a:lvl1pPr algn="l" defTabSz="914400" rtl="0" eaLnBrk="1" latinLnBrk="1" hangingPunct="1">
+              <a:lnSpc>
+                <a:spcPct val="90000"/>
+              </a:lnSpc>
+              <a:spcBef>
+                <a:spcPct val="0"/>
+              </a:spcBef>
+              <a:buNone/>
+              <a:defRPr sz="4400" kern="1200">
+                <a:solidFill>
+                  <a:schemeClr val="tx1"/>
+                </a:solidFill>
+                <a:latin typeface="+mj-lt"/>
+                <a:ea typeface="+mj-ea"/>
+                <a:cs typeface="+mj-cs"/>
+              </a:defRPr>
+            </a:lvl1pPr>
+          </a:lstStyle>
+          <a:p>
+            <a:r>
+              <a:rPr lang="en-US" altLang="ko-KR" dirty="0"/>
+              <a:t>2. </a:t>
+            </a:r>
+            <a:r>
+              <a:rPr lang="ko-KR" altLang="en-US" dirty="0"/>
+              <a:t>개발 환경</a:t>
+            </a:r>
+          </a:p>
+        </p:txBody>
+      </p:sp>
+      <p:sp>
+        <p:nvSpPr>
+          <p:cNvPr id="5" name="슬라이드 번호 개체 틀 5">
+            <a:extLst>
+              <a:ext uri="{FF2B5EF4-FFF2-40B4-BE49-F238E27FC236}">
+                <a16:creationId xmlns:a16="http://schemas.microsoft.com/office/drawing/2014/main" id="{7126BD21-B0F2-4A0C-ABC8-509F9D25BC01}"/>
+              </a:ext>
+            </a:extLst>
+          </p:cNvPr>
+          <p:cNvSpPr>
+            <a:spLocks noGrp="1"/>
+          </p:cNvSpPr>
+          <p:nvPr>
+            <p:ph type="sldNum" sz="quarter" idx="12"/>
+          </p:nvPr>
+        </p:nvSpPr>
+        <p:spPr>
+          <a:xfrm>
+            <a:off x="4724400" y="6060450"/>
+            <a:ext cx="2743200" cy="365125"/>
+          </a:xfrm>
+        </p:spPr>
+        <p:txBody>
+          <a:bodyPr/>
+          <a:lstStyle/>
+          <a:p>
+            <a:pPr algn="ctr"/>
+            <a:fld id="{5EB2F036-81AB-4A80-8019-B671CB9C4132}" type="slidenum">
+              <a:rPr lang="ko-KR" altLang="en-US" smtClean="0"/>
+              <a:pPr algn="ctr"/>
+              <a:t>8</a:t>
+            </a:fld>
+            <a:endParaRPr lang="ko-KR" altLang="en-US" dirty="0"/>
+          </a:p>
+        </p:txBody>
+      </p:sp>
+    </p:spTree>
+    <p:extLst>
+      <p:ext uri="{BB962C8B-B14F-4D97-AF65-F5344CB8AC3E}">
+        <p14:creationId xmlns:p14="http://schemas.microsoft.com/office/powerpoint/2010/main" val="4814066"/>
+      </p:ext>
+    </p:extLst>
+  </p:cSld>
+  <p:clrMapOvr>
+    <a:masterClrMapping/>
+  </p:clrMapOvr>
+</p:sld>
+</file>
+
+<file path=ppt/slides/slide9.xml><?xml version="1.0" encoding="utf-8"?>
+<p:sld xmlns:a="http://schemas.openxmlformats.org/drawingml/2006/main" xmlns:r="http://schemas.openxmlformats.org/officeDocument/2006/relationships" xmlns:p="http://schemas.openxmlformats.org/presentationml/2006/main">
+  <p:cSld>
+    <p:spTree>
+      <p:nvGrpSpPr>
+        <p:cNvPr id="1" name=""/>
+        <p:cNvGrpSpPr/>
+        <p:nvPr/>
+      </p:nvGrpSpPr>
+      <p:grpSpPr>
+        <a:xfrm>
+          <a:off x="0" y="0"/>
+          <a:ext cx="0" cy="0"/>
+          <a:chOff x="0" y="0"/>
+          <a:chExt cx="0" cy="0"/>
+        </a:xfrm>
+      </p:grpSpPr>
+      <p:sp>
+        <p:nvSpPr>
+          <p:cNvPr id="3" name="내용 개체 틀 2">
+            <a:extLst>
+              <a:ext uri="{FF2B5EF4-FFF2-40B4-BE49-F238E27FC236}">
+                <a16:creationId xmlns:a16="http://schemas.microsoft.com/office/drawing/2014/main" id="{3A22BD1D-3386-4289-9B1F-C6CB4B3BB01D}"/>
+              </a:ext>
+            </a:extLst>
+          </p:cNvPr>
+          <p:cNvSpPr>
+            <a:spLocks noGrp="1"/>
+          </p:cNvSpPr>
+          <p:nvPr>
+            <p:ph idx="1"/>
+          </p:nvPr>
+        </p:nvSpPr>
+        <p:spPr>
+          <a:xfrm>
+            <a:off x="737152" y="1197059"/>
+            <a:ext cx="11120230" cy="4351338"/>
+          </a:xfrm>
+        </p:spPr>
+        <p:txBody>
+          <a:bodyPr>
+            <a:noAutofit/>
+          </a:bodyPr>
+          <a:lstStyle/>
+          <a:p>
+            <a:pPr marL="0" indent="0">
+              <a:buNone/>
+            </a:pPr>
+            <a:r>
+              <a:rPr lang="en-US" altLang="ko-KR" sz="1600" dirty="0">
+                <a:latin typeface="나눔바른고딕" panose="020B0603020101020101" pitchFamily="50" charset="-127"/>
+                <a:ea typeface="나눔바른고딕" panose="020B0603020101020101" pitchFamily="50" charset="-127"/>
+              </a:rPr>
+              <a:t>1. </a:t>
+            </a:r>
+            <a:r>
+              <a:rPr lang="ko-KR" altLang="ko-KR" sz="1600" dirty="0">
+                <a:latin typeface="나눔바른고딕" panose="020B0603020101020101" pitchFamily="50" charset="-127"/>
+                <a:ea typeface="나눔바른고딕" panose="020B0603020101020101" pitchFamily="50" charset="-127"/>
+              </a:rPr>
+              <a:t>사용자는 로그인 후 통합계좌 관리시스템의 서비스를 사용할 수 있다</a:t>
+            </a:r>
+            <a:r>
+              <a:rPr lang="en-US" altLang="ko-KR" sz="1600" dirty="0">
+                <a:latin typeface="나눔바른고딕" panose="020B0603020101020101" pitchFamily="50" charset="-127"/>
+                <a:ea typeface="나눔바른고딕" panose="020B0603020101020101" pitchFamily="50" charset="-127"/>
+              </a:rPr>
+              <a:t>. </a:t>
+            </a:r>
+            <a:endParaRPr lang="ko-KR" altLang="ko-KR" sz="1600" dirty="0">
+              <a:latin typeface="나눔바른고딕" panose="020B0603020101020101" pitchFamily="50" charset="-127"/>
+              <a:ea typeface="나눔바른고딕" panose="020B0603020101020101" pitchFamily="50" charset="-127"/>
+            </a:endParaRPr>
+          </a:p>
+          <a:p>
+            <a:pPr marL="0" indent="0">
+              <a:buNone/>
+            </a:pPr>
+            <a:r>
+              <a:rPr lang="en-US" altLang="ko-KR" sz="1600" dirty="0">
+                <a:latin typeface="나눔바른고딕" panose="020B0603020101020101" pitchFamily="50" charset="-127"/>
+                <a:ea typeface="나눔바른고딕" panose="020B0603020101020101" pitchFamily="50" charset="-127"/>
+              </a:rPr>
+              <a:t>2. </a:t>
+            </a:r>
+            <a:r>
+              <a:rPr lang="ko-KR" altLang="ko-KR" sz="1600" dirty="0">
+                <a:latin typeface="나눔바른고딕" panose="020B0603020101020101" pitchFamily="50" charset="-127"/>
+                <a:ea typeface="나눔바른고딕" panose="020B0603020101020101" pitchFamily="50" charset="-127"/>
+              </a:rPr>
+              <a:t>계좌 정보는 </a:t>
+            </a:r>
+            <a:r>
+              <a:rPr lang="ko-KR" altLang="ko-KR" sz="1600" dirty="0" err="1">
+                <a:latin typeface="나눔바른고딕" panose="020B0603020101020101" pitchFamily="50" charset="-127"/>
+                <a:ea typeface="나눔바른고딕" panose="020B0603020101020101" pitchFamily="50" charset="-127"/>
+              </a:rPr>
+              <a:t>은행명</a:t>
+            </a:r>
+            <a:r>
+              <a:rPr lang="en-US" altLang="ko-KR" sz="1600" dirty="0">
+                <a:latin typeface="나눔바른고딕" panose="020B0603020101020101" pitchFamily="50" charset="-127"/>
+                <a:ea typeface="나눔바른고딕" panose="020B0603020101020101" pitchFamily="50" charset="-127"/>
+              </a:rPr>
+              <a:t>, </a:t>
+            </a:r>
+            <a:r>
+              <a:rPr lang="ko-KR" altLang="ko-KR" sz="1600" dirty="0">
+                <a:latin typeface="나눔바른고딕" panose="020B0603020101020101" pitchFamily="50" charset="-127"/>
+                <a:ea typeface="나눔바른고딕" panose="020B0603020101020101" pitchFamily="50" charset="-127"/>
+              </a:rPr>
+              <a:t>계좌번호</a:t>
+            </a:r>
+            <a:r>
+              <a:rPr lang="en-US" altLang="ko-KR" sz="1600" dirty="0">
+                <a:latin typeface="나눔바른고딕" panose="020B0603020101020101" pitchFamily="50" charset="-127"/>
+                <a:ea typeface="나눔바른고딕" panose="020B0603020101020101" pitchFamily="50" charset="-127"/>
+              </a:rPr>
+              <a:t>, </a:t>
+            </a:r>
+            <a:r>
+              <a:rPr lang="ko-KR" altLang="ko-KR" sz="1600" dirty="0" err="1">
+                <a:latin typeface="나눔바른고딕" panose="020B0603020101020101" pitchFamily="50" charset="-127"/>
+                <a:ea typeface="나눔바른고딕" panose="020B0603020101020101" pitchFamily="50" charset="-127"/>
+              </a:rPr>
+              <a:t>계좌주명</a:t>
+            </a:r>
+            <a:r>
+              <a:rPr lang="en-US" altLang="ko-KR" sz="1600" dirty="0">
+                <a:latin typeface="나눔바른고딕" panose="020B0603020101020101" pitchFamily="50" charset="-127"/>
+                <a:ea typeface="나눔바른고딕" panose="020B0603020101020101" pitchFamily="50" charset="-127"/>
+              </a:rPr>
+              <a:t>, </a:t>
+            </a:r>
+            <a:r>
+              <a:rPr lang="ko-KR" altLang="ko-KR" sz="1600" dirty="0">
+                <a:latin typeface="나눔바른고딕" panose="020B0603020101020101" pitchFamily="50" charset="-127"/>
+                <a:ea typeface="나눔바른고딕" panose="020B0603020101020101" pitchFamily="50" charset="-127"/>
+              </a:rPr>
+              <a:t>잔액</a:t>
+            </a:r>
+            <a:r>
+              <a:rPr lang="en-US" altLang="ko-KR" sz="1600" dirty="0">
+                <a:latin typeface="나눔바른고딕" panose="020B0603020101020101" pitchFamily="50" charset="-127"/>
+                <a:ea typeface="나눔바른고딕" panose="020B0603020101020101" pitchFamily="50" charset="-127"/>
+              </a:rPr>
+              <a:t>, </a:t>
+            </a:r>
+            <a:r>
+              <a:rPr lang="ko-KR" altLang="ko-KR" sz="1600" dirty="0">
+                <a:latin typeface="나눔바른고딕" panose="020B0603020101020101" pitchFamily="50" charset="-127"/>
+                <a:ea typeface="나눔바른고딕" panose="020B0603020101020101" pitchFamily="50" charset="-127"/>
+              </a:rPr>
+              <a:t>별칭으로 구성된다</a:t>
+            </a:r>
+            <a:r>
+              <a:rPr lang="en-US" altLang="ko-KR" sz="1600" dirty="0">
+                <a:latin typeface="나눔바른고딕" panose="020B0603020101020101" pitchFamily="50" charset="-127"/>
+                <a:ea typeface="나눔바른고딕" panose="020B0603020101020101" pitchFamily="50" charset="-127"/>
+              </a:rPr>
+              <a:t>. </a:t>
+            </a:r>
+            <a:endParaRPr lang="ko-KR" altLang="ko-KR" sz="1600" dirty="0">
+              <a:latin typeface="나눔바른고딕" panose="020B0603020101020101" pitchFamily="50" charset="-127"/>
+              <a:ea typeface="나눔바른고딕" panose="020B0603020101020101" pitchFamily="50" charset="-127"/>
+            </a:endParaRPr>
+          </a:p>
+          <a:p>
+            <a:pPr marL="0" indent="0">
+              <a:buNone/>
+            </a:pPr>
+            <a:r>
+              <a:rPr lang="en-US" altLang="ko-KR" sz="1600" dirty="0">
+                <a:latin typeface="나눔바른고딕" panose="020B0603020101020101" pitchFamily="50" charset="-127"/>
+                <a:ea typeface="나눔바른고딕" panose="020B0603020101020101" pitchFamily="50" charset="-127"/>
+              </a:rPr>
+              <a:t>3. </a:t>
+            </a:r>
+            <a:r>
+              <a:rPr lang="ko-KR" altLang="ko-KR" sz="1600" dirty="0">
+                <a:latin typeface="나눔바른고딕" panose="020B0603020101020101" pitchFamily="50" charset="-127"/>
+                <a:ea typeface="나눔바른고딕" panose="020B0603020101020101" pitchFamily="50" charset="-127"/>
+              </a:rPr>
+              <a:t>계좌등록은 통합계좌 관리시스템에서 제공하는 은행에 한해서만 가능하다</a:t>
+            </a:r>
+            <a:r>
+              <a:rPr lang="en-US" altLang="ko-KR" sz="1600" dirty="0">
+                <a:latin typeface="나눔바른고딕" panose="020B0603020101020101" pitchFamily="50" charset="-127"/>
+                <a:ea typeface="나눔바른고딕" panose="020B0603020101020101" pitchFamily="50" charset="-127"/>
+              </a:rPr>
+              <a:t>. (</a:t>
+            </a:r>
+            <a:r>
+              <a:rPr lang="ko-KR" altLang="ko-KR" sz="1600" dirty="0">
+                <a:latin typeface="나눔바른고딕" panose="020B0603020101020101" pitchFamily="50" charset="-127"/>
+                <a:ea typeface="나눔바른고딕" panose="020B0603020101020101" pitchFamily="50" charset="-127"/>
+              </a:rPr>
+              <a:t>하나은행</a:t>
+            </a:r>
+            <a:r>
+              <a:rPr lang="en-US" altLang="ko-KR" sz="1600" dirty="0">
+                <a:latin typeface="나눔바른고딕" panose="020B0603020101020101" pitchFamily="50" charset="-127"/>
+                <a:ea typeface="나눔바른고딕" panose="020B0603020101020101" pitchFamily="50" charset="-127"/>
+              </a:rPr>
+              <a:t>, </a:t>
+            </a:r>
+            <a:r>
+              <a:rPr lang="ko-KR" altLang="ko-KR" sz="1600" dirty="0">
+                <a:latin typeface="나눔바른고딕" panose="020B0603020101020101" pitchFamily="50" charset="-127"/>
+                <a:ea typeface="나눔바른고딕" panose="020B0603020101020101" pitchFamily="50" charset="-127"/>
+              </a:rPr>
+              <a:t>우리은행</a:t>
+            </a:r>
+            <a:r>
+              <a:rPr lang="en-US" altLang="ko-KR" sz="1600" dirty="0">
+                <a:latin typeface="나눔바른고딕" panose="020B0603020101020101" pitchFamily="50" charset="-127"/>
+                <a:ea typeface="나눔바른고딕" panose="020B0603020101020101" pitchFamily="50" charset="-127"/>
+              </a:rPr>
+              <a:t>, </a:t>
+            </a:r>
+            <a:r>
+              <a:rPr lang="ko-KR" altLang="ko-KR" sz="1600" dirty="0">
+                <a:latin typeface="나눔바른고딕" panose="020B0603020101020101" pitchFamily="50" charset="-127"/>
+                <a:ea typeface="나눔바른고딕" panose="020B0603020101020101" pitchFamily="50" charset="-127"/>
+              </a:rPr>
+              <a:t>국민은행</a:t>
+            </a:r>
+            <a:r>
+              <a:rPr lang="en-US" altLang="ko-KR" sz="1600" dirty="0">
+                <a:latin typeface="나눔바른고딕" panose="020B0603020101020101" pitchFamily="50" charset="-127"/>
+                <a:ea typeface="나눔바른고딕" panose="020B0603020101020101" pitchFamily="50" charset="-127"/>
+              </a:rPr>
+              <a:t>, </a:t>
+            </a:r>
+            <a:r>
+              <a:rPr lang="ko-KR" altLang="ko-KR" sz="1600" dirty="0">
+                <a:latin typeface="나눔바른고딕" panose="020B0603020101020101" pitchFamily="50" charset="-127"/>
+                <a:ea typeface="나눔바른고딕" panose="020B0603020101020101" pitchFamily="50" charset="-127"/>
+              </a:rPr>
+              <a:t>신한은행</a:t>
+            </a:r>
+            <a:r>
+              <a:rPr lang="en-US" altLang="ko-KR" sz="1600" dirty="0">
+                <a:latin typeface="나눔바른고딕" panose="020B0603020101020101" pitchFamily="50" charset="-127"/>
+                <a:ea typeface="나눔바른고딕" panose="020B0603020101020101" pitchFamily="50" charset="-127"/>
+              </a:rPr>
+              <a:t>, </a:t>
+            </a:r>
+            <a:r>
+              <a:rPr lang="ko-KR" altLang="ko-KR" sz="1600" dirty="0">
+                <a:latin typeface="나눔바른고딕" panose="020B0603020101020101" pitchFamily="50" charset="-127"/>
+                <a:ea typeface="나눔바른고딕" panose="020B0603020101020101" pitchFamily="50" charset="-127"/>
+              </a:rPr>
+              <a:t>기업은행 중 </a:t>
+            </a:r>
+            <a:r>
+              <a:rPr lang="ko-KR" altLang="ko-KR" sz="1600" dirty="0" err="1">
+                <a:latin typeface="나눔바른고딕" panose="020B0603020101020101" pitchFamily="50" charset="-127"/>
+                <a:ea typeface="나눔바른고딕" panose="020B0603020101020101" pitchFamily="50" charset="-127"/>
+              </a:rPr>
+              <a:t>택</a:t>
+            </a:r>
+            <a:r>
+              <a:rPr lang="en-US" altLang="ko-KR" sz="1600" dirty="0">
+                <a:latin typeface="나눔바른고딕" panose="020B0603020101020101" pitchFamily="50" charset="-127"/>
+                <a:ea typeface="나눔바른고딕" panose="020B0603020101020101" pitchFamily="50" charset="-127"/>
+              </a:rPr>
+              <a:t>1)</a:t>
+            </a:r>
+            <a:endParaRPr lang="ko-KR" altLang="ko-KR" sz="1600" dirty="0">
+              <a:latin typeface="나눔바른고딕" panose="020B0603020101020101" pitchFamily="50" charset="-127"/>
+              <a:ea typeface="나눔바른고딕" panose="020B0603020101020101" pitchFamily="50" charset="-127"/>
+            </a:endParaRPr>
+          </a:p>
+          <a:p>
+            <a:pPr marL="0" indent="0">
+              <a:buNone/>
+            </a:pPr>
+            <a:r>
+              <a:rPr lang="en-US" altLang="ko-KR" sz="1600" dirty="0">
+                <a:latin typeface="나눔바른고딕" panose="020B0603020101020101" pitchFamily="50" charset="-127"/>
+                <a:ea typeface="나눔바른고딕" panose="020B0603020101020101" pitchFamily="50" charset="-127"/>
+              </a:rPr>
+              <a:t>4. </a:t>
+            </a:r>
+            <a:r>
+              <a:rPr lang="ko-KR" altLang="ko-KR" sz="1600" dirty="0">
+                <a:latin typeface="나눔바른고딕" panose="020B0603020101020101" pitchFamily="50" charset="-127"/>
+                <a:ea typeface="나눔바른고딕" panose="020B0603020101020101" pitchFamily="50" charset="-127"/>
+              </a:rPr>
+              <a:t>사용자는 계좌번호의 별칭을 수정할 수 있다</a:t>
+            </a:r>
+            <a:r>
+              <a:rPr lang="en-US" altLang="ko-KR" sz="1600" dirty="0">
+                <a:latin typeface="나눔바른고딕" panose="020B0603020101020101" pitchFamily="50" charset="-127"/>
+                <a:ea typeface="나눔바른고딕" panose="020B0603020101020101" pitchFamily="50" charset="-127"/>
+              </a:rPr>
+              <a:t>. </a:t>
+            </a:r>
+          </a:p>
+          <a:p>
+            <a:pPr marL="0" indent="0">
+              <a:buNone/>
+            </a:pPr>
+            <a:r>
+              <a:rPr lang="en-US" altLang="ko-KR" sz="1600" dirty="0">
+                <a:latin typeface="나눔바른고딕" panose="020B0603020101020101" pitchFamily="50" charset="-127"/>
+                <a:ea typeface="나눔바른고딕" panose="020B0603020101020101" pitchFamily="50" charset="-127"/>
+              </a:rPr>
+              <a:t>5. </a:t>
+            </a:r>
+            <a:r>
+              <a:rPr lang="ko-KR" altLang="ko-KR" sz="1600" dirty="0">
+                <a:latin typeface="나눔바른고딕" panose="020B0603020101020101" pitchFamily="50" charset="-127"/>
+                <a:ea typeface="나눔바른고딕" panose="020B0603020101020101" pitchFamily="50" charset="-127"/>
+              </a:rPr>
+              <a:t>사용자는 통합계좌 관리에서 계좌를 생성</a:t>
+            </a:r>
+            <a:r>
+              <a:rPr lang="en-US" altLang="ko-KR" sz="1600" dirty="0">
+                <a:latin typeface="나눔바른고딕" panose="020B0603020101020101" pitchFamily="50" charset="-127"/>
+                <a:ea typeface="나눔바른고딕" panose="020B0603020101020101" pitchFamily="50" charset="-127"/>
+              </a:rPr>
+              <a:t>, </a:t>
+            </a:r>
+            <a:r>
+              <a:rPr lang="ko-KR" altLang="ko-KR" sz="1600" dirty="0">
+                <a:latin typeface="나눔바른고딕" panose="020B0603020101020101" pitchFamily="50" charset="-127"/>
+                <a:ea typeface="나눔바른고딕" panose="020B0603020101020101" pitchFamily="50" charset="-127"/>
+              </a:rPr>
+              <a:t>등록</a:t>
+            </a:r>
+            <a:r>
+              <a:rPr lang="en-US" altLang="ko-KR" sz="1600" dirty="0">
+                <a:latin typeface="나눔바른고딕" panose="020B0603020101020101" pitchFamily="50" charset="-127"/>
+                <a:ea typeface="나눔바른고딕" panose="020B0603020101020101" pitchFamily="50" charset="-127"/>
+              </a:rPr>
+              <a:t>, </a:t>
+            </a:r>
+            <a:r>
+              <a:rPr lang="ko-KR" altLang="ko-KR" sz="1600" dirty="0">
+                <a:latin typeface="나눔바른고딕" panose="020B0603020101020101" pitchFamily="50" charset="-127"/>
+                <a:ea typeface="나눔바른고딕" panose="020B0603020101020101" pitchFamily="50" charset="-127"/>
+              </a:rPr>
+              <a:t>수정</a:t>
+            </a:r>
+            <a:r>
+              <a:rPr lang="en-US" altLang="ko-KR" sz="1600" dirty="0">
+                <a:latin typeface="나눔바른고딕" panose="020B0603020101020101" pitchFamily="50" charset="-127"/>
+                <a:ea typeface="나눔바른고딕" panose="020B0603020101020101" pitchFamily="50" charset="-127"/>
+              </a:rPr>
+              <a:t>, </a:t>
+            </a:r>
+            <a:r>
+              <a:rPr lang="ko-KR" altLang="ko-KR" sz="1600" dirty="0">
+                <a:latin typeface="나눔바른고딕" panose="020B0603020101020101" pitchFamily="50" charset="-127"/>
+                <a:ea typeface="나눔바른고딕" panose="020B0603020101020101" pitchFamily="50" charset="-127"/>
+              </a:rPr>
+              <a:t>삭제</a:t>
+            </a:r>
+            <a:r>
+              <a:rPr lang="en-US" altLang="ko-KR" sz="1600" dirty="0">
+                <a:latin typeface="나눔바른고딕" panose="020B0603020101020101" pitchFamily="50" charset="-127"/>
+                <a:ea typeface="나눔바른고딕" panose="020B0603020101020101" pitchFamily="50" charset="-127"/>
+              </a:rPr>
+              <a:t>, </a:t>
+            </a:r>
+            <a:r>
+              <a:rPr lang="ko-KR" altLang="ko-KR" sz="1600" dirty="0">
+                <a:latin typeface="나눔바른고딕" panose="020B0603020101020101" pitchFamily="50" charset="-127"/>
+                <a:ea typeface="나눔바른고딕" panose="020B0603020101020101" pitchFamily="50" charset="-127"/>
+              </a:rPr>
+              <a:t>조회할 수 있다</a:t>
+            </a:r>
+            <a:r>
+              <a:rPr lang="en-US" altLang="ko-KR" sz="1600" dirty="0">
+                <a:latin typeface="나눔바른고딕" panose="020B0603020101020101" pitchFamily="50" charset="-127"/>
+                <a:ea typeface="나눔바른고딕" panose="020B0603020101020101" pitchFamily="50" charset="-127"/>
+              </a:rPr>
+              <a:t>. </a:t>
+            </a:r>
+            <a:endParaRPr lang="ko-KR" altLang="ko-KR" sz="1600" dirty="0">
+              <a:latin typeface="나눔바른고딕" panose="020B0603020101020101" pitchFamily="50" charset="-127"/>
+              <a:ea typeface="나눔바른고딕" panose="020B0603020101020101" pitchFamily="50" charset="-127"/>
+            </a:endParaRPr>
+          </a:p>
+          <a:p>
+            <a:pPr marL="0" indent="0">
+              <a:buNone/>
+            </a:pPr>
+            <a:r>
+              <a:rPr lang="en-US" altLang="ko-KR" sz="1600" dirty="0">
+                <a:latin typeface="나눔바른고딕" panose="020B0603020101020101" pitchFamily="50" charset="-127"/>
+                <a:ea typeface="나눔바른고딕" panose="020B0603020101020101" pitchFamily="50" charset="-127"/>
+              </a:rPr>
+              <a:t>6. </a:t>
+            </a:r>
+            <a:r>
+              <a:rPr lang="ko-KR" altLang="ko-KR" sz="1600" dirty="0">
+                <a:latin typeface="나눔바른고딕" panose="020B0603020101020101" pitchFamily="50" charset="-127"/>
+                <a:ea typeface="나눔바른고딕" panose="020B0603020101020101" pitchFamily="50" charset="-127"/>
+              </a:rPr>
+              <a:t>사용자는 계좌번호로 계좌 정보를 검색할 수 있다</a:t>
+            </a:r>
+            <a:r>
+              <a:rPr lang="en-US" altLang="ko-KR" sz="1600" dirty="0">
+                <a:latin typeface="나눔바른고딕" panose="020B0603020101020101" pitchFamily="50" charset="-127"/>
+                <a:ea typeface="나눔바른고딕" panose="020B0603020101020101" pitchFamily="50" charset="-127"/>
+              </a:rPr>
+              <a:t>.</a:t>
+            </a:r>
+            <a:endParaRPr lang="ko-KR" altLang="ko-KR" sz="1600" dirty="0">
+              <a:latin typeface="나눔바른고딕" panose="020B0603020101020101" pitchFamily="50" charset="-127"/>
+              <a:ea typeface="나눔바른고딕" panose="020B0603020101020101" pitchFamily="50" charset="-127"/>
+            </a:endParaRPr>
+          </a:p>
+          <a:p>
+            <a:pPr marL="0" indent="0">
+              <a:buNone/>
+            </a:pPr>
+            <a:r>
+              <a:rPr lang="en-US" altLang="ko-KR" sz="1600" dirty="0">
+                <a:latin typeface="나눔바른고딕" panose="020B0603020101020101" pitchFamily="50" charset="-127"/>
+                <a:ea typeface="나눔바른고딕" panose="020B0603020101020101" pitchFamily="50" charset="-127"/>
+              </a:rPr>
+              <a:t>7. </a:t>
+            </a:r>
+            <a:r>
+              <a:rPr lang="ko-KR" altLang="ko-KR" sz="1600" dirty="0">
+                <a:latin typeface="나눔바른고딕" panose="020B0603020101020101" pitchFamily="50" charset="-127"/>
+                <a:ea typeface="나눔바른고딕" panose="020B0603020101020101" pitchFamily="50" charset="-127"/>
+              </a:rPr>
+              <a:t>사용자는 전체 계좌정보 리스트를 검색할 수 있다</a:t>
+            </a:r>
+            <a:r>
+              <a:rPr lang="en-US" altLang="ko-KR" sz="1600" dirty="0">
+                <a:latin typeface="나눔바른고딕" panose="020B0603020101020101" pitchFamily="50" charset="-127"/>
+                <a:ea typeface="나눔바른고딕" panose="020B0603020101020101" pitchFamily="50" charset="-127"/>
+              </a:rPr>
+              <a:t>.</a:t>
+            </a:r>
+            <a:endParaRPr lang="ko-KR" altLang="ko-KR" sz="1600" dirty="0">
+              <a:latin typeface="나눔바른고딕" panose="020B0603020101020101" pitchFamily="50" charset="-127"/>
+              <a:ea typeface="나눔바른고딕" panose="020B0603020101020101" pitchFamily="50" charset="-127"/>
+            </a:endParaRPr>
+          </a:p>
+          <a:p>
+            <a:pPr marL="0" indent="0">
+              <a:buNone/>
+            </a:pPr>
+            <a:r>
+              <a:rPr lang="en-US" altLang="ko-KR" sz="1600" dirty="0">
+                <a:latin typeface="나눔바른고딕" panose="020B0603020101020101" pitchFamily="50" charset="-127"/>
+                <a:ea typeface="나눔바른고딕" panose="020B0603020101020101" pitchFamily="50" charset="-127"/>
+              </a:rPr>
+              <a:t>8. </a:t>
+            </a:r>
+            <a:r>
+              <a:rPr lang="ko-KR" altLang="ko-KR" sz="1600" dirty="0">
+                <a:latin typeface="나눔바른고딕" panose="020B0603020101020101" pitchFamily="50" charset="-127"/>
+                <a:ea typeface="나눔바른고딕" panose="020B0603020101020101" pitchFamily="50" charset="-127"/>
+              </a:rPr>
+              <a:t>각 계좌들은 입금</a:t>
+            </a:r>
+            <a:r>
+              <a:rPr lang="en-US" altLang="ko-KR" sz="1600" dirty="0">
+                <a:latin typeface="나눔바른고딕" panose="020B0603020101020101" pitchFamily="50" charset="-127"/>
+                <a:ea typeface="나눔바른고딕" panose="020B0603020101020101" pitchFamily="50" charset="-127"/>
+              </a:rPr>
+              <a:t>, </a:t>
+            </a:r>
+            <a:r>
+              <a:rPr lang="ko-KR" altLang="ko-KR" sz="1600" dirty="0">
+                <a:latin typeface="나눔바른고딕" panose="020B0603020101020101" pitchFamily="50" charset="-127"/>
+                <a:ea typeface="나눔바른고딕" panose="020B0603020101020101" pitchFamily="50" charset="-127"/>
+              </a:rPr>
+              <a:t>출금</a:t>
+            </a:r>
+            <a:r>
+              <a:rPr lang="en-US" altLang="ko-KR" sz="1600" dirty="0">
+                <a:latin typeface="나눔바른고딕" panose="020B0603020101020101" pitchFamily="50" charset="-127"/>
+                <a:ea typeface="나눔바른고딕" panose="020B0603020101020101" pitchFamily="50" charset="-127"/>
+              </a:rPr>
+              <a:t>, </a:t>
+            </a:r>
+            <a:r>
+              <a:rPr lang="ko-KR" altLang="ko-KR" sz="1600" dirty="0">
+                <a:latin typeface="나눔바른고딕" panose="020B0603020101020101" pitchFamily="50" charset="-127"/>
+                <a:ea typeface="나눔바른고딕" panose="020B0603020101020101" pitchFamily="50" charset="-127"/>
+              </a:rPr>
+              <a:t>계좌이체가 가능하다</a:t>
+            </a:r>
+            <a:r>
+              <a:rPr lang="en-US" altLang="ko-KR" sz="1600" dirty="0">
+                <a:latin typeface="나눔바른고딕" panose="020B0603020101020101" pitchFamily="50" charset="-127"/>
+                <a:ea typeface="나눔바른고딕" panose="020B0603020101020101" pitchFamily="50" charset="-127"/>
+              </a:rPr>
+              <a:t>.</a:t>
+            </a:r>
+            <a:endParaRPr lang="ko-KR" altLang="ko-KR" sz="1600" dirty="0">
+              <a:latin typeface="나눔바른고딕" panose="020B0603020101020101" pitchFamily="50" charset="-127"/>
+              <a:ea typeface="나눔바른고딕" panose="020B0603020101020101" pitchFamily="50" charset="-127"/>
+            </a:endParaRPr>
+          </a:p>
+          <a:p>
+            <a:pPr marL="0" indent="0">
+              <a:buNone/>
+            </a:pPr>
+            <a:r>
+              <a:rPr lang="en-US" altLang="ko-KR" sz="1600" dirty="0">
+                <a:latin typeface="나눔바른고딕" panose="020B0603020101020101" pitchFamily="50" charset="-127"/>
+                <a:ea typeface="나눔바른고딕" panose="020B0603020101020101" pitchFamily="50" charset="-127"/>
+              </a:rPr>
+              <a:t>9. </a:t>
+            </a:r>
+            <a:r>
+              <a:rPr lang="ko-KR" altLang="ko-KR" sz="1600" dirty="0">
+                <a:latin typeface="나눔바른고딕" panose="020B0603020101020101" pitchFamily="50" charset="-127"/>
+                <a:ea typeface="나눔바른고딕" panose="020B0603020101020101" pitchFamily="50" charset="-127"/>
+              </a:rPr>
+              <a:t>계좌이체 시 이체금액이 잔액보다 적은 경우 이체가 취소된다</a:t>
+            </a:r>
+            <a:r>
+              <a:rPr lang="en-US" altLang="ko-KR" sz="1600" dirty="0">
+                <a:latin typeface="나눔바른고딕" panose="020B0603020101020101" pitchFamily="50" charset="-127"/>
+                <a:ea typeface="나눔바른고딕" panose="020B0603020101020101" pitchFamily="50" charset="-127"/>
+              </a:rPr>
+              <a:t>.</a:t>
+            </a:r>
+            <a:endParaRPr lang="ko-KR" altLang="ko-KR" sz="1600" dirty="0">
+              <a:latin typeface="나눔바른고딕" panose="020B0603020101020101" pitchFamily="50" charset="-127"/>
+              <a:ea typeface="나눔바른고딕" panose="020B0603020101020101" pitchFamily="50" charset="-127"/>
+            </a:endParaRPr>
+          </a:p>
+          <a:p>
+            <a:pPr marL="0" indent="0">
+              <a:buNone/>
+            </a:pPr>
+            <a:r>
+              <a:rPr lang="en-US" altLang="ko-KR" sz="1600" dirty="0">
+                <a:latin typeface="나눔바른고딕" panose="020B0603020101020101" pitchFamily="50" charset="-127"/>
+                <a:ea typeface="나눔바른고딕" panose="020B0603020101020101" pitchFamily="50" charset="-127"/>
+              </a:rPr>
+              <a:t>10. </a:t>
+            </a:r>
+            <a:r>
+              <a:rPr lang="ko-KR" altLang="ko-KR" sz="1600" dirty="0">
+                <a:latin typeface="나눔바른고딕" panose="020B0603020101020101" pitchFamily="50" charset="-127"/>
+                <a:ea typeface="나눔바른고딕" panose="020B0603020101020101" pitchFamily="50" charset="-127"/>
+              </a:rPr>
+              <a:t>사용자는 계좌를 생성할 수 있고</a:t>
+            </a:r>
+            <a:r>
+              <a:rPr lang="en-US" altLang="ko-KR" sz="1600" dirty="0">
+                <a:latin typeface="나눔바른고딕" panose="020B0603020101020101" pitchFamily="50" charset="-127"/>
+                <a:ea typeface="나눔바른고딕" panose="020B0603020101020101" pitchFamily="50" charset="-127"/>
+              </a:rPr>
+              <a:t>, </a:t>
+            </a:r>
+            <a:r>
+              <a:rPr lang="ko-KR" altLang="ko-KR" sz="1600" dirty="0">
+                <a:latin typeface="나눔바른고딕" panose="020B0603020101020101" pitchFamily="50" charset="-127"/>
+                <a:ea typeface="나눔바른고딕" panose="020B0603020101020101" pitchFamily="50" charset="-127"/>
+              </a:rPr>
+              <a:t>최초 생성 시 입금액은 </a:t>
+            </a:r>
+            <a:r>
+              <a:rPr lang="en-US" altLang="ko-KR" sz="1600" dirty="0">
+                <a:latin typeface="나눔바른고딕" panose="020B0603020101020101" pitchFamily="50" charset="-127"/>
+                <a:ea typeface="나눔바른고딕" panose="020B0603020101020101" pitchFamily="50" charset="-127"/>
+              </a:rPr>
+              <a:t>1000</a:t>
+            </a:r>
+            <a:r>
+              <a:rPr lang="ko-KR" altLang="ko-KR" sz="1600" dirty="0">
+                <a:latin typeface="나눔바른고딕" panose="020B0603020101020101" pitchFamily="50" charset="-127"/>
+                <a:ea typeface="나눔바른고딕" panose="020B0603020101020101" pitchFamily="50" charset="-127"/>
+              </a:rPr>
+              <a:t>원 이상 입금되어야 한다</a:t>
+            </a:r>
+            <a:r>
+              <a:rPr lang="en-US" altLang="ko-KR" sz="1600" dirty="0">
+                <a:latin typeface="나눔바른고딕" panose="020B0603020101020101" pitchFamily="50" charset="-127"/>
+                <a:ea typeface="나눔바른고딕" panose="020B0603020101020101" pitchFamily="50" charset="-127"/>
+              </a:rPr>
+              <a:t>.</a:t>
+            </a:r>
+            <a:endParaRPr lang="ko-KR" altLang="ko-KR" sz="1600" dirty="0">
+              <a:latin typeface="나눔바른고딕" panose="020B0603020101020101" pitchFamily="50" charset="-127"/>
+              <a:ea typeface="나눔바른고딕" panose="020B0603020101020101" pitchFamily="50" charset="-127"/>
+            </a:endParaRPr>
+          </a:p>
+          <a:p>
+            <a:pPr marL="0" indent="0">
+              <a:buNone/>
+            </a:pPr>
+            <a:r>
+              <a:rPr lang="en-US" altLang="ko-KR" sz="1600" dirty="0">
+                <a:latin typeface="나눔바른고딕" panose="020B0603020101020101" pitchFamily="50" charset="-127"/>
+                <a:ea typeface="나눔바른고딕" panose="020B0603020101020101" pitchFamily="50" charset="-127"/>
+              </a:rPr>
+              <a:t>11. </a:t>
+            </a:r>
+            <a:r>
+              <a:rPr lang="ko-KR" altLang="ko-KR" sz="1600" dirty="0">
+                <a:latin typeface="나눔바른고딕" panose="020B0603020101020101" pitchFamily="50" charset="-127"/>
+                <a:ea typeface="나눔바른고딕" panose="020B0603020101020101" pitchFamily="50" charset="-127"/>
+              </a:rPr>
+              <a:t>계좌이체 작업 중 출금</a:t>
+            </a:r>
+            <a:r>
+              <a:rPr lang="en-US" altLang="ko-KR" sz="1600" dirty="0">
+                <a:latin typeface="나눔바른고딕" panose="020B0603020101020101" pitchFamily="50" charset="-127"/>
+                <a:ea typeface="나눔바른고딕" panose="020B0603020101020101" pitchFamily="50" charset="-127"/>
+              </a:rPr>
+              <a:t>, </a:t>
+            </a:r>
+            <a:r>
+              <a:rPr lang="ko-KR" altLang="ko-KR" sz="1600" dirty="0">
+                <a:latin typeface="나눔바른고딕" panose="020B0603020101020101" pitchFamily="50" charset="-127"/>
+                <a:ea typeface="나눔바른고딕" panose="020B0603020101020101" pitchFamily="50" charset="-127"/>
+              </a:rPr>
+              <a:t>입금 업무에서 문제가 발생하는 경우 모든 작업이 취소된다</a:t>
+            </a:r>
+            <a:r>
+              <a:rPr lang="en-US" altLang="ko-KR" sz="1600" dirty="0">
+                <a:latin typeface="나눔바른고딕" panose="020B0603020101020101" pitchFamily="50" charset="-127"/>
+                <a:ea typeface="나눔바른고딕" panose="020B0603020101020101" pitchFamily="50" charset="-127"/>
+              </a:rPr>
+              <a:t>.</a:t>
+            </a:r>
+          </a:p>
+          <a:p>
+            <a:pPr marL="0" indent="0">
+              <a:buNone/>
+            </a:pPr>
+            <a:r>
+              <a:rPr lang="en-US" altLang="ko-KR" sz="1600" dirty="0">
+                <a:latin typeface="나눔바른고딕" panose="020B0603020101020101" pitchFamily="50" charset="-127"/>
+                <a:ea typeface="나눔바른고딕" panose="020B0603020101020101" pitchFamily="50" charset="-127"/>
+              </a:rPr>
+              <a:t>12. </a:t>
+            </a:r>
+            <a:r>
+              <a:rPr lang="ko-KR" altLang="en-US" sz="1600" dirty="0">
+                <a:latin typeface="나눔바른고딕" panose="020B0603020101020101" pitchFamily="50" charset="-127"/>
+                <a:ea typeface="나눔바른고딕" panose="020B0603020101020101" pitchFamily="50" charset="-127"/>
+              </a:rPr>
+              <a:t>회원가입 시 중복체크가 가능하다</a:t>
+            </a:r>
+            <a:r>
+              <a:rPr lang="en-US" altLang="ko-KR" sz="1600" dirty="0">
+                <a:latin typeface="나눔바른고딕" panose="020B0603020101020101" pitchFamily="50" charset="-127"/>
+                <a:ea typeface="나눔바른고딕" panose="020B0603020101020101" pitchFamily="50" charset="-127"/>
+              </a:rPr>
+              <a:t>.</a:t>
+            </a:r>
+          </a:p>
+          <a:p>
+            <a:pPr marL="0" indent="0">
+              <a:buNone/>
+            </a:pPr>
+            <a:r>
+              <a:rPr lang="en-US" altLang="ko-KR" sz="1600" dirty="0">
+                <a:latin typeface="나눔바른고딕" panose="020B0603020101020101" pitchFamily="50" charset="-127"/>
+                <a:ea typeface="나눔바른고딕" panose="020B0603020101020101" pitchFamily="50" charset="-127"/>
+              </a:rPr>
+              <a:t>13. </a:t>
+            </a:r>
+            <a:r>
+              <a:rPr lang="ko-KR" altLang="en-US" sz="1600" dirty="0">
+                <a:latin typeface="나눔바른고딕" panose="020B0603020101020101" pitchFamily="50" charset="-127"/>
+                <a:ea typeface="나눔바른고딕" panose="020B0603020101020101" pitchFamily="50" charset="-127"/>
+              </a:rPr>
+              <a:t>입출금내역의 조회가 가능하다</a:t>
+            </a:r>
+            <a:r>
+              <a:rPr lang="en-US" altLang="ko-KR" sz="1600" dirty="0">
+                <a:latin typeface="나눔바른고딕" panose="020B0603020101020101" pitchFamily="50" charset="-127"/>
+                <a:ea typeface="나눔바른고딕" panose="020B0603020101020101" pitchFamily="50" charset="-127"/>
+              </a:rPr>
+              <a:t>.</a:t>
+            </a:r>
+            <a:endParaRPr lang="ko-KR" altLang="ko-KR" sz="1600" dirty="0">
+              <a:latin typeface="나눔바른고딕" panose="020B0603020101020101" pitchFamily="50" charset="-127"/>
+              <a:ea typeface="나눔바른고딕" panose="020B0603020101020101" pitchFamily="50" charset="-127"/>
+            </a:endParaRPr>
+          </a:p>
+          <a:p>
+            <a:pPr marL="0" indent="0">
+              <a:buNone/>
+            </a:pPr>
+            <a:r>
+              <a:rPr lang="en-US" altLang="ko-KR" sz="1600" dirty="0">
+                <a:latin typeface="나눔바른고딕" panose="020B0603020101020101" pitchFamily="50" charset="-127"/>
+                <a:ea typeface="나눔바른고딕" panose="020B0603020101020101" pitchFamily="50" charset="-127"/>
+              </a:rPr>
+              <a:t> </a:t>
+            </a:r>
+            <a:endParaRPr lang="ko-KR" altLang="ko-KR" sz="1600" dirty="0">
+              <a:latin typeface="나눔바른고딕" panose="020B0603020101020101" pitchFamily="50" charset="-127"/>
+              <a:ea typeface="나눔바른고딕" panose="020B0603020101020101" pitchFamily="50" charset="-127"/>
+            </a:endParaRPr>
+          </a:p>
+          <a:p>
+            <a:pPr marL="0" indent="0">
+              <a:buNone/>
+            </a:pPr>
+            <a:endParaRPr lang="ko-KR" altLang="en-US" sz="1600" dirty="0">
+              <a:latin typeface="나눔바른고딕" panose="020B0603020101020101" pitchFamily="50" charset="-127"/>
+              <a:ea typeface="나눔바른고딕" panose="020B0603020101020101" pitchFamily="50" charset="-127"/>
+            </a:endParaRPr>
+          </a:p>
+        </p:txBody>
+      </p:sp>
+      <p:sp>
+        <p:nvSpPr>
+          <p:cNvPr id="4" name="제목 1">
+            <a:extLst>
+              <a:ext uri="{FF2B5EF4-FFF2-40B4-BE49-F238E27FC236}">
+                <a16:creationId xmlns:a16="http://schemas.microsoft.com/office/drawing/2014/main" id="{98C62947-CF86-4BE8-B3D5-2C51674E9ECE}"/>
+              </a:ext>
+            </a:extLst>
+          </p:cNvPr>
+          <p:cNvSpPr txBox="1">
+            <a:spLocks/>
+          </p:cNvSpPr>
+          <p:nvPr/>
+        </p:nvSpPr>
+        <p:spPr>
+          <a:xfrm>
+            <a:off x="334618" y="139838"/>
+            <a:ext cx="10515600" cy="1325563"/>
+          </a:xfrm>
+          <a:prstGeom prst="rect">
+            <a:avLst/>
+          </a:prstGeom>
+        </p:spPr>
+        <p:txBody>
+          <a:bodyPr vert="horz" lIns="91440" tIns="45720" rIns="91440" bIns="45720" rtlCol="0" anchor="ctr">
+            <a:normAutofit/>
+          </a:bodyPr>
+          <a:lstStyle>
+            <a:lvl1pPr algn="l" defTabSz="914400" rtl="0" eaLnBrk="1" latinLnBrk="1" hangingPunct="1">
+              <a:lnSpc>
+                <a:spcPct val="90000"/>
+              </a:lnSpc>
+              <a:spcBef>
+                <a:spcPct val="0"/>
+              </a:spcBef>
+              <a:buNone/>
+              <a:defRPr sz="4400" kern="1200">
+                <a:solidFill>
+                  <a:schemeClr val="tx1"/>
+                </a:solidFill>
+                <a:latin typeface="+mj-lt"/>
+                <a:ea typeface="+mj-ea"/>
+                <a:cs typeface="+mj-cs"/>
+              </a:defRPr>
+            </a:lvl1pPr>
+          </a:lstStyle>
+          <a:p>
+            <a:r>
+              <a:rPr lang="en-US" altLang="ko-KR" dirty="0">
+                <a:latin typeface="나눔바른고딕" panose="020B0603020101020101" pitchFamily="50" charset="-127"/>
+                <a:ea typeface="나눔바른고딕" panose="020B0603020101020101" pitchFamily="50" charset="-127"/>
+              </a:rPr>
+              <a:t>3. </a:t>
+            </a:r>
+            <a:r>
+              <a:rPr lang="ko-KR" altLang="en-US" dirty="0">
+                <a:latin typeface="나눔바른고딕" panose="020B0603020101020101" pitchFamily="50" charset="-127"/>
+                <a:ea typeface="나눔바른고딕" panose="020B0603020101020101" pitchFamily="50" charset="-127"/>
+              </a:rPr>
+              <a:t>요구사항 명세서</a:t>
+            </a:r>
+            <a:endParaRPr lang="ko-KR" altLang="en-US" dirty="0"/>
+          </a:p>
+        </p:txBody>
+      </p:sp>
+      <p:sp>
+        <p:nvSpPr>
+          <p:cNvPr id="6" name="슬라이드 번호 개체 틀 5">
+            <a:extLst>
+              <a:ext uri="{FF2B5EF4-FFF2-40B4-BE49-F238E27FC236}">
+                <a16:creationId xmlns:a16="http://schemas.microsoft.com/office/drawing/2014/main" id="{156BE5D0-E06D-459C-8907-35F001F02DA8}"/>
+              </a:ext>
+            </a:extLst>
+          </p:cNvPr>
+          <p:cNvSpPr>
+            <a:spLocks noGrp="1"/>
+          </p:cNvSpPr>
+          <p:nvPr>
+            <p:ph type="sldNum" sz="quarter" idx="12"/>
+          </p:nvPr>
+        </p:nvSpPr>
+        <p:spPr>
+          <a:xfrm>
+            <a:off x="4724400" y="6060450"/>
+            <a:ext cx="2743200" cy="365125"/>
+          </a:xfrm>
+        </p:spPr>
+        <p:txBody>
+          <a:bodyPr/>
+          <a:lstStyle/>
+          <a:p>
+            <a:pPr algn="ctr"/>
+            <a:fld id="{5EB2F036-81AB-4A80-8019-B671CB9C4132}" type="slidenum">
+              <a:rPr lang="ko-KR" altLang="en-US" smtClean="0"/>
+              <a:pPr algn="ctr"/>
+              <a:t>9</a:t>
+            </a:fld>
+            <a:endParaRPr lang="ko-KR" altLang="en-US" dirty="0"/>
+          </a:p>
+        </p:txBody>
+      </p:sp>
+    </p:spTree>
+    <p:extLst>
+      <p:ext uri="{BB962C8B-B14F-4D97-AF65-F5344CB8AC3E}">
+        <p14:creationId xmlns:p14="http://schemas.microsoft.com/office/powerpoint/2010/main" val="1927855606"/>
       </p:ext>
     </p:extLst>
   </p:cSld>
